--- a/materials/slides/ch01-hybrid-app-development-introduction.pptx
+++ b/materials/slides/ch01-hybrid-app-development-introduction.pptx
@@ -5,24 +5,22 @@
     <p:sldMasterId id="2147483648" r:id="rId1"/>
   </p:sldMasterIdLst>
   <p:notesMasterIdLst>
-    <p:notesMasterId r:id="rId17"/>
+    <p:notesMasterId r:id="rId15"/>
   </p:notesMasterIdLst>
   <p:sldIdLst>
     <p:sldId id="773" r:id="rId2"/>
     <p:sldId id="832" r:id="rId3"/>
     <p:sldId id="879" r:id="rId4"/>
     <p:sldId id="915" r:id="rId5"/>
-    <p:sldId id="916" r:id="rId6"/>
-    <p:sldId id="921" r:id="rId7"/>
-    <p:sldId id="917" r:id="rId8"/>
-    <p:sldId id="918" r:id="rId9"/>
-    <p:sldId id="926" r:id="rId10"/>
-    <p:sldId id="925" r:id="rId11"/>
-    <p:sldId id="922" r:id="rId12"/>
-    <p:sldId id="923" r:id="rId13"/>
-    <p:sldId id="924" r:id="rId14"/>
-    <p:sldId id="937" r:id="rId15"/>
-    <p:sldId id="934" r:id="rId16"/>
+    <p:sldId id="921" r:id="rId6"/>
+    <p:sldId id="917" r:id="rId7"/>
+    <p:sldId id="918" r:id="rId8"/>
+    <p:sldId id="926" r:id="rId9"/>
+    <p:sldId id="925" r:id="rId10"/>
+    <p:sldId id="922" r:id="rId11"/>
+    <p:sldId id="923" r:id="rId12"/>
+    <p:sldId id="924" r:id="rId13"/>
+    <p:sldId id="937" r:id="rId14"/>
   </p:sldIdLst>
   <p:sldSz cx="12192000" cy="6858000"/>
   <p:notesSz cx="6797675" cy="9928225"/>
@@ -464,7 +462,7 @@
     </p:spTree>
     <p:extLst>
       <p:ext uri="{BB962C8B-B14F-4D97-AF65-F5344CB8AC3E}">
-        <p14:creationId xmlns:p14="http://schemas.microsoft.com/office/powerpoint/2010/main" val="3782357505"/>
+        <p14:creationId xmlns:p14="http://schemas.microsoft.com/office/powerpoint/2010/main" val="2434216999"/>
       </p:ext>
     </p:extLst>
   </p:cSld>
@@ -1040,238 +1038,7 @@
               <a:rPr lang="zh-CN" altLang="zh-CN">
                 <a:ea typeface="宋体" panose="02010600030101010101" pitchFamily="2" charset="-122"/>
               </a:rPr>
-              <a:t>5</a:t>
-            </a:fld>
-            <a:endParaRPr lang="zh-CN" altLang="zh-CN">
-              <a:ea typeface="宋体" panose="02010600030101010101" pitchFamily="2" charset="-122"/>
-            </a:endParaRPr>
-          </a:p>
-        </p:txBody>
-      </p:sp>
-    </p:spTree>
-  </p:cSld>
-  <p:clrMapOvr>
-    <a:masterClrMapping/>
-  </p:clrMapOvr>
-</p:notes>
-</file>
-
-<file path=ppt/notesSlides/notesSlide3.xml><?xml version="1.0" encoding="utf-8"?>
-<p:notes xmlns:a="http://schemas.openxmlformats.org/drawingml/2006/main" xmlns:r="http://schemas.openxmlformats.org/officeDocument/2006/relationships" xmlns:p="http://schemas.openxmlformats.org/presentationml/2006/main">
-  <p:cSld>
-    <p:spTree>
-      <p:nvGrpSpPr>
-        <p:cNvPr id="1" name=""/>
-        <p:cNvGrpSpPr/>
-        <p:nvPr/>
-      </p:nvGrpSpPr>
-      <p:grpSpPr>
-        <a:xfrm>
-          <a:off x="0" y="0"/>
-          <a:ext cx="0" cy="0"/>
-          <a:chOff x="0" y="0"/>
-          <a:chExt cx="0" cy="0"/>
-        </a:xfrm>
-      </p:grpSpPr>
-      <p:sp>
-        <p:nvSpPr>
-          <p:cNvPr id="22530" name="幻灯片图像占位符 1"/>
-          <p:cNvSpPr>
-            <a:spLocks noGrp="1" noRot="1" noChangeAspect="1" noTextEdit="1"/>
-          </p:cNvSpPr>
-          <p:nvPr>
-            <p:ph type="sldImg"/>
-          </p:nvPr>
-        </p:nvSpPr>
-        <p:spPr/>
-      </p:sp>
-      <p:sp>
-        <p:nvSpPr>
-          <p:cNvPr id="22531" name="备注占位符 2"/>
-          <p:cNvSpPr>
-            <a:spLocks noGrp="1"/>
-          </p:cNvSpPr>
-          <p:nvPr>
-            <p:ph type="body" idx="1"/>
-          </p:nvPr>
-        </p:nvSpPr>
-        <p:spPr>
-          <a:noFill/>
-          <a:extLst>
-            <a:ext uri="{909E8E84-426E-40DD-AFC4-6F175D3DCCD1}">
-              <a14:hiddenFill xmlns:a14="http://schemas.microsoft.com/office/drawing/2010/main">
-                <a:solidFill>
-                  <a:srgbClr val="FFFFFF"/>
-                </a:solidFill>
-              </a14:hiddenFill>
-            </a:ext>
-            <a:ext uri="{91240B29-F687-4F45-9708-019B960494DF}">
-              <a14:hiddenLine xmlns:a14="http://schemas.microsoft.com/office/drawing/2010/main" w="9525">
-                <a:solidFill>
-                  <a:srgbClr val="000000"/>
-                </a:solidFill>
-                <a:miter lim="800000"/>
-                <a:headEnd/>
-                <a:tailEnd/>
-              </a14:hiddenLine>
-            </a:ext>
-          </a:extLst>
-        </p:spPr>
-        <p:txBody>
-          <a:bodyPr/>
-          <a:lstStyle/>
-          <a:p>
-            <a:endParaRPr lang="zh-CN" altLang="en-US" smtClean="0"/>
-          </a:p>
-        </p:txBody>
-      </p:sp>
-      <p:sp>
-        <p:nvSpPr>
-          <p:cNvPr id="22532" name="灯片编号占位符 3"/>
-          <p:cNvSpPr>
-            <a:spLocks noGrp="1"/>
-          </p:cNvSpPr>
-          <p:nvPr>
-            <p:ph type="sldNum" sz="quarter" idx="5"/>
-          </p:nvPr>
-        </p:nvSpPr>
-        <p:spPr>
-          <a:noFill/>
-          <a:extLst>
-            <a:ext uri="{909E8E84-426E-40DD-AFC4-6F175D3DCCD1}">
-              <a14:hiddenFill xmlns:a14="http://schemas.microsoft.com/office/drawing/2010/main">
-                <a:solidFill>
-                  <a:srgbClr val="FFFFFF"/>
-                </a:solidFill>
-              </a14:hiddenFill>
-            </a:ext>
-            <a:ext uri="{91240B29-F687-4F45-9708-019B960494DF}">
-              <a14:hiddenLine xmlns:a14="http://schemas.microsoft.com/office/drawing/2010/main" w="9525">
-                <a:solidFill>
-                  <a:srgbClr val="000000"/>
-                </a:solidFill>
-                <a:miter lim="800000"/>
-                <a:headEnd/>
-                <a:tailEnd/>
-              </a14:hiddenLine>
-            </a:ext>
-          </a:extLst>
-        </p:spPr>
-        <p:txBody>
-          <a:bodyPr/>
-          <a:lstStyle>
-            <a:lvl1pPr>
-              <a:defRPr sz="3200">
-                <a:solidFill>
-                  <a:schemeClr val="tx1"/>
-                </a:solidFill>
-                <a:latin typeface="Arial" panose="020B0604020202020204" pitchFamily="34" charset="0"/>
-                <a:ea typeface="微软雅黑" panose="020B0503020204020204" pitchFamily="34" charset="-122"/>
-              </a:defRPr>
-            </a:lvl1pPr>
-            <a:lvl2pPr marL="742950" indent="-285750">
-              <a:defRPr sz="3200">
-                <a:solidFill>
-                  <a:schemeClr val="tx1"/>
-                </a:solidFill>
-                <a:latin typeface="Arial" panose="020B0604020202020204" pitchFamily="34" charset="0"/>
-                <a:ea typeface="微软雅黑" panose="020B0503020204020204" pitchFamily="34" charset="-122"/>
-              </a:defRPr>
-            </a:lvl2pPr>
-            <a:lvl3pPr marL="1143000" indent="-228600">
-              <a:defRPr sz="3200">
-                <a:solidFill>
-                  <a:schemeClr val="tx1"/>
-                </a:solidFill>
-                <a:latin typeface="Arial" panose="020B0604020202020204" pitchFamily="34" charset="0"/>
-                <a:ea typeface="微软雅黑" panose="020B0503020204020204" pitchFamily="34" charset="-122"/>
-              </a:defRPr>
-            </a:lvl3pPr>
-            <a:lvl4pPr marL="1600200" indent="-228600">
-              <a:defRPr sz="3200">
-                <a:solidFill>
-                  <a:schemeClr val="tx1"/>
-                </a:solidFill>
-                <a:latin typeface="Arial" panose="020B0604020202020204" pitchFamily="34" charset="0"/>
-                <a:ea typeface="微软雅黑" panose="020B0503020204020204" pitchFamily="34" charset="-122"/>
-              </a:defRPr>
-            </a:lvl4pPr>
-            <a:lvl5pPr marL="2057400" indent="-228600">
-              <a:defRPr sz="3200">
-                <a:solidFill>
-                  <a:schemeClr val="tx1"/>
-                </a:solidFill>
-                <a:latin typeface="Arial" panose="020B0604020202020204" pitchFamily="34" charset="0"/>
-                <a:ea typeface="微软雅黑" panose="020B0503020204020204" pitchFamily="34" charset="-122"/>
-              </a:defRPr>
-            </a:lvl5pPr>
-            <a:lvl6pPr marL="2514600" indent="-228600" eaLnBrk="0" fontAlgn="base" hangingPunct="0">
-              <a:spcBef>
-                <a:spcPct val="0"/>
-              </a:spcBef>
-              <a:spcAft>
-                <a:spcPct val="0"/>
-              </a:spcAft>
-              <a:defRPr sz="3200">
-                <a:solidFill>
-                  <a:schemeClr val="tx1"/>
-                </a:solidFill>
-                <a:latin typeface="Arial" panose="020B0604020202020204" pitchFamily="34" charset="0"/>
-                <a:ea typeface="微软雅黑" panose="020B0503020204020204" pitchFamily="34" charset="-122"/>
-              </a:defRPr>
-            </a:lvl6pPr>
-            <a:lvl7pPr marL="2971800" indent="-228600" eaLnBrk="0" fontAlgn="base" hangingPunct="0">
-              <a:spcBef>
-                <a:spcPct val="0"/>
-              </a:spcBef>
-              <a:spcAft>
-                <a:spcPct val="0"/>
-              </a:spcAft>
-              <a:defRPr sz="3200">
-                <a:solidFill>
-                  <a:schemeClr val="tx1"/>
-                </a:solidFill>
-                <a:latin typeface="Arial" panose="020B0604020202020204" pitchFamily="34" charset="0"/>
-                <a:ea typeface="微软雅黑" panose="020B0503020204020204" pitchFamily="34" charset="-122"/>
-              </a:defRPr>
-            </a:lvl7pPr>
-            <a:lvl8pPr marL="3429000" indent="-228600" eaLnBrk="0" fontAlgn="base" hangingPunct="0">
-              <a:spcBef>
-                <a:spcPct val="0"/>
-              </a:spcBef>
-              <a:spcAft>
-                <a:spcPct val="0"/>
-              </a:spcAft>
-              <a:defRPr sz="3200">
-                <a:solidFill>
-                  <a:schemeClr val="tx1"/>
-                </a:solidFill>
-                <a:latin typeface="Arial" panose="020B0604020202020204" pitchFamily="34" charset="0"/>
-                <a:ea typeface="微软雅黑" panose="020B0503020204020204" pitchFamily="34" charset="-122"/>
-              </a:defRPr>
-            </a:lvl8pPr>
-            <a:lvl9pPr marL="3886200" indent="-228600" eaLnBrk="0" fontAlgn="base" hangingPunct="0">
-              <a:spcBef>
-                <a:spcPct val="0"/>
-              </a:spcBef>
-              <a:spcAft>
-                <a:spcPct val="0"/>
-              </a:spcAft>
-              <a:defRPr sz="3200">
-                <a:solidFill>
-                  <a:schemeClr val="tx1"/>
-                </a:solidFill>
-                <a:latin typeface="Arial" panose="020B0604020202020204" pitchFamily="34" charset="0"/>
-                <a:ea typeface="微软雅黑" panose="020B0503020204020204" pitchFamily="34" charset="-122"/>
-              </a:defRPr>
-            </a:lvl9pPr>
-          </a:lstStyle>
-          <a:p>
-            <a:fld id="{B94B757B-0235-4C13-B71B-044FB4BFFF15}" type="slidenum">
-              <a:rPr lang="zh-CN" altLang="zh-CN">
-                <a:ea typeface="宋体" panose="02010600030101010101" pitchFamily="2" charset="-122"/>
-              </a:rPr>
-              <a:t>7</a:t>
+              <a:t>6</a:t>
             </a:fld>
             <a:endParaRPr lang="zh-CN" altLang="zh-CN">
               <a:ea typeface="宋体" panose="02010600030101010101" pitchFamily="2" charset="-122"/>
@@ -1705,176 +1472,13 @@
 </p:sldLayout>
 </file>
 
-<file path=ppt/slideLayouts/slideLayout5.xml><?xml version="1.0" encoding="utf-8"?>
-<p:sldLayout xmlns:a="http://schemas.openxmlformats.org/drawingml/2006/main" xmlns:r="http://schemas.openxmlformats.org/officeDocument/2006/relationships" xmlns:p="http://schemas.openxmlformats.org/presentationml/2006/main" userDrawn="1">
-  <p:cSld name="2_标题和内容">
-    <p:spTree>
-      <p:nvGrpSpPr>
-        <p:cNvPr id="1" name=""/>
-        <p:cNvGrpSpPr/>
-        <p:nvPr/>
-      </p:nvGrpSpPr>
-      <p:grpSpPr>
-        <a:xfrm>
-          <a:off x="0" y="0"/>
-          <a:ext cx="0" cy="0"/>
-          <a:chOff x="0" y="0"/>
-          <a:chExt cx="0" cy="0"/>
-        </a:xfrm>
-      </p:grpSpPr>
-      <p:sp>
-        <p:nvSpPr>
-          <p:cNvPr id="11" name="内容占位符 10"/>
-          <p:cNvSpPr>
-            <a:spLocks noGrp="1"/>
-          </p:cNvSpPr>
-          <p:nvPr>
-            <p:ph sz="quarter" idx="10"/>
-          </p:nvPr>
-        </p:nvSpPr>
-        <p:spPr>
-          <a:xfrm>
-            <a:off x="1142970" y="1285894"/>
-            <a:ext cx="9715500" cy="4643437"/>
-          </a:xfrm>
-          <a:prstGeom prst="rect">
-            <a:avLst/>
-          </a:prstGeom>
-        </p:spPr>
-        <p:txBody>
-          <a:bodyPr lIns="108830" tIns="54416" rIns="108830" bIns="54416"/>
-          <a:lstStyle>
-            <a:lvl1pPr>
-              <a:defRPr sz="2800"/>
-            </a:lvl1pPr>
-            <a:lvl2pPr>
-              <a:defRPr sz="2400">
-                <a:solidFill>
-                  <a:schemeClr val="tx1"/>
-                </a:solidFill>
-              </a:defRPr>
-            </a:lvl2pPr>
-            <a:lvl3pPr>
-              <a:defRPr>
-                <a:solidFill>
-                  <a:schemeClr val="tx1"/>
-                </a:solidFill>
-              </a:defRPr>
-            </a:lvl3pPr>
-            <a:lvl4pPr>
-              <a:defRPr>
-                <a:solidFill>
-                  <a:schemeClr val="tx1"/>
-                </a:solidFill>
-              </a:defRPr>
-            </a:lvl4pPr>
-          </a:lstStyle>
-          <a:p>
-            <a:pPr lvl="0"/>
-            <a:r>
-              <a:rPr lang="zh-CN" altLang="en-US" dirty="0"/>
-              <a:t>单击此处编辑母版文本样式</a:t>
-            </a:r>
-          </a:p>
-          <a:p>
-            <a:pPr lvl="1"/>
-            <a:r>
-              <a:rPr lang="zh-CN" altLang="en-US" dirty="0"/>
-              <a:t>第二级</a:t>
-            </a:r>
-          </a:p>
-          <a:p>
-            <a:pPr lvl="2"/>
-            <a:r>
-              <a:rPr lang="zh-CN" altLang="en-US" dirty="0"/>
-              <a:t>第三级</a:t>
-            </a:r>
-          </a:p>
-          <a:p>
-            <a:pPr lvl="3"/>
-            <a:r>
-              <a:rPr lang="zh-CN" altLang="en-US" dirty="0"/>
-              <a:t>第四级</a:t>
-            </a:r>
-          </a:p>
-        </p:txBody>
-      </p:sp>
-      <p:sp>
-        <p:nvSpPr>
-          <p:cNvPr id="13" name="内容占位符 10"/>
-          <p:cNvSpPr>
-            <a:spLocks noGrp="1"/>
-          </p:cNvSpPr>
-          <p:nvPr>
-            <p:ph sz="quarter" idx="11"/>
-          </p:nvPr>
-        </p:nvSpPr>
-        <p:spPr>
-          <a:xfrm>
-            <a:off x="1090714" y="236943"/>
-            <a:ext cx="8191557" cy="490476"/>
-          </a:xfrm>
-          <a:prstGeom prst="rect">
-            <a:avLst/>
-          </a:prstGeom>
-        </p:spPr>
-        <p:txBody>
-          <a:bodyPr lIns="108830" tIns="54416" rIns="108830" bIns="54416"/>
-          <a:lstStyle>
-            <a:lvl1pPr>
-              <a:buNone/>
-              <a:defRPr sz="3200" b="0">
-                <a:solidFill>
-                  <a:srgbClr val="C00000"/>
-                </a:solidFill>
-              </a:defRPr>
-            </a:lvl1pPr>
-            <a:lvl2pPr>
-              <a:defRPr sz="2400">
-                <a:solidFill>
-                  <a:schemeClr val="tx1"/>
-                </a:solidFill>
-              </a:defRPr>
-            </a:lvl2pPr>
-            <a:lvl3pPr>
-              <a:defRPr>
-                <a:solidFill>
-                  <a:schemeClr val="tx1"/>
-                </a:solidFill>
-              </a:defRPr>
-            </a:lvl3pPr>
-            <a:lvl4pPr>
-              <a:defRPr>
-                <a:solidFill>
-                  <a:schemeClr val="tx1"/>
-                </a:solidFill>
-              </a:defRPr>
-            </a:lvl4pPr>
-          </a:lstStyle>
-          <a:p>
-            <a:pPr lvl="0"/>
-            <a:r>
-              <a:rPr lang="zh-CN" altLang="en-US" dirty="0"/>
-              <a:t>单击此处编辑母版文本样式</a:t>
-            </a:r>
-          </a:p>
-        </p:txBody>
-      </p:sp>
-    </p:spTree>
-  </p:cSld>
-  <p:clrMapOvr>
-    <a:masterClrMapping/>
-  </p:clrMapOvr>
-</p:sldLayout>
-</file>
-
 <file path=ppt/slideMasters/slideMaster1.xml><?xml version="1.0" encoding="utf-8"?>
 <p:sldMaster xmlns:a="http://schemas.openxmlformats.org/drawingml/2006/main" xmlns:r="http://schemas.openxmlformats.org/officeDocument/2006/relationships" xmlns:p="http://schemas.openxmlformats.org/presentationml/2006/main">
   <p:cSld>
     <p:bg bwMode="auto">
       <p:bgPr>
         <a:blipFill dpi="0" rotWithShape="0">
-          <a:blip r:embed="rId7"/>
+          <a:blip r:embed="rId6"/>
           <a:srcRect/>
           <a:stretch>
             <a:fillRect/>
@@ -1952,7 +1556,7 @@
           <p:nvPr userDrawn="1"/>
         </p:nvPicPr>
         <p:blipFill>
-          <a:blip r:embed="rId8">
+          <a:blip r:embed="rId7">
             <a:extLst>
               <a:ext uri="{28A0092B-C50C-407E-A947-70E740481C1C}">
                 <a14:useLocalDpi xmlns:a14="http://schemas.microsoft.com/office/drawing/2010/main" val="0"/>
@@ -2006,7 +1610,7 @@
           <p:nvPr userDrawn="1"/>
         </p:nvPicPr>
         <p:blipFill>
-          <a:blip r:embed="rId9">
+          <a:blip r:embed="rId8">
             <a:extLst>
               <a:ext uri="{28A0092B-C50C-407E-A947-70E740481C1C}">
                 <a14:useLocalDpi xmlns:a14="http://schemas.microsoft.com/office/drawing/2010/main" val="0"/>
@@ -2059,7 +1663,6 @@
     <p:sldLayoutId id="2147483650" r:id="rId2"/>
     <p:sldLayoutId id="2147483651" r:id="rId3"/>
     <p:sldLayoutId id="2147483652" r:id="rId4"/>
-    <p:sldLayoutId id="2147483653" r:id="rId5"/>
   </p:sldLayoutIdLst>
   <p:timing>
     <p:tnLst>
@@ -2785,11 +2388,25 @@
               <a:t> </a:t>
             </a:r>
             <a:r>
+              <a:rPr lang="en-US" altLang="zh-CN" dirty="0">
+                <a:latin typeface="+mn-ea"/>
+                <a:ea typeface="+mn-ea"/>
+              </a:rPr>
+              <a:t>APP</a:t>
+            </a:r>
+            <a:r>
               <a:rPr lang="zh-CN" altLang="en-US" dirty="0" smtClean="0">
                 <a:latin typeface="+mn-ea"/>
                 <a:ea typeface="+mn-ea"/>
               </a:rPr>
-              <a:t>混合应用开发简介</a:t>
+              <a:t>开发</a:t>
+            </a:r>
+            <a:r>
+              <a:rPr lang="zh-CN" altLang="en-US" dirty="0" smtClean="0">
+                <a:latin typeface="+mn-ea"/>
+                <a:ea typeface="+mn-ea"/>
+              </a:rPr>
+              <a:t>简介</a:t>
             </a:r>
             <a:endParaRPr lang="zh-CN" altLang="en-US" sz="3600" dirty="0" smtClean="0">
               <a:latin typeface="+mn-ea"/>
@@ -2898,7 +2515,7 @@
         <p:spPr bwMode="auto">
           <a:xfrm>
             <a:off x="693526" y="907845"/>
-            <a:ext cx="10157038" cy="4609510"/>
+            <a:ext cx="10157038" cy="4969675"/>
           </a:xfrm>
           <a:solidFill>
             <a:schemeClr val="bg1"/>
@@ -2915,7 +2532,7 @@
             </a:r>
             <a:r>
               <a:rPr lang="en-US" altLang="zh-CN" dirty="0" smtClean="0"/>
-              <a:t>Ionic</a:t>
+              <a:t>Angular</a:t>
             </a:r>
             <a:r>
               <a:rPr lang="zh-CN" altLang="en-US" dirty="0" smtClean="0"/>
@@ -2927,125 +2544,156 @@
             <a:pPr marL="591820" lvl="1"/>
             <a:r>
               <a:rPr lang="zh-CN" altLang="en-US" sz="2400" dirty="0" smtClean="0"/>
-              <a:t> 是</a:t>
-            </a:r>
-            <a:r>
-              <a:rPr lang="zh-CN" altLang="en-US" sz="2400" dirty="0"/>
-              <a:t>一个用来开发混合手机应用的，开源的，免费的</a:t>
+              <a:t> 是一个来自谷歌的开源的前端</a:t>
+            </a:r>
+            <a:r>
+              <a:rPr lang="en-US" altLang="zh-CN" sz="2400" dirty="0" smtClean="0"/>
+              <a:t>JavaScript</a:t>
             </a:r>
             <a:r>
               <a:rPr lang="zh-CN" altLang="en-US" sz="2400" dirty="0" smtClean="0"/>
-              <a:t>代码库</a:t>
+              <a:t>框架，诞生于</a:t>
+            </a:r>
+            <a:r>
+              <a:rPr lang="en-US" altLang="zh-CN" sz="2400" dirty="0" smtClean="0"/>
+              <a:t>2009</a:t>
+            </a:r>
+            <a:r>
+              <a:rPr lang="zh-CN" altLang="en-US" sz="2400" dirty="0" smtClean="0"/>
+              <a:t>年</a:t>
             </a:r>
             <a:endParaRPr lang="en-US" altLang="zh-CN" sz="2400" dirty="0" smtClean="0"/>
           </a:p>
           <a:p>
             <a:pPr marL="591820" lvl="1"/>
             <a:r>
+              <a:rPr lang="en-US" altLang="zh-CN" sz="2400" dirty="0" smtClean="0"/>
+              <a:t> 2015</a:t>
+            </a:r>
+            <a:r>
+              <a:rPr lang="zh-CN" altLang="en-US" sz="2400" dirty="0" smtClean="0"/>
+              <a:t>年之前</a:t>
+            </a:r>
+            <a:r>
+              <a:rPr lang="en-US" altLang="zh-CN" dirty="0"/>
+              <a:t>A</a:t>
+            </a:r>
+            <a:r>
+              <a:rPr lang="en-US" altLang="zh-CN" sz="2400" dirty="0" smtClean="0"/>
+              <a:t>ngular1.x</a:t>
+            </a:r>
+            <a:r>
+              <a:rPr lang="zh-CN" altLang="en-US" sz="2400" dirty="0" smtClean="0"/>
+              <a:t>广泛应用，开发单页面应用无人能敌</a:t>
+            </a:r>
+            <a:endParaRPr lang="en-US" altLang="zh-CN" sz="2400" dirty="0" smtClean="0"/>
+          </a:p>
+          <a:p>
+            <a:pPr marL="591820" lvl="1"/>
+            <a:r>
+              <a:rPr lang="en-US" altLang="zh-CN" dirty="0"/>
+              <a:t> </a:t>
+            </a:r>
+            <a:r>
+              <a:rPr lang="en-US" altLang="zh-CN" dirty="0" smtClean="0"/>
+              <a:t>2015</a:t>
+            </a:r>
+            <a:r>
               <a:rPr lang="zh-CN" altLang="en-US" dirty="0" smtClean="0"/>
-              <a:t> 可以</a:t>
-            </a:r>
+              <a:t>年底，</a:t>
+            </a:r>
+            <a:r>
+              <a:rPr lang="en-US" altLang="zh-CN" dirty="0" smtClean="0"/>
+              <a:t>Angular2.0</a:t>
+            </a:r>
+            <a:r>
+              <a:rPr lang="zh-CN" altLang="en-US" dirty="0" smtClean="0"/>
+              <a:t>发布，颠覆之前版本</a:t>
+            </a:r>
+            <a:endParaRPr lang="en-US" altLang="zh-CN" dirty="0" smtClean="0"/>
+          </a:p>
+          <a:p>
+            <a:pPr marL="591820" lvl="1"/>
+            <a:r>
+              <a:rPr lang="en-US" altLang="zh-CN" sz="2400" dirty="0"/>
+              <a:t> </a:t>
+            </a:r>
+            <a:r>
+              <a:rPr lang="en-US" altLang="zh-CN" sz="2400" dirty="0" smtClean="0"/>
+              <a:t>Angular2.0</a:t>
+            </a:r>
+            <a:r>
+              <a:rPr lang="zh-CN" altLang="en-US" sz="2400" dirty="0" smtClean="0"/>
+              <a:t>以后基于</a:t>
+            </a:r>
+            <a:r>
+              <a:rPr lang="en-US" altLang="zh-CN" dirty="0" err="1" smtClean="0"/>
+              <a:t>TypeScript</a:t>
+            </a:r>
+            <a:endParaRPr lang="en-US" altLang="zh-CN" dirty="0" smtClean="0"/>
+          </a:p>
+          <a:p>
+            <a:pPr marL="593090" lvl="2"/>
+            <a:r>
+              <a:rPr lang="en-US" altLang="zh-CN" dirty="0"/>
+              <a:t> </a:t>
+            </a:r>
+            <a:r>
+              <a:rPr lang="en-US" altLang="zh-CN" dirty="0" smtClean="0"/>
+              <a:t>JavaScript</a:t>
+            </a:r>
+            <a:r>
+              <a:rPr lang="zh-CN" altLang="en-US" dirty="0" smtClean="0"/>
+              <a:t>的超集，兼容</a:t>
+            </a:r>
+            <a:r>
+              <a:rPr lang="en-US" altLang="zh-CN" dirty="0" smtClean="0"/>
+              <a:t>JavaScript</a:t>
+            </a:r>
+          </a:p>
+          <a:p>
+            <a:pPr marL="593090" lvl="2"/>
             <a:r>
               <a:rPr lang="zh-CN" altLang="en-US" dirty="0"/>
-              <a:t>快速创建</a:t>
+              <a:t>文件扩展名为 </a:t>
+            </a:r>
+            <a:r>
+              <a:rPr lang="en-US" altLang="zh-CN" dirty="0"/>
+              <a:t>.</a:t>
+            </a:r>
+            <a:r>
+              <a:rPr lang="en-US" altLang="zh-CN" dirty="0" err="1" smtClean="0"/>
+              <a:t>ts</a:t>
+            </a:r>
+            <a:r>
+              <a:rPr lang="zh-CN" altLang="en-US" dirty="0"/>
+              <a:t>，</a:t>
             </a:r>
             <a:r>
               <a:rPr lang="zh-CN" altLang="en-US" dirty="0" smtClean="0"/>
-              <a:t>一个</a:t>
-            </a:r>
-            <a:r>
-              <a:rPr lang="zh-CN" altLang="en-US" dirty="0"/>
-              <a:t>跨平台的移动应用</a:t>
-            </a:r>
-            <a:endParaRPr lang="en-US" altLang="zh-CN" sz="2400" dirty="0" smtClean="0"/>
-          </a:p>
-          <a:p>
-            <a:pPr marL="591820" lvl="1"/>
+              <a:t>运行前需预编译成</a:t>
+            </a:r>
+            <a:r>
+              <a:rPr lang="en-US" altLang="zh-CN" dirty="0" smtClean="0"/>
+              <a:t>JavaScript</a:t>
+            </a:r>
             <a:r>
               <a:rPr lang="zh-CN" altLang="en-US" dirty="0" smtClean="0"/>
-              <a:t> 提供</a:t>
-            </a:r>
-            <a:r>
-              <a:rPr lang="zh-CN" altLang="en-US" dirty="0"/>
-              <a:t>了</a:t>
+              <a:t>代码</a:t>
+            </a:r>
+            <a:endParaRPr lang="en-US" altLang="zh-CN" dirty="0" smtClean="0"/>
+          </a:p>
+          <a:p>
+            <a:pPr marL="593090" lvl="2"/>
+            <a:r>
+              <a:rPr lang="en-US" altLang="zh-CN" dirty="0"/>
+              <a:t> </a:t>
             </a:r>
             <a:r>
               <a:rPr lang="zh-CN" altLang="en-US" dirty="0" smtClean="0"/>
-              <a:t>很多</a:t>
-            </a:r>
-            <a:r>
-              <a:rPr lang="en-US" altLang="zh-CN" dirty="0" smtClean="0"/>
-              <a:t>UI</a:t>
-            </a:r>
-            <a:r>
-              <a:rPr lang="zh-CN" altLang="en-US" dirty="0" smtClean="0"/>
-              <a:t>组件，帮助开发者开发强大的应用</a:t>
-            </a:r>
-            <a:endParaRPr lang="en-US" altLang="zh-CN" dirty="0"/>
-          </a:p>
-          <a:p>
-            <a:pPr marL="591820" lvl="1"/>
-            <a:r>
-              <a:rPr lang="zh-CN" altLang="en-US" dirty="0" smtClean="0"/>
-              <a:t> 完全</a:t>
-            </a:r>
-            <a:r>
-              <a:rPr lang="zh-CN" altLang="en-US" dirty="0"/>
-              <a:t>基于</a:t>
-            </a:r>
-            <a:r>
-              <a:rPr lang="en-US" altLang="zh-CN" dirty="0"/>
-              <a:t>Angular</a:t>
-            </a:r>
-            <a:r>
-              <a:rPr lang="zh-CN" altLang="en-US" dirty="0"/>
-              <a:t>框架</a:t>
-            </a:r>
-            <a:endParaRPr lang="en-US" altLang="zh-CN" dirty="0"/>
-          </a:p>
-          <a:p>
-            <a:pPr marL="591820" lvl="1"/>
-            <a:r>
-              <a:rPr lang="zh-CN" altLang="en-US" dirty="0" smtClean="0"/>
-              <a:t> 专注</a:t>
-            </a:r>
-            <a:r>
-              <a:rPr lang="zh-CN" altLang="en-US" dirty="0"/>
-              <a:t>原生</a:t>
-            </a:r>
-            <a:r>
-              <a:rPr lang="zh-CN" altLang="en-US" dirty="0" smtClean="0"/>
-              <a:t>，</a:t>
-            </a:r>
-            <a:r>
-              <a:rPr lang="zh-CN" altLang="en-US" dirty="0"/>
-              <a:t>性能优越，运行速度</a:t>
-            </a:r>
-            <a:r>
-              <a:rPr lang="zh-CN" altLang="en-US" dirty="0" smtClean="0"/>
-              <a:t>快</a:t>
+              <a:t>加入类型判断，编译时进行类型检查</a:t>
             </a:r>
             <a:endParaRPr lang="en-US" altLang="zh-CN" dirty="0" smtClean="0"/>
-          </a:p>
-          <a:p>
-            <a:pPr marL="591820" lvl="1"/>
-            <a:r>
-              <a:rPr lang="en-US" altLang="zh-CN" dirty="0" smtClean="0"/>
-              <a:t> Ionic </a:t>
-            </a:r>
-            <a:r>
-              <a:rPr lang="en-US" altLang="zh-CN" dirty="0"/>
-              <a:t>= </a:t>
-            </a:r>
-            <a:r>
-              <a:rPr lang="en-US" altLang="zh-CN" dirty="0" smtClean="0"/>
-              <a:t>Ionic CSS + Angular + Cordova</a:t>
-            </a:r>
-            <a:endParaRPr lang="zh-CN" altLang="en-US" dirty="0" smtClean="0"/>
-          </a:p>
-          <a:p>
-            <a:pPr marL="591820" lvl="1"/>
-            <a:endParaRPr lang="en-US" altLang="zh-CN" sz="2400" dirty="0"/>
           </a:p>
         </p:txBody>
       </p:sp>
@@ -3096,7 +2744,7 @@
                 <a:latin typeface="+mn-ea"/>
                 <a:ea typeface="+mn-ea"/>
               </a:rPr>
-              <a:t>Ionic</a:t>
+              <a:t>Angular</a:t>
             </a:r>
             <a:endParaRPr lang="zh-CN" altLang="en-US" dirty="0" smtClean="0">
               <a:latin typeface="+mn-ea"/>
@@ -3401,7 +3049,7 @@
                                         <p:tgtEl>
                                           <p:spTgt spid="30722">
                                             <p:txEl>
-                                              <p:pRg st="5" end="5"/>
+                                              <p:pRg st="4" end="4"/>
                                             </p:txEl>
                                           </p:spTgt>
                                         </p:tgtEl>
@@ -3419,6 +3067,109 @@
                                         <p:tgtEl>
                                           <p:spTgt spid="30722">
                                             <p:txEl>
+                                              <p:pRg st="4" end="4"/>
+                                            </p:txEl>
+                                          </p:spTgt>
+                                        </p:tgtEl>
+                                        <p:attrNameLst>
+                                          <p:attrName>ppt_x</p:attrName>
+                                        </p:attrNameLst>
+                                      </p:cBhvr>
+                                      <p:tavLst>
+                                        <p:tav tm="0">
+                                          <p:val>
+                                            <p:strVal val="#ppt_x"/>
+                                          </p:val>
+                                        </p:tav>
+                                        <p:tav tm="100000">
+                                          <p:val>
+                                            <p:strVal val="#ppt_x"/>
+                                          </p:val>
+                                        </p:tav>
+                                      </p:tavLst>
+                                    </p:anim>
+                                    <p:anim calcmode="lin" valueType="num">
+                                      <p:cBhvr additive="base">
+                                        <p:cTn id="20" dur="500" fill="hold"/>
+                                        <p:tgtEl>
+                                          <p:spTgt spid="30722">
+                                            <p:txEl>
+                                              <p:pRg st="4" end="4"/>
+                                            </p:txEl>
+                                          </p:spTgt>
+                                        </p:tgtEl>
+                                        <p:attrNameLst>
+                                          <p:attrName>ppt_y</p:attrName>
+                                        </p:attrNameLst>
+                                      </p:cBhvr>
+                                      <p:tavLst>
+                                        <p:tav tm="0">
+                                          <p:val>
+                                            <p:strVal val="1+#ppt_h/2"/>
+                                          </p:val>
+                                        </p:tav>
+                                        <p:tav tm="100000">
+                                          <p:val>
+                                            <p:strVal val="#ppt_y"/>
+                                          </p:val>
+                                        </p:tav>
+                                      </p:tavLst>
+                                    </p:anim>
+                                  </p:childTnLst>
+                                </p:cTn>
+                              </p:par>
+                            </p:childTnLst>
+                          </p:cTn>
+                        </p:par>
+                      </p:childTnLst>
+                    </p:cTn>
+                  </p:par>
+                  <p:par>
+                    <p:cTn id="21" fill="hold">
+                      <p:stCondLst>
+                        <p:cond delay="indefinite"/>
+                      </p:stCondLst>
+                      <p:childTnLst>
+                        <p:par>
+                          <p:cTn id="22" fill="hold">
+                            <p:stCondLst>
+                              <p:cond delay="0"/>
+                            </p:stCondLst>
+                            <p:childTnLst>
+                              <p:par>
+                                <p:cTn id="23" presetID="2" presetClass="entr" presetSubtype="4" fill="hold" nodeType="clickEffect">
+                                  <p:stCondLst>
+                                    <p:cond delay="0"/>
+                                  </p:stCondLst>
+                                  <p:childTnLst>
+                                    <p:set>
+                                      <p:cBhvr>
+                                        <p:cTn id="24" dur="1" fill="hold">
+                                          <p:stCondLst>
+                                            <p:cond delay="0"/>
+                                          </p:stCondLst>
+                                        </p:cTn>
+                                        <p:tgtEl>
+                                          <p:spTgt spid="30722">
+                                            <p:txEl>
+                                              <p:pRg st="5" end="5"/>
+                                            </p:txEl>
+                                          </p:spTgt>
+                                        </p:tgtEl>
+                                        <p:attrNameLst>
+                                          <p:attrName>style.visibility</p:attrName>
+                                        </p:attrNameLst>
+                                      </p:cBhvr>
+                                      <p:to>
+                                        <p:strVal val="visible"/>
+                                      </p:to>
+                                    </p:set>
+                                    <p:anim calcmode="lin" valueType="num">
+                                      <p:cBhvr additive="base">
+                                        <p:cTn id="25" dur="500" fill="hold"/>
+                                        <p:tgtEl>
+                                          <p:spTgt spid="30722">
+                                            <p:txEl>
                                               <p:pRg st="5" end="5"/>
                                             </p:txEl>
                                           </p:spTgt>
@@ -3442,7 +3193,7 @@
                                     </p:anim>
                                     <p:anim calcmode="lin" valueType="num">
                                       <p:cBhvr additive="base">
-                                        <p:cTn id="20" dur="500" fill="hold"/>
+                                        <p:cTn id="26" dur="500" fill="hold"/>
                                         <p:tgtEl>
                                           <p:spTgt spid="30722">
                                             <p:txEl>
@@ -3471,110 +3222,7 @@
                                 </p:cTn>
                               </p:par>
                               <p:par>
-                                <p:cTn id="21" presetID="2" presetClass="entr" presetSubtype="4" fill="hold" nodeType="withEffect">
-                                  <p:stCondLst>
-                                    <p:cond delay="0"/>
-                                  </p:stCondLst>
-                                  <p:childTnLst>
-                                    <p:set>
-                                      <p:cBhvr>
-                                        <p:cTn id="22" dur="1" fill="hold">
-                                          <p:stCondLst>
-                                            <p:cond delay="0"/>
-                                          </p:stCondLst>
-                                        </p:cTn>
-                                        <p:tgtEl>
-                                          <p:spTgt spid="30722">
-                                            <p:txEl>
-                                              <p:pRg st="4" end="4"/>
-                                            </p:txEl>
-                                          </p:spTgt>
-                                        </p:tgtEl>
-                                        <p:attrNameLst>
-                                          <p:attrName>style.visibility</p:attrName>
-                                        </p:attrNameLst>
-                                      </p:cBhvr>
-                                      <p:to>
-                                        <p:strVal val="visible"/>
-                                      </p:to>
-                                    </p:set>
-                                    <p:anim calcmode="lin" valueType="num">
-                                      <p:cBhvr additive="base">
-                                        <p:cTn id="23" dur="500" fill="hold"/>
-                                        <p:tgtEl>
-                                          <p:spTgt spid="30722">
-                                            <p:txEl>
-                                              <p:pRg st="4" end="4"/>
-                                            </p:txEl>
-                                          </p:spTgt>
-                                        </p:tgtEl>
-                                        <p:attrNameLst>
-                                          <p:attrName>ppt_x</p:attrName>
-                                        </p:attrNameLst>
-                                      </p:cBhvr>
-                                      <p:tavLst>
-                                        <p:tav tm="0">
-                                          <p:val>
-                                            <p:strVal val="#ppt_x"/>
-                                          </p:val>
-                                        </p:tav>
-                                        <p:tav tm="100000">
-                                          <p:val>
-                                            <p:strVal val="#ppt_x"/>
-                                          </p:val>
-                                        </p:tav>
-                                      </p:tavLst>
-                                    </p:anim>
-                                    <p:anim calcmode="lin" valueType="num">
-                                      <p:cBhvr additive="base">
-                                        <p:cTn id="24" dur="500" fill="hold"/>
-                                        <p:tgtEl>
-                                          <p:spTgt spid="30722">
-                                            <p:txEl>
-                                              <p:pRg st="4" end="4"/>
-                                            </p:txEl>
-                                          </p:spTgt>
-                                        </p:tgtEl>
-                                        <p:attrNameLst>
-                                          <p:attrName>ppt_y</p:attrName>
-                                        </p:attrNameLst>
-                                      </p:cBhvr>
-                                      <p:tavLst>
-                                        <p:tav tm="0">
-                                          <p:val>
-                                            <p:strVal val="1+#ppt_h/2"/>
-                                          </p:val>
-                                        </p:tav>
-                                        <p:tav tm="100000">
-                                          <p:val>
-                                            <p:strVal val="#ppt_y"/>
-                                          </p:val>
-                                        </p:tav>
-                                      </p:tavLst>
-                                    </p:anim>
-                                  </p:childTnLst>
-                                </p:cTn>
-                              </p:par>
-                            </p:childTnLst>
-                          </p:cTn>
-                        </p:par>
-                      </p:childTnLst>
-                    </p:cTn>
-                  </p:par>
-                  <p:par>
-                    <p:cTn id="25" fill="hold">
-                      <p:stCondLst>
-                        <p:cond delay="indefinite"/>
-                      </p:stCondLst>
-                      <p:childTnLst>
-                        <p:par>
-                          <p:cTn id="26" fill="hold">
-                            <p:stCondLst>
-                              <p:cond delay="0"/>
-                            </p:stCondLst>
-                            <p:childTnLst>
-                              <p:par>
-                                <p:cTn id="27" presetID="16" presetClass="entr" presetSubtype="21" fill="hold" nodeType="clickEffect">
+                                <p:cTn id="27" presetID="2" presetClass="entr" presetSubtype="4" fill="hold" nodeType="withEffect">
                                   <p:stCondLst>
                                     <p:cond delay="0"/>
                                   </p:stCondLst>
@@ -3601,9 +3249,9 @@
                                         <p:strVal val="visible"/>
                                       </p:to>
                                     </p:set>
-                                    <p:animEffect transition="in" filter="barn(inVertical)">
-                                      <p:cBhvr>
-                                        <p:cTn id="29" dur="500"/>
+                                    <p:anim calcmode="lin" valueType="num">
+                                      <p:cBhvr additive="base">
+                                        <p:cTn id="29" dur="500" fill="hold"/>
                                         <p:tgtEl>
                                           <p:spTgt spid="30722">
                                             <p:txEl>
@@ -3611,8 +3259,135 @@
                                             </p:txEl>
                                           </p:spTgt>
                                         </p:tgtEl>
+                                        <p:attrNameLst>
+                                          <p:attrName>ppt_x</p:attrName>
+                                        </p:attrNameLst>
                                       </p:cBhvr>
-                                    </p:animEffect>
+                                      <p:tavLst>
+                                        <p:tav tm="0">
+                                          <p:val>
+                                            <p:strVal val="#ppt_x"/>
+                                          </p:val>
+                                        </p:tav>
+                                        <p:tav tm="100000">
+                                          <p:val>
+                                            <p:strVal val="#ppt_x"/>
+                                          </p:val>
+                                        </p:tav>
+                                      </p:tavLst>
+                                    </p:anim>
+                                    <p:anim calcmode="lin" valueType="num">
+                                      <p:cBhvr additive="base">
+                                        <p:cTn id="30" dur="500" fill="hold"/>
+                                        <p:tgtEl>
+                                          <p:spTgt spid="30722">
+                                            <p:txEl>
+                                              <p:pRg st="6" end="6"/>
+                                            </p:txEl>
+                                          </p:spTgt>
+                                        </p:tgtEl>
+                                        <p:attrNameLst>
+                                          <p:attrName>ppt_y</p:attrName>
+                                        </p:attrNameLst>
+                                      </p:cBhvr>
+                                      <p:tavLst>
+                                        <p:tav tm="0">
+                                          <p:val>
+                                            <p:strVal val="1+#ppt_h/2"/>
+                                          </p:val>
+                                        </p:tav>
+                                        <p:tav tm="100000">
+                                          <p:val>
+                                            <p:strVal val="#ppt_y"/>
+                                          </p:val>
+                                        </p:tav>
+                                      </p:tavLst>
+                                    </p:anim>
+                                  </p:childTnLst>
+                                </p:cTn>
+                              </p:par>
+                              <p:par>
+                                <p:cTn id="31" presetID="2" presetClass="entr" presetSubtype="4" fill="hold" nodeType="withEffect">
+                                  <p:stCondLst>
+                                    <p:cond delay="0"/>
+                                  </p:stCondLst>
+                                  <p:childTnLst>
+                                    <p:set>
+                                      <p:cBhvr>
+                                        <p:cTn id="32" dur="1" fill="hold">
+                                          <p:stCondLst>
+                                            <p:cond delay="0"/>
+                                          </p:stCondLst>
+                                        </p:cTn>
+                                        <p:tgtEl>
+                                          <p:spTgt spid="30722">
+                                            <p:txEl>
+                                              <p:pRg st="7" end="7"/>
+                                            </p:txEl>
+                                          </p:spTgt>
+                                        </p:tgtEl>
+                                        <p:attrNameLst>
+                                          <p:attrName>style.visibility</p:attrName>
+                                        </p:attrNameLst>
+                                      </p:cBhvr>
+                                      <p:to>
+                                        <p:strVal val="visible"/>
+                                      </p:to>
+                                    </p:set>
+                                    <p:anim calcmode="lin" valueType="num">
+                                      <p:cBhvr additive="base">
+                                        <p:cTn id="33" dur="500" fill="hold"/>
+                                        <p:tgtEl>
+                                          <p:spTgt spid="30722">
+                                            <p:txEl>
+                                              <p:pRg st="7" end="7"/>
+                                            </p:txEl>
+                                          </p:spTgt>
+                                        </p:tgtEl>
+                                        <p:attrNameLst>
+                                          <p:attrName>ppt_x</p:attrName>
+                                        </p:attrNameLst>
+                                      </p:cBhvr>
+                                      <p:tavLst>
+                                        <p:tav tm="0">
+                                          <p:val>
+                                            <p:strVal val="#ppt_x"/>
+                                          </p:val>
+                                        </p:tav>
+                                        <p:tav tm="100000">
+                                          <p:val>
+                                            <p:strVal val="#ppt_x"/>
+                                          </p:val>
+                                        </p:tav>
+                                      </p:tavLst>
+                                    </p:anim>
+                                    <p:anim calcmode="lin" valueType="num">
+                                      <p:cBhvr additive="base">
+                                        <p:cTn id="34" dur="500" fill="hold"/>
+                                        <p:tgtEl>
+                                          <p:spTgt spid="30722">
+                                            <p:txEl>
+                                              <p:pRg st="7" end="7"/>
+                                            </p:txEl>
+                                          </p:spTgt>
+                                        </p:tgtEl>
+                                        <p:attrNameLst>
+                                          <p:attrName>ppt_y</p:attrName>
+                                        </p:attrNameLst>
+                                      </p:cBhvr>
+                                      <p:tavLst>
+                                        <p:tav tm="0">
+                                          <p:val>
+                                            <p:strVal val="1+#ppt_h/2"/>
+                                          </p:val>
+                                        </p:tav>
+                                        <p:tav tm="100000">
+                                          <p:val>
+                                            <p:strVal val="#ppt_y"/>
+                                          </p:val>
+                                        </p:tav>
+                                      </p:tavLst>
+                                    </p:anim>
                                   </p:childTnLst>
                                 </p:cTn>
                               </p:par>
@@ -3677,7 +3452,7 @@
         <p:spPr bwMode="auto">
           <a:xfrm>
             <a:off x="693526" y="907845"/>
-            <a:ext cx="10157038" cy="4969675"/>
+            <a:ext cx="10157038" cy="4177312"/>
           </a:xfrm>
           <a:solidFill>
             <a:schemeClr val="bg1"/>
@@ -3690,15 +3465,62 @@
             <a:pPr marL="360045"/>
             <a:r>
               <a:rPr lang="zh-CN" altLang="en-US" dirty="0" smtClean="0"/>
+              <a:t> 核心特性</a:t>
+            </a:r>
+            <a:endParaRPr lang="en-US" altLang="zh-CN" sz="2400" dirty="0" smtClean="0"/>
+          </a:p>
+          <a:p>
+            <a:pPr marL="591820" lvl="1"/>
+            <a:r>
+              <a:rPr lang="zh-CN" altLang="en-US" dirty="0" smtClean="0"/>
+              <a:t> 组件</a:t>
+            </a:r>
+            <a:r>
+              <a:rPr lang="zh-CN" altLang="en-US" dirty="0"/>
+              <a:t>化：</a:t>
+            </a:r>
+            <a:r>
+              <a:rPr lang="en-US" altLang="zh-CN" dirty="0"/>
+              <a:t>Angular</a:t>
+            </a:r>
+            <a:r>
+              <a:rPr lang="zh-CN" altLang="en-US" dirty="0"/>
+              <a:t>的核心</a:t>
+            </a:r>
+            <a:r>
+              <a:rPr lang="zh-CN" altLang="en-US" dirty="0" smtClean="0"/>
+              <a:t>所在</a:t>
+            </a:r>
+            <a:endParaRPr lang="en-US" altLang="zh-CN" dirty="0" smtClean="0"/>
+          </a:p>
+          <a:p>
+            <a:pPr marL="591820" lvl="1"/>
+            <a:r>
+              <a:rPr lang="zh-CN" altLang="en-US" dirty="0" smtClean="0"/>
+              <a:t> 依赖</a:t>
+            </a:r>
+            <a:r>
+              <a:rPr lang="zh-CN" altLang="en-US" dirty="0"/>
+              <a:t>注入机制</a:t>
+            </a:r>
+          </a:p>
+          <a:p>
+            <a:pPr marL="591820" lvl="1"/>
+            <a:r>
+              <a:rPr lang="zh-CN" altLang="en-US" dirty="0" smtClean="0"/>
+              <a:t> 路由及路由嵌套</a:t>
+            </a:r>
+            <a:endParaRPr lang="en-US" altLang="zh-CN" sz="2400" dirty="0" smtClean="0"/>
+          </a:p>
+          <a:p>
+            <a:pPr marL="591820" lvl="1"/>
+            <a:r>
+              <a:rPr lang="en-US" altLang="zh-CN" sz="2400" dirty="0" smtClean="0"/>
               <a:t> </a:t>
             </a:r>
             <a:r>
-              <a:rPr lang="en-US" altLang="zh-CN" dirty="0" smtClean="0"/>
-              <a:t>Angular</a:t>
-            </a:r>
-            <a:r>
-              <a:rPr lang="zh-CN" altLang="en-US" dirty="0" smtClean="0"/>
-              <a:t>介绍</a:t>
+              <a:rPr lang="zh-CN" altLang="en-US" sz="2400" dirty="0" smtClean="0"/>
+              <a:t>指令系统</a:t>
             </a:r>
             <a:endParaRPr lang="en-US" altLang="zh-CN" sz="2400" dirty="0" smtClean="0"/>
           </a:p>
@@ -3706,156 +3528,13 @@
             <a:pPr marL="591820" lvl="1"/>
             <a:r>
               <a:rPr lang="zh-CN" altLang="en-US" sz="2400" dirty="0" smtClean="0"/>
-              <a:t> 是一个来自谷歌的开源的前端</a:t>
-            </a:r>
-            <a:r>
-              <a:rPr lang="en-US" altLang="zh-CN" sz="2400" dirty="0" smtClean="0"/>
-              <a:t>JavaScript</a:t>
-            </a:r>
-            <a:r>
-              <a:rPr lang="zh-CN" altLang="en-US" sz="2400" dirty="0" smtClean="0"/>
-              <a:t>框架，诞生于</a:t>
-            </a:r>
-            <a:r>
-              <a:rPr lang="en-US" altLang="zh-CN" sz="2400" dirty="0" smtClean="0"/>
-              <a:t>2009</a:t>
-            </a:r>
-            <a:r>
-              <a:rPr lang="zh-CN" altLang="en-US" sz="2400" dirty="0" smtClean="0"/>
-              <a:t>年</a:t>
+              <a:t> 数据绑定、服务等</a:t>
             </a:r>
             <a:endParaRPr lang="en-US" altLang="zh-CN" sz="2400" dirty="0" smtClean="0"/>
           </a:p>
           <a:p>
             <a:pPr marL="591820" lvl="1"/>
-            <a:r>
-              <a:rPr lang="en-US" altLang="zh-CN" sz="2400" dirty="0" smtClean="0"/>
-              <a:t> 2015</a:t>
-            </a:r>
-            <a:r>
-              <a:rPr lang="zh-CN" altLang="en-US" sz="2400" dirty="0" smtClean="0"/>
-              <a:t>年之前</a:t>
-            </a:r>
-            <a:r>
-              <a:rPr lang="en-US" altLang="zh-CN" dirty="0"/>
-              <a:t>A</a:t>
-            </a:r>
-            <a:r>
-              <a:rPr lang="en-US" altLang="zh-CN" sz="2400" dirty="0" smtClean="0"/>
-              <a:t>ngular1.x</a:t>
-            </a:r>
-            <a:r>
-              <a:rPr lang="zh-CN" altLang="en-US" sz="2400" dirty="0" smtClean="0"/>
-              <a:t>广泛应用，开发单页面应用无人能敌</a:t>
-            </a:r>
-            <a:endParaRPr lang="en-US" altLang="zh-CN" sz="2400" dirty="0" smtClean="0"/>
-          </a:p>
-          <a:p>
-            <a:pPr marL="591820" lvl="1"/>
-            <a:r>
-              <a:rPr lang="en-US" altLang="zh-CN" dirty="0"/>
-              <a:t> </a:t>
-            </a:r>
-            <a:r>
-              <a:rPr lang="en-US" altLang="zh-CN" dirty="0" smtClean="0"/>
-              <a:t>2015</a:t>
-            </a:r>
-            <a:r>
-              <a:rPr lang="zh-CN" altLang="en-US" dirty="0" smtClean="0"/>
-              <a:t>年底，</a:t>
-            </a:r>
-            <a:r>
-              <a:rPr lang="en-US" altLang="zh-CN" dirty="0" smtClean="0"/>
-              <a:t>Angular2.0</a:t>
-            </a:r>
-            <a:r>
-              <a:rPr lang="zh-CN" altLang="en-US" dirty="0" smtClean="0"/>
-              <a:t>发布，颠覆之前版本</a:t>
-            </a:r>
-            <a:endParaRPr lang="en-US" altLang="zh-CN" dirty="0" smtClean="0"/>
-          </a:p>
-          <a:p>
-            <a:pPr marL="591820" lvl="1"/>
-            <a:r>
-              <a:rPr lang="en-US" altLang="zh-CN" sz="2400" dirty="0"/>
-              <a:t> </a:t>
-            </a:r>
-            <a:r>
-              <a:rPr lang="en-US" altLang="zh-CN" sz="2400" dirty="0" smtClean="0"/>
-              <a:t>Angular2.0</a:t>
-            </a:r>
-            <a:r>
-              <a:rPr lang="zh-CN" altLang="en-US" sz="2400" dirty="0" smtClean="0"/>
-              <a:t>以后基于</a:t>
-            </a:r>
-            <a:r>
-              <a:rPr lang="en-US" altLang="zh-CN" dirty="0" err="1" smtClean="0"/>
-              <a:t>TypeScript</a:t>
-            </a:r>
-            <a:endParaRPr lang="en-US" altLang="zh-CN" dirty="0" smtClean="0"/>
-          </a:p>
-          <a:p>
-            <a:pPr marL="593090" lvl="2"/>
-            <a:r>
-              <a:rPr lang="en-US" altLang="zh-CN" dirty="0"/>
-              <a:t> </a:t>
-            </a:r>
-            <a:r>
-              <a:rPr lang="en-US" altLang="zh-CN" dirty="0" smtClean="0"/>
-              <a:t>JavaScript</a:t>
-            </a:r>
-            <a:r>
-              <a:rPr lang="zh-CN" altLang="en-US" dirty="0" smtClean="0"/>
-              <a:t>的超集，兼容</a:t>
-            </a:r>
-            <a:r>
-              <a:rPr lang="en-US" altLang="zh-CN" dirty="0" smtClean="0"/>
-              <a:t>JavaScript</a:t>
-            </a:r>
-          </a:p>
-          <a:p>
-            <a:pPr marL="593090" lvl="2"/>
-            <a:r>
-              <a:rPr lang="zh-CN" altLang="en-US" dirty="0"/>
-              <a:t>文件扩展名为 </a:t>
-            </a:r>
-            <a:r>
-              <a:rPr lang="en-US" altLang="zh-CN" dirty="0"/>
-              <a:t>.</a:t>
-            </a:r>
-            <a:r>
-              <a:rPr lang="en-US" altLang="zh-CN" dirty="0" err="1" smtClean="0"/>
-              <a:t>ts</a:t>
-            </a:r>
-            <a:r>
-              <a:rPr lang="zh-CN" altLang="en-US" dirty="0"/>
-              <a:t>，</a:t>
-            </a:r>
-            <a:r>
-              <a:rPr lang="zh-CN" altLang="en-US" dirty="0" smtClean="0"/>
-              <a:t>运行前需预编译成</a:t>
-            </a:r>
-            <a:r>
-              <a:rPr lang="en-US" altLang="zh-CN" dirty="0" smtClean="0"/>
-              <a:t>JavaScript</a:t>
-            </a:r>
-            <a:r>
-              <a:rPr lang="zh-CN" altLang="en-US" dirty="0" smtClean="0"/>
-              <a:t>代码</a:t>
-            </a:r>
-            <a:endParaRPr lang="en-US" altLang="zh-CN" dirty="0" smtClean="0"/>
-          </a:p>
-          <a:p>
-            <a:pPr marL="593090" lvl="2"/>
-            <a:r>
-              <a:rPr lang="en-US" altLang="zh-CN" dirty="0"/>
-              <a:t> </a:t>
-            </a:r>
-            <a:r>
-              <a:rPr lang="zh-CN" altLang="en-US" dirty="0" smtClean="0"/>
-              <a:t>加入类型判断，编译时进行类型检查</a:t>
-            </a:r>
-            <a:endParaRPr lang="en-US" altLang="zh-CN" dirty="0" smtClean="0"/>
+            <a:endParaRPr lang="en-US" altLang="zh-CN" sz="2400" dirty="0"/>
           </a:p>
         </p:txBody>
       </p:sp>
@@ -3907,6 +3586,2245 @@
                 <a:ea typeface="+mn-ea"/>
               </a:rPr>
               <a:t>Angular</a:t>
+            </a:r>
+            <a:r>
+              <a:rPr lang="zh-CN" altLang="en-US" dirty="0" smtClean="0">
+                <a:latin typeface="+mn-ea"/>
+                <a:ea typeface="+mn-ea"/>
+              </a:rPr>
+              <a:t>核心属性</a:t>
+            </a:r>
+          </a:p>
+        </p:txBody>
+      </p:sp>
+    </p:spTree>
+  </p:cSld>
+  <p:clrMapOvr>
+    <a:masterClrMapping/>
+  </p:clrMapOvr>
+  <p:timing>
+    <p:tnLst>
+      <p:par>
+        <p:cTn id="1" dur="indefinite" restart="never" nodeType="tmRoot"/>
+      </p:par>
+    </p:tnLst>
+  </p:timing>
+</p:sld>
+</file>
+
+<file path=ppt/slides/slide12.xml><?xml version="1.0" encoding="utf-8"?>
+<p:sld xmlns:a="http://schemas.openxmlformats.org/drawingml/2006/main" xmlns:r="http://schemas.openxmlformats.org/officeDocument/2006/relationships" xmlns:p="http://schemas.openxmlformats.org/presentationml/2006/main">
+  <p:cSld>
+    <p:spTree>
+      <p:nvGrpSpPr>
+        <p:cNvPr id="1" name=""/>
+        <p:cNvGrpSpPr/>
+        <p:nvPr/>
+      </p:nvGrpSpPr>
+      <p:grpSpPr>
+        <a:xfrm>
+          <a:off x="0" y="0"/>
+          <a:ext cx="0" cy="0"/>
+          <a:chOff x="0" y="0"/>
+          <a:chExt cx="0" cy="0"/>
+        </a:xfrm>
+      </p:grpSpPr>
+      <p:sp>
+        <p:nvSpPr>
+          <p:cNvPr id="30722" name="内容占位符 3"/>
+          <p:cNvSpPr>
+            <a:spLocks noGrp="1"/>
+          </p:cNvSpPr>
+          <p:nvPr>
+            <p:ph sz="quarter" idx="10"/>
+          </p:nvPr>
+        </p:nvSpPr>
+        <p:spPr bwMode="auto">
+          <a:xfrm>
+            <a:off x="693525" y="907845"/>
+            <a:ext cx="10372751" cy="4033246"/>
+          </a:xfrm>
+          <a:solidFill>
+            <a:schemeClr val="bg1"/>
+          </a:solidFill>
+        </p:spPr>
+        <p:txBody>
+          <a:bodyPr vert="horz" wrap="square" lIns="91440" tIns="45720" rIns="91440" bIns="45720" numCol="1" anchor="t" anchorCtr="0" compatLnSpc="1"/>
+          <a:lstStyle/>
+          <a:p>
+            <a:pPr marL="360045"/>
+            <a:r>
+              <a:rPr lang="zh-CN" altLang="en-US" dirty="0" smtClean="0"/>
+              <a:t> </a:t>
+            </a:r>
+            <a:r>
+              <a:rPr lang="en-US" altLang="zh-CN" dirty="0" smtClean="0"/>
+              <a:t>Cordova</a:t>
+            </a:r>
+            <a:r>
+              <a:rPr lang="zh-CN" altLang="en-US" dirty="0" smtClean="0"/>
+              <a:t>介绍</a:t>
+            </a:r>
+            <a:endParaRPr lang="en-US" altLang="zh-CN" sz="2400" dirty="0" smtClean="0"/>
+          </a:p>
+          <a:p>
+            <a:pPr marL="591820" lvl="1"/>
+            <a:r>
+              <a:rPr lang="zh-CN" altLang="en-US" sz="2400" dirty="0"/>
+              <a:t> </a:t>
+            </a:r>
+            <a:r>
+              <a:rPr lang="en-US" altLang="zh-CN" sz="2400" dirty="0"/>
+              <a:t>Cordova</a:t>
+            </a:r>
+            <a:r>
+              <a:rPr lang="zh-CN" altLang="en-US" sz="2400" dirty="0"/>
+              <a:t>是一个开源的移动开发</a:t>
+            </a:r>
+            <a:r>
+              <a:rPr lang="zh-CN" altLang="en-US" sz="2400" dirty="0" smtClean="0"/>
+              <a:t>框架</a:t>
+            </a:r>
+            <a:endParaRPr lang="en-US" altLang="zh-CN" sz="2400" dirty="0" smtClean="0"/>
+          </a:p>
+          <a:p>
+            <a:pPr marL="591820" lvl="1"/>
+            <a:r>
+              <a:rPr lang="en-US" altLang="zh-CN" sz="2400" dirty="0"/>
+              <a:t> </a:t>
+            </a:r>
+            <a:r>
+              <a:rPr lang="zh-CN" altLang="en-US" sz="2400" dirty="0" smtClean="0"/>
+              <a:t>允许</a:t>
+            </a:r>
+            <a:r>
+              <a:rPr lang="zh-CN" altLang="en-US" sz="2400" dirty="0"/>
+              <a:t>使</a:t>
+            </a:r>
+            <a:r>
+              <a:rPr lang="zh-CN" altLang="en-US" sz="2400" dirty="0" smtClean="0"/>
+              <a:t>用</a:t>
+            </a:r>
+            <a:r>
+              <a:rPr lang="zh-CN" altLang="en-US" sz="2400" dirty="0"/>
+              <a:t>标准</a:t>
+            </a:r>
+            <a:r>
+              <a:rPr lang="zh-CN" altLang="en-US" sz="2400" dirty="0" smtClean="0"/>
+              <a:t>的</a:t>
+            </a:r>
+            <a:r>
+              <a:rPr lang="en-US" altLang="zh-CN" sz="2400" dirty="0" smtClean="0"/>
+              <a:t>Web</a:t>
+            </a:r>
+            <a:r>
+              <a:rPr lang="zh-CN" altLang="en-US" sz="2400" dirty="0"/>
+              <a:t>技术</a:t>
+            </a:r>
+            <a:r>
+              <a:rPr lang="en-US" altLang="zh-CN" sz="2400" dirty="0"/>
+              <a:t>-HTML5,CSS3</a:t>
+            </a:r>
+            <a:r>
+              <a:rPr lang="zh-CN" altLang="en-US" sz="2400" dirty="0" smtClean="0"/>
+              <a:t>和</a:t>
+            </a:r>
+            <a:r>
+              <a:rPr lang="en-US" altLang="zh-CN" dirty="0"/>
+              <a:t>JavaScript</a:t>
+            </a:r>
+            <a:r>
+              <a:rPr lang="zh-CN" altLang="en-US" sz="2400" dirty="0" smtClean="0"/>
+              <a:t>进行跨</a:t>
+            </a:r>
+            <a:r>
+              <a:rPr lang="zh-CN" altLang="en-US" sz="2400" dirty="0"/>
+              <a:t>平台</a:t>
+            </a:r>
+            <a:r>
+              <a:rPr lang="zh-CN" altLang="en-US" sz="2400" dirty="0" smtClean="0"/>
+              <a:t>开发</a:t>
+            </a:r>
+            <a:endParaRPr lang="en-US" altLang="zh-CN" sz="2400" dirty="0" smtClean="0"/>
+          </a:p>
+          <a:p>
+            <a:pPr marL="591820" lvl="1"/>
+            <a:r>
+              <a:rPr lang="zh-CN" altLang="en-US" sz="2400" dirty="0" smtClean="0"/>
+              <a:t> 插件</a:t>
+            </a:r>
+            <a:r>
+              <a:rPr lang="zh-CN" altLang="en-US" sz="2400" dirty="0"/>
+              <a:t>是</a:t>
+            </a:r>
+            <a:r>
+              <a:rPr lang="en-US" altLang="zh-CN" sz="2400" dirty="0" smtClean="0"/>
+              <a:t>Cordova</a:t>
+            </a:r>
+            <a:r>
+              <a:rPr lang="zh-CN" altLang="en-US" sz="2400" dirty="0"/>
+              <a:t>框架</a:t>
+            </a:r>
+            <a:r>
+              <a:rPr lang="zh-CN" altLang="en-US" sz="2400" dirty="0" smtClean="0"/>
+              <a:t>的</a:t>
+            </a:r>
+            <a:r>
+              <a:rPr lang="zh-CN" altLang="en-US" sz="2400" dirty="0"/>
+              <a:t>重要</a:t>
+            </a:r>
+            <a:r>
+              <a:rPr lang="zh-CN" altLang="en-US" sz="2400" dirty="0" smtClean="0"/>
+              <a:t>组成部分，他</a:t>
+            </a:r>
+            <a:r>
+              <a:rPr lang="zh-CN" altLang="en-US" sz="2400" dirty="0"/>
+              <a:t>提供了</a:t>
+            </a:r>
+            <a:r>
+              <a:rPr lang="en-US" altLang="zh-CN" sz="2400" dirty="0"/>
+              <a:t>Cordova</a:t>
+            </a:r>
+            <a:r>
+              <a:rPr lang="zh-CN" altLang="en-US" sz="2400" dirty="0"/>
+              <a:t>和原生组件相互通信</a:t>
+            </a:r>
+            <a:r>
+              <a:rPr lang="zh-CN" altLang="en-US" sz="2400" dirty="0" smtClean="0"/>
+              <a:t>的</a:t>
+            </a:r>
+            <a:r>
+              <a:rPr lang="en-US" altLang="zh-CN" sz="2400" dirty="0" smtClean="0"/>
+              <a:t>API</a:t>
+            </a:r>
+            <a:r>
+              <a:rPr lang="zh-CN" altLang="en-US" sz="2400" dirty="0"/>
+              <a:t>，</a:t>
+            </a:r>
+            <a:r>
+              <a:rPr lang="zh-CN" altLang="en-US" sz="2400" dirty="0" smtClean="0"/>
+              <a:t>能够</a:t>
+            </a:r>
+            <a:r>
+              <a:rPr lang="zh-CN" altLang="en-US" sz="2400" dirty="0"/>
+              <a:t>通过</a:t>
+            </a:r>
+            <a:r>
+              <a:rPr lang="en-US" altLang="zh-CN" sz="2400" dirty="0"/>
+              <a:t>JavaScript</a:t>
+            </a:r>
+            <a:r>
+              <a:rPr lang="zh-CN" altLang="en-US" sz="2400" dirty="0"/>
+              <a:t>调用</a:t>
+            </a:r>
+            <a:r>
+              <a:rPr lang="zh-CN" altLang="en-US" sz="2400" dirty="0" smtClean="0"/>
+              <a:t>原生功能</a:t>
+            </a:r>
+            <a:endParaRPr lang="en-US" altLang="zh-CN" sz="2400" dirty="0" smtClean="0"/>
+          </a:p>
+          <a:p>
+            <a:pPr marL="591820" lvl="1"/>
+            <a:endParaRPr lang="en-US" altLang="zh-CN" sz="2400" dirty="0"/>
+          </a:p>
+        </p:txBody>
+      </p:sp>
+      <p:sp>
+        <p:nvSpPr>
+          <p:cNvPr id="25603" name="内容占位符 4"/>
+          <p:cNvSpPr>
+            <a:spLocks noGrp="1"/>
+          </p:cNvSpPr>
+          <p:nvPr>
+            <p:ph sz="quarter" idx="11"/>
+          </p:nvPr>
+        </p:nvSpPr>
+        <p:spPr bwMode="auto">
+          <a:xfrm>
+            <a:off x="909638" y="236538"/>
+            <a:ext cx="7575550" cy="490537"/>
+          </a:xfrm>
+          <a:extLst>
+            <a:ext uri="{909E8E84-426E-40DD-AFC4-6F175D3DCCD1}">
+              <a14:hiddenFill xmlns:a14="http://schemas.microsoft.com/office/drawing/2010/main">
+                <a:solidFill>
+                  <a:srgbClr val="FFFFFF"/>
+                </a:solidFill>
+              </a14:hiddenFill>
+            </a:ext>
+            <a:ext uri="{91240B29-F687-4F45-9708-019B960494DF}">
+              <a14:hiddenLine xmlns:a14="http://schemas.microsoft.com/office/drawing/2010/main" w="9525">
+                <a:solidFill>
+                  <a:srgbClr val="000000"/>
+                </a:solidFill>
+                <a:miter lim="800000"/>
+                <a:headEnd/>
+                <a:tailEnd/>
+              </a14:hiddenLine>
+            </a:ext>
+          </a:extLst>
+        </p:spPr>
+        <p:txBody>
+          <a:bodyPr vert="horz" wrap="square" lIns="91440" tIns="45720" rIns="91440" bIns="45720" numCol="1" anchor="t" anchorCtr="0" compatLnSpc="1"/>
+          <a:lstStyle/>
+          <a:p>
+            <a:pPr>
+              <a:defRPr/>
+            </a:pPr>
+            <a:r>
+              <a:rPr lang="en-US" altLang="zh-CN" dirty="0" smtClean="0">
+                <a:latin typeface="+mn-ea"/>
+                <a:ea typeface="+mn-ea"/>
+              </a:rPr>
+              <a:t>Cordova</a:t>
+            </a:r>
+            <a:endParaRPr lang="zh-CN" altLang="en-US" dirty="0" smtClean="0">
+              <a:latin typeface="+mn-ea"/>
+              <a:ea typeface="+mn-ea"/>
+            </a:endParaRPr>
+          </a:p>
+        </p:txBody>
+      </p:sp>
+    </p:spTree>
+  </p:cSld>
+  <p:clrMapOvr>
+    <a:masterClrMapping/>
+  </p:clrMapOvr>
+  <p:timing>
+    <p:tnLst>
+      <p:par>
+        <p:cTn id="1" dur="indefinite" restart="never" nodeType="tmRoot"/>
+      </p:par>
+    </p:tnLst>
+  </p:timing>
+</p:sld>
+</file>
+
+<file path=ppt/slides/slide13.xml><?xml version="1.0" encoding="utf-8"?>
+<p:sld xmlns:a="http://schemas.openxmlformats.org/drawingml/2006/main" xmlns:r="http://schemas.openxmlformats.org/officeDocument/2006/relationships" xmlns:p="http://schemas.openxmlformats.org/presentationml/2006/main">
+  <p:cSld>
+    <p:spTree>
+      <p:nvGrpSpPr>
+        <p:cNvPr id="1" name=""/>
+        <p:cNvGrpSpPr/>
+        <p:nvPr/>
+      </p:nvGrpSpPr>
+      <p:grpSpPr>
+        <a:xfrm>
+          <a:off x="0" y="0"/>
+          <a:ext cx="0" cy="0"/>
+          <a:chOff x="0" y="0"/>
+          <a:chExt cx="0" cy="0"/>
+        </a:xfrm>
+      </p:grpSpPr>
+      <p:pic>
+        <p:nvPicPr>
+          <p:cNvPr id="69634" name="Picture 5"/>
+          <p:cNvPicPr>
+            <a:picLocks noChangeAspect="1" noChangeArrowheads="1"/>
+          </p:cNvPicPr>
+          <p:nvPr/>
+        </p:nvPicPr>
+        <p:blipFill>
+          <a:blip r:embed="rId2">
+            <a:extLst>
+              <a:ext uri="{28A0092B-C50C-407E-A947-70E740481C1C}">
+                <a14:useLocalDpi xmlns:a14="http://schemas.microsoft.com/office/drawing/2010/main" val="0"/>
+              </a:ext>
+            </a:extLst>
+          </a:blip>
+          <a:srcRect/>
+          <a:stretch>
+            <a:fillRect/>
+          </a:stretch>
+        </p:blipFill>
+        <p:spPr bwMode="auto">
+          <a:xfrm>
+            <a:off x="0" y="0"/>
+            <a:ext cx="12192000" cy="6858000"/>
+          </a:xfrm>
+          <a:prstGeom prst="rect">
+            <a:avLst/>
+          </a:prstGeom>
+          <a:noFill/>
+          <a:ln>
+            <a:noFill/>
+          </a:ln>
+          <a:extLst>
+            <a:ext uri="{909E8E84-426E-40DD-AFC4-6F175D3DCCD1}">
+              <a14:hiddenFill xmlns:a14="http://schemas.microsoft.com/office/drawing/2010/main">
+                <a:solidFill>
+                  <a:srgbClr val="FFFFFF"/>
+                </a:solidFill>
+              </a14:hiddenFill>
+            </a:ext>
+            <a:ext uri="{91240B29-F687-4F45-9708-019B960494DF}">
+              <a14:hiddenLine xmlns:a14="http://schemas.microsoft.com/office/drawing/2010/main" w="9525">
+                <a:solidFill>
+                  <a:srgbClr val="000000"/>
+                </a:solidFill>
+                <a:miter lim="800000"/>
+                <a:headEnd/>
+                <a:tailEnd/>
+              </a14:hiddenLine>
+            </a:ext>
+          </a:extLst>
+        </p:spPr>
+      </p:pic>
+      <p:sp>
+        <p:nvSpPr>
+          <p:cNvPr id="69635" name="Rectangle 6"/>
+          <p:cNvSpPr>
+            <a:spLocks noGrp="1" noChangeArrowheads="1"/>
+          </p:cNvSpPr>
+          <p:nvPr>
+            <p:ph type="ctrTitle" idx="4294967295"/>
+          </p:nvPr>
+        </p:nvSpPr>
+        <p:spPr bwMode="auto">
+          <a:xfrm>
+            <a:off x="1557338" y="3494088"/>
+            <a:ext cx="7362825" cy="582612"/>
+          </a:xfrm>
+          <a:prstGeom prst="rect">
+            <a:avLst/>
+          </a:prstGeom>
+          <a:noFill/>
+          <a:extLst>
+            <a:ext uri="{909E8E84-426E-40DD-AFC4-6F175D3DCCD1}">
+              <a14:hiddenFill xmlns:a14="http://schemas.microsoft.com/office/drawing/2010/main">
+                <a:solidFill>
+                  <a:srgbClr val="FFFFFF"/>
+                </a:solidFill>
+              </a14:hiddenFill>
+            </a:ext>
+            <a:ext uri="{91240B29-F687-4F45-9708-019B960494DF}">
+              <a14:hiddenLine xmlns:a14="http://schemas.microsoft.com/office/drawing/2010/main" w="9525">
+                <a:solidFill>
+                  <a:srgbClr val="000000"/>
+                </a:solidFill>
+                <a:miter lim="800000"/>
+                <a:headEnd/>
+                <a:tailEnd/>
+              </a14:hiddenLine>
+            </a:ext>
+          </a:extLst>
+        </p:spPr>
+        <p:txBody>
+          <a:bodyPr anchor="b"/>
+          <a:lstStyle/>
+          <a:p>
+            <a:pPr algn="ctr" eaLnBrk="1" hangingPunct="1"/>
+            <a:r>
+              <a:rPr lang="en-US" altLang="zh-CN" sz="5400" smtClean="0">
+                <a:ea typeface="宋体" panose="02010600030101010101" pitchFamily="2" charset="-122"/>
+              </a:rPr>
+              <a:t>Thank You</a:t>
+            </a:r>
+            <a:endParaRPr lang="zh-CN" altLang="zh-CN" sz="5400" dirty="0" smtClean="0">
+              <a:ea typeface="宋体" panose="02010600030101010101" pitchFamily="2" charset="-122"/>
+            </a:endParaRPr>
+          </a:p>
+        </p:txBody>
+      </p:sp>
+      <p:pic>
+        <p:nvPicPr>
+          <p:cNvPr id="69636" name="图片 3" descr="软院logo横版.png"/>
+          <p:cNvPicPr>
+            <a:picLocks noChangeAspect="1"/>
+          </p:cNvPicPr>
+          <p:nvPr/>
+        </p:nvPicPr>
+        <p:blipFill>
+          <a:blip r:embed="rId3">
+            <a:extLst>
+              <a:ext uri="{28A0092B-C50C-407E-A947-70E740481C1C}">
+                <a14:useLocalDpi xmlns:a14="http://schemas.microsoft.com/office/drawing/2010/main" val="0"/>
+              </a:ext>
+            </a:extLst>
+          </a:blip>
+          <a:srcRect/>
+          <a:stretch>
+            <a:fillRect/>
+          </a:stretch>
+        </p:blipFill>
+        <p:spPr bwMode="auto">
+          <a:xfrm>
+            <a:off x="2062163" y="5927725"/>
+            <a:ext cx="3381375" cy="527050"/>
+          </a:xfrm>
+          <a:prstGeom prst="rect">
+            <a:avLst/>
+          </a:prstGeom>
+          <a:noFill/>
+          <a:ln>
+            <a:noFill/>
+          </a:ln>
+          <a:extLst>
+            <a:ext uri="{909E8E84-426E-40DD-AFC4-6F175D3DCCD1}">
+              <a14:hiddenFill xmlns:a14="http://schemas.microsoft.com/office/drawing/2010/main">
+                <a:solidFill>
+                  <a:srgbClr val="FFFFFF"/>
+                </a:solidFill>
+              </a14:hiddenFill>
+            </a:ext>
+            <a:ext uri="{91240B29-F687-4F45-9708-019B960494DF}">
+              <a14:hiddenLine xmlns:a14="http://schemas.microsoft.com/office/drawing/2010/main" w="9525">
+                <a:solidFill>
+                  <a:srgbClr val="000000"/>
+                </a:solidFill>
+                <a:miter lim="800000"/>
+                <a:headEnd/>
+                <a:tailEnd/>
+              </a14:hiddenLine>
+            </a:ext>
+          </a:extLst>
+        </p:spPr>
+      </p:pic>
+    </p:spTree>
+  </p:cSld>
+  <p:clrMapOvr>
+    <a:masterClrMapping/>
+  </p:clrMapOvr>
+  <p:timing>
+    <p:tnLst>
+      <p:par>
+        <p:cTn id="1" dur="indefinite" restart="never" nodeType="tmRoot"/>
+      </p:par>
+    </p:tnLst>
+  </p:timing>
+</p:sld>
+</file>
+
+<file path=ppt/slides/slide2.xml><?xml version="1.0" encoding="utf-8"?>
+<p:sld xmlns:a="http://schemas.openxmlformats.org/drawingml/2006/main" xmlns:r="http://schemas.openxmlformats.org/officeDocument/2006/relationships" xmlns:p="http://schemas.openxmlformats.org/presentationml/2006/main">
+  <p:cSld>
+    <p:spTree>
+      <p:nvGrpSpPr>
+        <p:cNvPr id="1" name=""/>
+        <p:cNvGrpSpPr/>
+        <p:nvPr/>
+      </p:nvGrpSpPr>
+      <p:grpSpPr>
+        <a:xfrm>
+          <a:off x="0" y="0"/>
+          <a:ext cx="0" cy="0"/>
+          <a:chOff x="0" y="0"/>
+          <a:chExt cx="0" cy="0"/>
+        </a:xfrm>
+      </p:grpSpPr>
+      <p:sp>
+        <p:nvSpPr>
+          <p:cNvPr id="21506" name="矩形 2"/>
+          <p:cNvSpPr>
+            <a:spLocks noChangeArrowheads="1"/>
+          </p:cNvSpPr>
+          <p:nvPr/>
+        </p:nvSpPr>
+        <p:spPr bwMode="auto">
+          <a:xfrm>
+            <a:off x="1053690" y="258763"/>
+            <a:ext cx="3186523" cy="585787"/>
+          </a:xfrm>
+          <a:prstGeom prst="rect">
+            <a:avLst/>
+          </a:prstGeom>
+          <a:noFill/>
+          <a:ln>
+            <a:noFill/>
+          </a:ln>
+          <a:extLst>
+            <a:ext uri="{909E8E84-426E-40DD-AFC4-6F175D3DCCD1}">
+              <a14:hiddenFill xmlns:a14="http://schemas.microsoft.com/office/drawing/2010/main">
+                <a:solidFill>
+                  <a:srgbClr val="FFFFFF"/>
+                </a:solidFill>
+              </a14:hiddenFill>
+            </a:ext>
+            <a:ext uri="{91240B29-F687-4F45-9708-019B960494DF}">
+              <a14:hiddenLine xmlns:a14="http://schemas.microsoft.com/office/drawing/2010/main" w="9525">
+                <a:solidFill>
+                  <a:srgbClr val="000000"/>
+                </a:solidFill>
+                <a:miter lim="800000"/>
+                <a:headEnd/>
+                <a:tailEnd/>
+              </a14:hiddenLine>
+            </a:ext>
+          </a:extLst>
+        </p:spPr>
+        <p:txBody>
+          <a:bodyPr wrap="square">
+            <a:spAutoFit/>
+          </a:bodyPr>
+          <a:lstStyle>
+            <a:lvl1pPr>
+              <a:defRPr sz="3200">
+                <a:solidFill>
+                  <a:schemeClr val="tx1"/>
+                </a:solidFill>
+                <a:latin typeface="Arial" panose="020B0604020202020204" pitchFamily="34" charset="0"/>
+                <a:ea typeface="微软雅黑" panose="020B0503020204020204" pitchFamily="34" charset="-122"/>
+              </a:defRPr>
+            </a:lvl1pPr>
+            <a:lvl2pPr marL="742950" indent="-285750">
+              <a:defRPr sz="3200">
+                <a:solidFill>
+                  <a:schemeClr val="tx1"/>
+                </a:solidFill>
+                <a:latin typeface="Arial" panose="020B0604020202020204" pitchFamily="34" charset="0"/>
+                <a:ea typeface="微软雅黑" panose="020B0503020204020204" pitchFamily="34" charset="-122"/>
+              </a:defRPr>
+            </a:lvl2pPr>
+            <a:lvl3pPr marL="1143000" indent="-228600">
+              <a:defRPr sz="3200">
+                <a:solidFill>
+                  <a:schemeClr val="tx1"/>
+                </a:solidFill>
+                <a:latin typeface="Arial" panose="020B0604020202020204" pitchFamily="34" charset="0"/>
+                <a:ea typeface="微软雅黑" panose="020B0503020204020204" pitchFamily="34" charset="-122"/>
+              </a:defRPr>
+            </a:lvl3pPr>
+            <a:lvl4pPr marL="1600200" indent="-228600">
+              <a:defRPr sz="3200">
+                <a:solidFill>
+                  <a:schemeClr val="tx1"/>
+                </a:solidFill>
+                <a:latin typeface="Arial" panose="020B0604020202020204" pitchFamily="34" charset="0"/>
+                <a:ea typeface="微软雅黑" panose="020B0503020204020204" pitchFamily="34" charset="-122"/>
+              </a:defRPr>
+            </a:lvl4pPr>
+            <a:lvl5pPr marL="2057400" indent="-228600">
+              <a:defRPr sz="3200">
+                <a:solidFill>
+                  <a:schemeClr val="tx1"/>
+                </a:solidFill>
+                <a:latin typeface="Arial" panose="020B0604020202020204" pitchFamily="34" charset="0"/>
+                <a:ea typeface="微软雅黑" panose="020B0503020204020204" pitchFamily="34" charset="-122"/>
+              </a:defRPr>
+            </a:lvl5pPr>
+            <a:lvl6pPr marL="2514600" indent="-228600" eaLnBrk="0" fontAlgn="base" hangingPunct="0">
+              <a:spcBef>
+                <a:spcPct val="0"/>
+              </a:spcBef>
+              <a:spcAft>
+                <a:spcPct val="0"/>
+              </a:spcAft>
+              <a:defRPr sz="3200">
+                <a:solidFill>
+                  <a:schemeClr val="tx1"/>
+                </a:solidFill>
+                <a:latin typeface="Arial" panose="020B0604020202020204" pitchFamily="34" charset="0"/>
+                <a:ea typeface="微软雅黑" panose="020B0503020204020204" pitchFamily="34" charset="-122"/>
+              </a:defRPr>
+            </a:lvl6pPr>
+            <a:lvl7pPr marL="2971800" indent="-228600" eaLnBrk="0" fontAlgn="base" hangingPunct="0">
+              <a:spcBef>
+                <a:spcPct val="0"/>
+              </a:spcBef>
+              <a:spcAft>
+                <a:spcPct val="0"/>
+              </a:spcAft>
+              <a:defRPr sz="3200">
+                <a:solidFill>
+                  <a:schemeClr val="tx1"/>
+                </a:solidFill>
+                <a:latin typeface="Arial" panose="020B0604020202020204" pitchFamily="34" charset="0"/>
+                <a:ea typeface="微软雅黑" panose="020B0503020204020204" pitchFamily="34" charset="-122"/>
+              </a:defRPr>
+            </a:lvl7pPr>
+            <a:lvl8pPr marL="3429000" indent="-228600" eaLnBrk="0" fontAlgn="base" hangingPunct="0">
+              <a:spcBef>
+                <a:spcPct val="0"/>
+              </a:spcBef>
+              <a:spcAft>
+                <a:spcPct val="0"/>
+              </a:spcAft>
+              <a:defRPr sz="3200">
+                <a:solidFill>
+                  <a:schemeClr val="tx1"/>
+                </a:solidFill>
+                <a:latin typeface="Arial" panose="020B0604020202020204" pitchFamily="34" charset="0"/>
+                <a:ea typeface="微软雅黑" panose="020B0503020204020204" pitchFamily="34" charset="-122"/>
+              </a:defRPr>
+            </a:lvl8pPr>
+            <a:lvl9pPr marL="3886200" indent="-228600" eaLnBrk="0" fontAlgn="base" hangingPunct="0">
+              <a:spcBef>
+                <a:spcPct val="0"/>
+              </a:spcBef>
+              <a:spcAft>
+                <a:spcPct val="0"/>
+              </a:spcAft>
+              <a:defRPr sz="3200">
+                <a:solidFill>
+                  <a:schemeClr val="tx1"/>
+                </a:solidFill>
+                <a:latin typeface="Arial" panose="020B0604020202020204" pitchFamily="34" charset="0"/>
+                <a:ea typeface="微软雅黑" panose="020B0503020204020204" pitchFamily="34" charset="-122"/>
+              </a:defRPr>
+            </a:lvl9pPr>
+          </a:lstStyle>
+          <a:p>
+            <a:r>
+              <a:rPr lang="zh-CN" altLang="en-US" dirty="0" smtClean="0">
+                <a:solidFill>
+                  <a:srgbClr val="C00000"/>
+                </a:solidFill>
+                <a:latin typeface="+mj-ea"/>
+                <a:ea typeface="+mj-ea"/>
+              </a:rPr>
+              <a:t>内容提纲</a:t>
+            </a:r>
+            <a:endParaRPr lang="zh-CN" altLang="en-US" dirty="0">
+              <a:solidFill>
+                <a:srgbClr val="C00000"/>
+              </a:solidFill>
+              <a:latin typeface="+mj-ea"/>
+              <a:ea typeface="+mj-ea"/>
+            </a:endParaRPr>
+          </a:p>
+        </p:txBody>
+      </p:sp>
+      <p:sp>
+        <p:nvSpPr>
+          <p:cNvPr id="21507" name="AutoShape 6"/>
+          <p:cNvSpPr>
+            <a:spLocks noChangeArrowheads="1"/>
+          </p:cNvSpPr>
+          <p:nvPr/>
+        </p:nvSpPr>
+        <p:spPr bwMode="auto">
+          <a:xfrm>
+            <a:off x="2309813" y="1428750"/>
+            <a:ext cx="6532562" cy="3943350"/>
+          </a:xfrm>
+          <a:prstGeom prst="roundRect">
+            <a:avLst>
+              <a:gd name="adj" fmla="val 16667"/>
+            </a:avLst>
+          </a:prstGeom>
+          <a:noFill/>
+          <a:ln w="28575">
+            <a:solidFill>
+              <a:srgbClr val="C0C0C0"/>
+            </a:solidFill>
+            <a:prstDash val="sysDot"/>
+            <a:round/>
+          </a:ln>
+          <a:extLst>
+            <a:ext uri="{909E8E84-426E-40DD-AFC4-6F175D3DCCD1}">
+              <a14:hiddenFill xmlns:a14="http://schemas.microsoft.com/office/drawing/2010/main">
+                <a:solidFill>
+                  <a:srgbClr val="FFFFFF"/>
+                </a:solidFill>
+              </a14:hiddenFill>
+            </a:ext>
+          </a:extLst>
+        </p:spPr>
+        <p:txBody>
+          <a:bodyPr wrap="none" anchor="ctr"/>
+          <a:lstStyle>
+            <a:lvl1pPr marL="457200" indent="-457200">
+              <a:defRPr sz="3200">
+                <a:solidFill>
+                  <a:schemeClr val="tx1"/>
+                </a:solidFill>
+                <a:latin typeface="Arial" panose="020B0604020202020204" pitchFamily="34" charset="0"/>
+                <a:ea typeface="微软雅黑" panose="020B0503020204020204" pitchFamily="34" charset="-122"/>
+              </a:defRPr>
+            </a:lvl1pPr>
+            <a:lvl2pPr marL="742950" indent="-285750">
+              <a:defRPr sz="3200">
+                <a:solidFill>
+                  <a:schemeClr val="tx1"/>
+                </a:solidFill>
+                <a:latin typeface="Arial" panose="020B0604020202020204" pitchFamily="34" charset="0"/>
+                <a:ea typeface="微软雅黑" panose="020B0503020204020204" pitchFamily="34" charset="-122"/>
+              </a:defRPr>
+            </a:lvl2pPr>
+            <a:lvl3pPr marL="1143000" indent="-228600">
+              <a:defRPr sz="3200">
+                <a:solidFill>
+                  <a:schemeClr val="tx1"/>
+                </a:solidFill>
+                <a:latin typeface="Arial" panose="020B0604020202020204" pitchFamily="34" charset="0"/>
+                <a:ea typeface="微软雅黑" panose="020B0503020204020204" pitchFamily="34" charset="-122"/>
+              </a:defRPr>
+            </a:lvl3pPr>
+            <a:lvl4pPr marL="1600200" indent="-228600">
+              <a:defRPr sz="3200">
+                <a:solidFill>
+                  <a:schemeClr val="tx1"/>
+                </a:solidFill>
+                <a:latin typeface="Arial" panose="020B0604020202020204" pitchFamily="34" charset="0"/>
+                <a:ea typeface="微软雅黑" panose="020B0503020204020204" pitchFamily="34" charset="-122"/>
+              </a:defRPr>
+            </a:lvl4pPr>
+            <a:lvl5pPr marL="2057400" indent="-228600">
+              <a:defRPr sz="3200">
+                <a:solidFill>
+                  <a:schemeClr val="tx1"/>
+                </a:solidFill>
+                <a:latin typeface="Arial" panose="020B0604020202020204" pitchFamily="34" charset="0"/>
+                <a:ea typeface="微软雅黑" panose="020B0503020204020204" pitchFamily="34" charset="-122"/>
+              </a:defRPr>
+            </a:lvl5pPr>
+            <a:lvl6pPr marL="2514600" indent="-228600" eaLnBrk="0" fontAlgn="base" hangingPunct="0">
+              <a:spcBef>
+                <a:spcPct val="0"/>
+              </a:spcBef>
+              <a:spcAft>
+                <a:spcPct val="0"/>
+              </a:spcAft>
+              <a:defRPr sz="3200">
+                <a:solidFill>
+                  <a:schemeClr val="tx1"/>
+                </a:solidFill>
+                <a:latin typeface="Arial" panose="020B0604020202020204" pitchFamily="34" charset="0"/>
+                <a:ea typeface="微软雅黑" panose="020B0503020204020204" pitchFamily="34" charset="-122"/>
+              </a:defRPr>
+            </a:lvl6pPr>
+            <a:lvl7pPr marL="2971800" indent="-228600" eaLnBrk="0" fontAlgn="base" hangingPunct="0">
+              <a:spcBef>
+                <a:spcPct val="0"/>
+              </a:spcBef>
+              <a:spcAft>
+                <a:spcPct val="0"/>
+              </a:spcAft>
+              <a:defRPr sz="3200">
+                <a:solidFill>
+                  <a:schemeClr val="tx1"/>
+                </a:solidFill>
+                <a:latin typeface="Arial" panose="020B0604020202020204" pitchFamily="34" charset="0"/>
+                <a:ea typeface="微软雅黑" panose="020B0503020204020204" pitchFamily="34" charset="-122"/>
+              </a:defRPr>
+            </a:lvl7pPr>
+            <a:lvl8pPr marL="3429000" indent="-228600" eaLnBrk="0" fontAlgn="base" hangingPunct="0">
+              <a:spcBef>
+                <a:spcPct val="0"/>
+              </a:spcBef>
+              <a:spcAft>
+                <a:spcPct val="0"/>
+              </a:spcAft>
+              <a:defRPr sz="3200">
+                <a:solidFill>
+                  <a:schemeClr val="tx1"/>
+                </a:solidFill>
+                <a:latin typeface="Arial" panose="020B0604020202020204" pitchFamily="34" charset="0"/>
+                <a:ea typeface="微软雅黑" panose="020B0503020204020204" pitchFamily="34" charset="-122"/>
+              </a:defRPr>
+            </a:lvl8pPr>
+            <a:lvl9pPr marL="3886200" indent="-228600" eaLnBrk="0" fontAlgn="base" hangingPunct="0">
+              <a:spcBef>
+                <a:spcPct val="0"/>
+              </a:spcBef>
+              <a:spcAft>
+                <a:spcPct val="0"/>
+              </a:spcAft>
+              <a:defRPr sz="3200">
+                <a:solidFill>
+                  <a:schemeClr val="tx1"/>
+                </a:solidFill>
+                <a:latin typeface="Arial" panose="020B0604020202020204" pitchFamily="34" charset="0"/>
+                <a:ea typeface="微软雅黑" panose="020B0503020204020204" pitchFamily="34" charset="-122"/>
+              </a:defRPr>
+            </a:lvl9pPr>
+          </a:lstStyle>
+          <a:p>
+            <a:pPr>
+              <a:lnSpc>
+                <a:spcPct val="200000"/>
+              </a:lnSpc>
+              <a:buClr>
+                <a:srgbClr val="92D050"/>
+              </a:buClr>
+              <a:buFont typeface="Wingdings" panose="05000000000000000000" pitchFamily="2" charset="2"/>
+              <a:buChar char="Ø"/>
+            </a:pPr>
+            <a:r>
+              <a:rPr lang="en-US" altLang="zh-CN" sz="2800" b="1" dirty="0" smtClean="0">
+                <a:solidFill>
+                  <a:srgbClr val="C00000"/>
+                </a:solidFill>
+                <a:latin typeface="+mj-ea"/>
+                <a:ea typeface="+mj-ea"/>
+              </a:rPr>
+              <a:t>APP</a:t>
+            </a:r>
+            <a:r>
+              <a:rPr lang="zh-CN" altLang="en-US" sz="2800" b="1" dirty="0" smtClean="0">
+                <a:solidFill>
+                  <a:srgbClr val="C00000"/>
+                </a:solidFill>
+                <a:latin typeface="+mj-ea"/>
+                <a:ea typeface="+mj-ea"/>
+              </a:rPr>
+              <a:t>开发模式</a:t>
+            </a:r>
+            <a:endParaRPr lang="en-US" altLang="zh-CN" sz="2800" b="1" dirty="0">
+              <a:solidFill>
+                <a:srgbClr val="C00000"/>
+              </a:solidFill>
+              <a:latin typeface="+mj-ea"/>
+              <a:ea typeface="+mj-ea"/>
+            </a:endParaRPr>
+          </a:p>
+          <a:p>
+            <a:pPr>
+              <a:lnSpc>
+                <a:spcPct val="200000"/>
+              </a:lnSpc>
+              <a:buClr>
+                <a:srgbClr val="92D050"/>
+              </a:buClr>
+              <a:buFont typeface="Wingdings" panose="05000000000000000000" pitchFamily="2" charset="2"/>
+              <a:buChar char="Ø"/>
+            </a:pPr>
+            <a:r>
+              <a:rPr lang="zh-CN" altLang="en-US" sz="2800" b="1" dirty="0" smtClean="0">
+                <a:latin typeface="+mj-ea"/>
+                <a:ea typeface="+mj-ea"/>
+              </a:rPr>
+              <a:t>混合</a:t>
+            </a:r>
+            <a:r>
+              <a:rPr lang="zh-CN" altLang="en-US" sz="2800" b="1" dirty="0" smtClean="0">
+                <a:latin typeface="+mj-ea"/>
+                <a:ea typeface="+mj-ea"/>
+              </a:rPr>
+              <a:t>应用开发框架介绍</a:t>
+            </a:r>
+            <a:endParaRPr lang="en-US" altLang="zh-CN" sz="2800" b="1" dirty="0">
+              <a:latin typeface="+mj-ea"/>
+              <a:ea typeface="+mj-ea"/>
+            </a:endParaRPr>
+          </a:p>
+        </p:txBody>
+      </p:sp>
+    </p:spTree>
+  </p:cSld>
+  <p:clrMapOvr>
+    <a:masterClrMapping/>
+  </p:clrMapOvr>
+  <p:transition/>
+  <p:timing>
+    <p:tnLst>
+      <p:par>
+        <p:cTn id="1" dur="indefinite" restart="never" nodeType="tmRoot"/>
+      </p:par>
+    </p:tnLst>
+  </p:timing>
+</p:sld>
+</file>
+
+<file path=ppt/slides/slide3.xml><?xml version="1.0" encoding="utf-8"?>
+<p:sld xmlns:a="http://schemas.openxmlformats.org/drawingml/2006/main" xmlns:r="http://schemas.openxmlformats.org/officeDocument/2006/relationships" xmlns:p="http://schemas.openxmlformats.org/presentationml/2006/main">
+  <p:cSld>
+    <p:spTree>
+      <p:nvGrpSpPr>
+        <p:cNvPr id="1" name=""/>
+        <p:cNvGrpSpPr/>
+        <p:nvPr/>
+      </p:nvGrpSpPr>
+      <p:grpSpPr>
+        <a:xfrm>
+          <a:off x="0" y="0"/>
+          <a:ext cx="0" cy="0"/>
+          <a:chOff x="0" y="0"/>
+          <a:chExt cx="0" cy="0"/>
+        </a:xfrm>
+      </p:grpSpPr>
+      <p:sp>
+        <p:nvSpPr>
+          <p:cNvPr id="30722" name="内容占位符 3"/>
+          <p:cNvSpPr>
+            <a:spLocks noGrp="1"/>
+          </p:cNvSpPr>
+          <p:nvPr>
+            <p:ph sz="quarter" idx="10"/>
+          </p:nvPr>
+        </p:nvSpPr>
+        <p:spPr bwMode="auto">
+          <a:xfrm>
+            <a:off x="693526" y="907845"/>
+            <a:ext cx="8788025" cy="4321378"/>
+          </a:xfrm>
+          <a:solidFill>
+            <a:schemeClr val="bg1"/>
+          </a:solidFill>
+        </p:spPr>
+        <p:txBody>
+          <a:bodyPr vert="horz" wrap="square" lIns="91440" tIns="45720" rIns="91440" bIns="45720" numCol="1" anchor="t" anchorCtr="0" compatLnSpc="1"/>
+          <a:lstStyle/>
+          <a:p>
+            <a:pPr marL="360045"/>
+            <a:r>
+              <a:rPr lang="zh-CN" altLang="en-US" dirty="0" smtClean="0"/>
+              <a:t> </a:t>
+            </a:r>
+            <a:r>
+              <a:rPr lang="en-US" altLang="zh-CN" dirty="0" smtClean="0"/>
+              <a:t>APP</a:t>
+            </a:r>
+            <a:r>
+              <a:rPr lang="zh-CN" altLang="en-US" dirty="0" smtClean="0"/>
+              <a:t>开发模式</a:t>
+            </a:r>
+            <a:endParaRPr lang="en-US" altLang="zh-CN" dirty="0" smtClean="0"/>
+          </a:p>
+          <a:p>
+            <a:pPr marL="591820" lvl="1"/>
+            <a:r>
+              <a:rPr lang="en-US" altLang="zh-CN" sz="2400" dirty="0" smtClean="0"/>
+              <a:t> Native App</a:t>
+            </a:r>
+          </a:p>
+          <a:p>
+            <a:pPr marL="593090" lvl="2"/>
+            <a:r>
+              <a:rPr lang="zh-CN" altLang="en-US" dirty="0" smtClean="0"/>
+              <a:t> </a:t>
+            </a:r>
+            <a:r>
+              <a:rPr lang="zh-CN" altLang="en-US" sz="2000" dirty="0" smtClean="0"/>
+              <a:t>基于</a:t>
+            </a:r>
+            <a:r>
+              <a:rPr lang="zh-CN" altLang="en-US" sz="2000" dirty="0"/>
+              <a:t>本地（操作系统）运行的</a:t>
+            </a:r>
+            <a:r>
+              <a:rPr lang="en-US" altLang="zh-CN" sz="2000" dirty="0"/>
+              <a:t>APP</a:t>
+            </a:r>
+            <a:endParaRPr lang="en-US" altLang="zh-CN" sz="2000" dirty="0" smtClean="0"/>
+          </a:p>
+          <a:p>
+            <a:pPr marL="591820" lvl="1"/>
+            <a:r>
+              <a:rPr lang="en-US" altLang="zh-CN" sz="2400" dirty="0" smtClean="0"/>
+              <a:t> Web App</a:t>
+            </a:r>
+          </a:p>
+          <a:p>
+            <a:pPr marL="593090" lvl="2"/>
+            <a:r>
+              <a:rPr lang="zh-CN" altLang="en-US" dirty="0" smtClean="0"/>
+              <a:t> </a:t>
+            </a:r>
+            <a:r>
+              <a:rPr lang="zh-CN" altLang="en-US" sz="2000" dirty="0" smtClean="0"/>
+              <a:t>基于</a:t>
+            </a:r>
+            <a:r>
+              <a:rPr lang="zh-CN" altLang="en-US" sz="2000" dirty="0"/>
+              <a:t>高端机的浏览器运行的</a:t>
+            </a:r>
+            <a:r>
+              <a:rPr lang="en-US" altLang="zh-CN" sz="2000" dirty="0" smtClean="0"/>
+              <a:t>APP</a:t>
+            </a:r>
+          </a:p>
+          <a:p>
+            <a:pPr marL="591820" lvl="1"/>
+            <a:r>
+              <a:rPr lang="en-US" altLang="zh-CN" sz="2400" dirty="0" smtClean="0"/>
+              <a:t> Hybrid App</a:t>
+            </a:r>
+          </a:p>
+          <a:p>
+            <a:pPr marL="593090" lvl="2"/>
+            <a:r>
+              <a:rPr lang="zh-CN" altLang="en-US" dirty="0" smtClean="0"/>
+              <a:t> </a:t>
+            </a:r>
+            <a:r>
+              <a:rPr lang="zh-CN" altLang="en-US" sz="2000" dirty="0" smtClean="0"/>
+              <a:t>基于</a:t>
+            </a:r>
+            <a:r>
+              <a:rPr lang="zh-CN" altLang="en-US" sz="2000" dirty="0"/>
+              <a:t>上两种发展出来的产物</a:t>
+            </a:r>
+            <a:endParaRPr lang="en-US" altLang="zh-CN" sz="2000" dirty="0" smtClean="0"/>
+          </a:p>
+          <a:p>
+            <a:pPr marL="360045"/>
+            <a:endParaRPr lang="en-US" altLang="zh-CN" sz="2400" dirty="0" smtClean="0"/>
+          </a:p>
+          <a:p>
+            <a:pPr marL="360045" lvl="1" indent="0">
+              <a:buFont typeface="Arial" panose="020B0604020202020204" pitchFamily="34" charset="0"/>
+              <a:buNone/>
+              <a:defRPr/>
+            </a:pPr>
+            <a:r>
+              <a:rPr lang="en-US" altLang="zh-CN" sz="2400" dirty="0" smtClean="0"/>
+              <a:t>		</a:t>
+            </a:r>
+            <a:endParaRPr lang="zh-CN" altLang="en-US" dirty="0" smtClean="0">
+              <a:ea typeface="宋体" panose="02010600030101010101" pitchFamily="2" charset="-122"/>
+            </a:endParaRPr>
+          </a:p>
+        </p:txBody>
+      </p:sp>
+      <p:sp>
+        <p:nvSpPr>
+          <p:cNvPr id="25603" name="内容占位符 4"/>
+          <p:cNvSpPr>
+            <a:spLocks noGrp="1"/>
+          </p:cNvSpPr>
+          <p:nvPr>
+            <p:ph sz="quarter" idx="11"/>
+          </p:nvPr>
+        </p:nvSpPr>
+        <p:spPr bwMode="auto">
+          <a:xfrm>
+            <a:off x="909638" y="236538"/>
+            <a:ext cx="7575550" cy="490537"/>
+          </a:xfrm>
+          <a:extLst>
+            <a:ext uri="{909E8E84-426E-40DD-AFC4-6F175D3DCCD1}">
+              <a14:hiddenFill xmlns:a14="http://schemas.microsoft.com/office/drawing/2010/main">
+                <a:solidFill>
+                  <a:srgbClr val="FFFFFF"/>
+                </a:solidFill>
+              </a14:hiddenFill>
+            </a:ext>
+            <a:ext uri="{91240B29-F687-4F45-9708-019B960494DF}">
+              <a14:hiddenLine xmlns:a14="http://schemas.microsoft.com/office/drawing/2010/main" w="9525">
+                <a:solidFill>
+                  <a:srgbClr val="000000"/>
+                </a:solidFill>
+                <a:miter lim="800000"/>
+                <a:headEnd/>
+                <a:tailEnd/>
+              </a14:hiddenLine>
+            </a:ext>
+          </a:extLst>
+        </p:spPr>
+        <p:txBody>
+          <a:bodyPr vert="horz" wrap="square" lIns="91440" tIns="45720" rIns="91440" bIns="45720" numCol="1" anchor="t" anchorCtr="0" compatLnSpc="1"/>
+          <a:lstStyle/>
+          <a:p>
+            <a:pPr>
+              <a:defRPr/>
+            </a:pPr>
+            <a:r>
+              <a:rPr lang="en-US" altLang="zh-CN" dirty="0" smtClean="0">
+                <a:latin typeface="+mn-ea"/>
+                <a:ea typeface="+mn-ea"/>
+              </a:rPr>
+              <a:t>APP</a:t>
+            </a:r>
+            <a:r>
+              <a:rPr lang="zh-CN" altLang="en-US" dirty="0" smtClean="0">
+                <a:latin typeface="+mn-ea"/>
+                <a:ea typeface="+mn-ea"/>
+              </a:rPr>
+              <a:t>开发模式</a:t>
+            </a:r>
+          </a:p>
+        </p:txBody>
+      </p:sp>
+    </p:spTree>
+  </p:cSld>
+  <p:clrMapOvr>
+    <a:masterClrMapping/>
+  </p:clrMapOvr>
+  <p:timing>
+    <p:tnLst>
+      <p:par>
+        <p:cTn id="1" dur="indefinite" restart="never" nodeType="tmRoot"/>
+      </p:par>
+    </p:tnLst>
+  </p:timing>
+</p:sld>
+</file>
+
+<file path=ppt/slides/slide4.xml><?xml version="1.0" encoding="utf-8"?>
+<p:sld xmlns:a="http://schemas.openxmlformats.org/drawingml/2006/main" xmlns:r="http://schemas.openxmlformats.org/officeDocument/2006/relationships" xmlns:p="http://schemas.openxmlformats.org/presentationml/2006/main">
+  <p:cSld>
+    <p:spTree>
+      <p:nvGrpSpPr>
+        <p:cNvPr id="1" name=""/>
+        <p:cNvGrpSpPr/>
+        <p:nvPr/>
+      </p:nvGrpSpPr>
+      <p:grpSpPr>
+        <a:xfrm>
+          <a:off x="0" y="0"/>
+          <a:ext cx="0" cy="0"/>
+          <a:chOff x="0" y="0"/>
+          <a:chExt cx="0" cy="0"/>
+        </a:xfrm>
+      </p:grpSpPr>
+      <p:sp>
+        <p:nvSpPr>
+          <p:cNvPr id="30722" name="内容占位符 3"/>
+          <p:cNvSpPr>
+            <a:spLocks noGrp="1"/>
+          </p:cNvSpPr>
+          <p:nvPr>
+            <p:ph sz="quarter" idx="10"/>
+          </p:nvPr>
+        </p:nvSpPr>
+        <p:spPr bwMode="auto">
+          <a:xfrm>
+            <a:off x="693420" y="908050"/>
+            <a:ext cx="10156825" cy="4998720"/>
+          </a:xfrm>
+          <a:solidFill>
+            <a:schemeClr val="bg1"/>
+          </a:solidFill>
+        </p:spPr>
+        <p:txBody>
+          <a:bodyPr vert="horz" wrap="square" lIns="91440" tIns="45720" rIns="91440" bIns="45720" numCol="1" anchor="t" anchorCtr="0" compatLnSpc="1"/>
+          <a:lstStyle/>
+          <a:p>
+            <a:pPr marL="360045"/>
+            <a:r>
+              <a:rPr lang="zh-CN" altLang="en-US" dirty="0" smtClean="0"/>
+              <a:t> </a:t>
+            </a:r>
+            <a:r>
+              <a:rPr lang="en-US" altLang="zh-CN" dirty="0"/>
+              <a:t>Native App</a:t>
+            </a:r>
+            <a:endParaRPr lang="en-US" altLang="zh-CN" sz="2400" dirty="0" smtClean="0"/>
+          </a:p>
+          <a:p>
+            <a:pPr marL="591820" lvl="1" latinLnBrk="0">
+              <a:spcAft>
+                <a:spcPts val="0"/>
+              </a:spcAft>
+            </a:pPr>
+            <a:r>
+              <a:rPr lang="zh-CN" altLang="en-US" sz="2400" dirty="0" smtClean="0"/>
+              <a:t> 优点：</a:t>
+            </a:r>
+            <a:r>
+              <a:rPr lang="zh-CN" altLang="en-US" sz="2400" dirty="0"/>
+              <a:t>速度快，性能高，用户体验效果好</a:t>
+            </a:r>
+            <a:endParaRPr lang="en-US" altLang="zh-CN" sz="2400" dirty="0" smtClean="0"/>
+          </a:p>
+          <a:p>
+            <a:pPr marL="591820" lvl="1" latinLnBrk="0">
+              <a:spcAft>
+                <a:spcPts val="0"/>
+              </a:spcAft>
+            </a:pPr>
+            <a:r>
+              <a:rPr lang="zh-CN" altLang="en-US" sz="2400" dirty="0" smtClean="0"/>
+              <a:t> 缺点：无法跨平台，开发</a:t>
+            </a:r>
+            <a:r>
+              <a:rPr lang="zh-CN" altLang="en-US" sz="2400" dirty="0"/>
+              <a:t>成本高，更新</a:t>
+            </a:r>
+            <a:r>
+              <a:rPr lang="zh-CN" altLang="en-US" sz="2400" dirty="0" smtClean="0"/>
+              <a:t>麻烦</a:t>
+            </a:r>
+            <a:endParaRPr lang="en-US" altLang="zh-CN" sz="3200" dirty="0">
+              <a:solidFill>
+                <a:srgbClr val="FF0000"/>
+              </a:solidFill>
+            </a:endParaRPr>
+          </a:p>
+          <a:p>
+            <a:pPr marL="360045"/>
+            <a:r>
+              <a:rPr lang="en-US" altLang="zh-CN" dirty="0"/>
+              <a:t> </a:t>
+            </a:r>
+            <a:r>
+              <a:rPr lang="en-US" altLang="zh-CN" dirty="0" smtClean="0"/>
+              <a:t>Web App</a:t>
+            </a:r>
+          </a:p>
+          <a:p>
+            <a:pPr marL="591820" lvl="1" latinLnBrk="0">
+              <a:spcAft>
+                <a:spcPts val="0"/>
+              </a:spcAft>
+            </a:pPr>
+            <a:r>
+              <a:rPr lang="zh-CN" altLang="en-US" sz="2400" dirty="0" smtClean="0"/>
+              <a:t> 优点：跨平台，开发周期短，开发成本低，更新较简单，维护较</a:t>
+            </a:r>
+            <a:r>
+              <a:rPr lang="zh-CN" altLang="en-US" sz="2400" dirty="0"/>
+              <a:t>轻松</a:t>
+            </a:r>
+            <a:endParaRPr lang="en-US" altLang="zh-CN" sz="2400" dirty="0" smtClean="0"/>
+          </a:p>
+          <a:p>
+            <a:pPr marL="591820" lvl="1" latinLnBrk="0">
+              <a:spcAft>
+                <a:spcPts val="0"/>
+              </a:spcAft>
+            </a:pPr>
+            <a:r>
+              <a:rPr lang="zh-CN" altLang="en-US" sz="2400" dirty="0" smtClean="0"/>
+              <a:t> 缺点：用户体验不佳 </a:t>
+            </a:r>
+            <a:endParaRPr lang="en-US" altLang="zh-CN" sz="2400" dirty="0"/>
+          </a:p>
+          <a:p>
+            <a:pPr marL="360045"/>
+            <a:r>
+              <a:rPr lang="en-US" altLang="zh-CN" dirty="0" smtClean="0"/>
+              <a:t> Hybrid App</a:t>
+            </a:r>
+          </a:p>
+          <a:p>
+            <a:pPr marL="591820" lvl="1"/>
+            <a:r>
+              <a:rPr lang="zh-CN" altLang="en-US" sz="2400" dirty="0" smtClean="0"/>
+              <a:t> 结合</a:t>
+            </a:r>
+            <a:r>
+              <a:rPr lang="zh-CN" altLang="en-US" sz="2400" dirty="0"/>
+              <a:t>原生用户体验效果好</a:t>
+            </a:r>
+            <a:r>
+              <a:rPr lang="zh-CN" altLang="en-US" sz="2400" dirty="0" smtClean="0"/>
+              <a:t>和</a:t>
+            </a:r>
+            <a:r>
+              <a:rPr lang="en-US" altLang="zh-CN" sz="2400" dirty="0" smtClean="0"/>
+              <a:t>Web App</a:t>
+            </a:r>
+            <a:r>
+              <a:rPr lang="zh-CN" altLang="en-US" sz="2400" dirty="0" smtClean="0"/>
+              <a:t>的</a:t>
+            </a:r>
+            <a:r>
+              <a:rPr lang="zh-CN" altLang="en-US" sz="2400" dirty="0"/>
+              <a:t>跨</a:t>
+            </a:r>
+            <a:r>
+              <a:rPr lang="zh-CN" altLang="en-US" sz="2400" dirty="0" smtClean="0"/>
+              <a:t>平台开发的</a:t>
+            </a:r>
+            <a:r>
+              <a:rPr lang="zh-CN" altLang="en-US" sz="2400" dirty="0"/>
+              <a:t>优势</a:t>
+            </a:r>
+            <a:endParaRPr lang="en-US" altLang="zh-CN" sz="2400" dirty="0"/>
+          </a:p>
+        </p:txBody>
+      </p:sp>
+      <p:sp>
+        <p:nvSpPr>
+          <p:cNvPr id="25603" name="内容占位符 4"/>
+          <p:cNvSpPr>
+            <a:spLocks noGrp="1"/>
+          </p:cNvSpPr>
+          <p:nvPr>
+            <p:ph sz="quarter" idx="11"/>
+          </p:nvPr>
+        </p:nvSpPr>
+        <p:spPr bwMode="auto">
+          <a:xfrm>
+            <a:off x="909638" y="236538"/>
+            <a:ext cx="7575550" cy="490537"/>
+          </a:xfrm>
+          <a:extLst>
+            <a:ext uri="{909E8E84-426E-40DD-AFC4-6F175D3DCCD1}">
+              <a14:hiddenFill xmlns:a14="http://schemas.microsoft.com/office/drawing/2010/main">
+                <a:solidFill>
+                  <a:srgbClr val="FFFFFF"/>
+                </a:solidFill>
+              </a14:hiddenFill>
+            </a:ext>
+            <a:ext uri="{91240B29-F687-4F45-9708-019B960494DF}">
+              <a14:hiddenLine xmlns:a14="http://schemas.microsoft.com/office/drawing/2010/main" w="9525">
+                <a:solidFill>
+                  <a:srgbClr val="000000"/>
+                </a:solidFill>
+                <a:miter lim="800000"/>
+                <a:headEnd/>
+                <a:tailEnd/>
+              </a14:hiddenLine>
+            </a:ext>
+          </a:extLst>
+        </p:spPr>
+        <p:txBody>
+          <a:bodyPr vert="horz" wrap="square" lIns="91440" tIns="45720" rIns="91440" bIns="45720" numCol="1" anchor="t" anchorCtr="0" compatLnSpc="1"/>
+          <a:lstStyle/>
+          <a:p>
+            <a:pPr>
+              <a:defRPr/>
+            </a:pPr>
+            <a:r>
+              <a:rPr lang="en-US" altLang="zh-CN" dirty="0" smtClean="0">
+                <a:latin typeface="+mn-ea"/>
+                <a:ea typeface="+mn-ea"/>
+              </a:rPr>
+              <a:t>APP</a:t>
+            </a:r>
+            <a:r>
+              <a:rPr lang="zh-CN" altLang="en-US" dirty="0" smtClean="0">
+                <a:latin typeface="+mn-ea"/>
+                <a:ea typeface="+mn-ea"/>
+              </a:rPr>
+              <a:t>开发模式</a:t>
+            </a:r>
+          </a:p>
+        </p:txBody>
+      </p:sp>
+    </p:spTree>
+  </p:cSld>
+  <p:clrMapOvr>
+    <a:masterClrMapping/>
+  </p:clrMapOvr>
+  <p:timing>
+    <p:tnLst>
+      <p:par>
+        <p:cTn id="1" dur="indefinite" restart="never" nodeType="tmRoot"/>
+      </p:par>
+    </p:tnLst>
+  </p:timing>
+</p:sld>
+</file>
+
+<file path=ppt/slides/slide5.xml><?xml version="1.0" encoding="utf-8"?>
+<p:sld xmlns:a="http://schemas.openxmlformats.org/drawingml/2006/main" xmlns:r="http://schemas.openxmlformats.org/officeDocument/2006/relationships" xmlns:p="http://schemas.openxmlformats.org/presentationml/2006/main">
+  <p:cSld>
+    <p:spTree>
+      <p:nvGrpSpPr>
+        <p:cNvPr id="1" name=""/>
+        <p:cNvGrpSpPr/>
+        <p:nvPr/>
+      </p:nvGrpSpPr>
+      <p:grpSpPr>
+        <a:xfrm>
+          <a:off x="0" y="0"/>
+          <a:ext cx="0" cy="0"/>
+          <a:chOff x="0" y="0"/>
+          <a:chExt cx="0" cy="0"/>
+        </a:xfrm>
+      </p:grpSpPr>
+      <p:sp>
+        <p:nvSpPr>
+          <p:cNvPr id="30722" name="内容占位符 3"/>
+          <p:cNvSpPr>
+            <a:spLocks noGrp="1"/>
+          </p:cNvSpPr>
+          <p:nvPr>
+            <p:ph sz="quarter" idx="10"/>
+          </p:nvPr>
+        </p:nvSpPr>
+        <p:spPr bwMode="auto">
+          <a:xfrm>
+            <a:off x="693526" y="907845"/>
+            <a:ext cx="10157038" cy="4681543"/>
+          </a:xfrm>
+          <a:solidFill>
+            <a:schemeClr val="bg1"/>
+          </a:solidFill>
+        </p:spPr>
+        <p:txBody>
+          <a:bodyPr vert="horz" wrap="square" lIns="91440" tIns="45720" rIns="91440" bIns="45720" numCol="1" anchor="t" anchorCtr="0" compatLnSpc="1"/>
+          <a:lstStyle/>
+          <a:p>
+            <a:pPr marL="360045"/>
+            <a:r>
+              <a:rPr lang="zh-CN" altLang="en-US" dirty="0" smtClean="0"/>
+              <a:t> 混合应用</a:t>
+            </a:r>
+            <a:endParaRPr lang="en-US" altLang="zh-CN" sz="2400" dirty="0" smtClean="0"/>
+          </a:p>
+          <a:p>
+            <a:pPr marL="591820" lvl="1"/>
+            <a:r>
+              <a:rPr lang="zh-CN" altLang="en-US" sz="2400" dirty="0" smtClean="0"/>
+              <a:t> 通常</a:t>
+            </a:r>
+            <a:r>
+              <a:rPr lang="zh-CN" altLang="en-US" sz="2400" dirty="0"/>
+              <a:t>是基于第三方跨平台</a:t>
+            </a:r>
+            <a:r>
+              <a:rPr lang="zh-CN" altLang="en-US" sz="2400" dirty="0" smtClean="0"/>
+              <a:t>移动</a:t>
+            </a:r>
+            <a:r>
+              <a:rPr lang="zh-CN" altLang="en-US" dirty="0"/>
+              <a:t>开发</a:t>
+            </a:r>
+            <a:r>
+              <a:rPr lang="zh-CN" altLang="en-US" sz="2400" dirty="0" smtClean="0"/>
+              <a:t>框架</a:t>
+            </a:r>
+            <a:r>
+              <a:rPr lang="zh-CN" altLang="en-US" sz="2400" dirty="0"/>
+              <a:t>进行开发</a:t>
+            </a:r>
+            <a:endParaRPr lang="en-US" altLang="zh-CN" sz="2400" dirty="0"/>
+          </a:p>
+          <a:p>
+            <a:pPr marL="591820" lvl="1"/>
+            <a:r>
+              <a:rPr lang="zh-CN" altLang="en-US" sz="2400" dirty="0" smtClean="0"/>
+              <a:t> 继承</a:t>
+            </a:r>
+            <a:r>
+              <a:rPr lang="zh-CN" altLang="en-US" sz="2400" dirty="0"/>
+              <a:t>了</a:t>
+            </a:r>
+            <a:r>
+              <a:rPr lang="en-US" altLang="zh-CN" sz="2400" dirty="0"/>
+              <a:t>Web App</a:t>
+            </a:r>
+            <a:r>
+              <a:rPr lang="zh-CN" altLang="en-US" sz="2400" dirty="0"/>
+              <a:t>实时更新、开发成本低等</a:t>
+            </a:r>
+            <a:r>
+              <a:rPr lang="zh-CN" altLang="en-US" sz="2400" dirty="0" smtClean="0"/>
+              <a:t>优点</a:t>
+            </a:r>
+            <a:endParaRPr lang="en-US" altLang="zh-CN" sz="2400" dirty="0"/>
+          </a:p>
+          <a:p>
+            <a:pPr marL="591820" lvl="1"/>
+            <a:r>
+              <a:rPr lang="zh-CN" altLang="en-US" sz="2400" dirty="0" smtClean="0"/>
+              <a:t> 通过</a:t>
+            </a:r>
+            <a:r>
+              <a:rPr lang="zh-CN" altLang="en-US" sz="2400" dirty="0"/>
+              <a:t>应用商店区分移动操作系统分发，用户需安装使用的移动应用</a:t>
+            </a:r>
+            <a:endParaRPr lang="en-US" altLang="zh-CN" sz="2400" dirty="0"/>
+          </a:p>
+          <a:p>
+            <a:pPr marL="591820" lvl="1"/>
+            <a:r>
+              <a:rPr lang="zh-CN" altLang="en-US" sz="2400" dirty="0" smtClean="0"/>
+              <a:t> 使用</a:t>
+            </a:r>
+            <a:r>
+              <a:rPr lang="zh-CN" altLang="en-US" sz="2400" dirty="0"/>
+              <a:t>方式和</a:t>
+            </a:r>
+            <a:r>
+              <a:rPr lang="en-US" altLang="zh-CN" sz="2400" dirty="0"/>
+              <a:t>Native App</a:t>
+            </a:r>
+            <a:r>
+              <a:rPr lang="zh-CN" altLang="en-US" sz="2400" dirty="0" smtClean="0"/>
+              <a:t>一致</a:t>
+            </a:r>
+            <a:endParaRPr lang="en-US" altLang="zh-CN" sz="2400" dirty="0" smtClean="0"/>
+          </a:p>
+          <a:p>
+            <a:pPr marL="361315" lvl="1" indent="0">
+              <a:buNone/>
+            </a:pPr>
+            <a:endParaRPr lang="en-US" altLang="zh-CN" sz="2400" dirty="0"/>
+          </a:p>
+        </p:txBody>
+      </p:sp>
+      <p:sp>
+        <p:nvSpPr>
+          <p:cNvPr id="25603" name="内容占位符 4"/>
+          <p:cNvSpPr>
+            <a:spLocks noGrp="1"/>
+          </p:cNvSpPr>
+          <p:nvPr>
+            <p:ph sz="quarter" idx="11"/>
+          </p:nvPr>
+        </p:nvSpPr>
+        <p:spPr bwMode="auto">
+          <a:xfrm>
+            <a:off x="909638" y="236538"/>
+            <a:ext cx="7575550" cy="490537"/>
+          </a:xfrm>
+          <a:extLst>
+            <a:ext uri="{909E8E84-426E-40DD-AFC4-6F175D3DCCD1}">
+              <a14:hiddenFill xmlns:a14="http://schemas.microsoft.com/office/drawing/2010/main">
+                <a:solidFill>
+                  <a:srgbClr val="FFFFFF"/>
+                </a:solidFill>
+              </a14:hiddenFill>
+            </a:ext>
+            <a:ext uri="{91240B29-F687-4F45-9708-019B960494DF}">
+              <a14:hiddenLine xmlns:a14="http://schemas.microsoft.com/office/drawing/2010/main" w="9525">
+                <a:solidFill>
+                  <a:srgbClr val="000000"/>
+                </a:solidFill>
+                <a:miter lim="800000"/>
+                <a:headEnd/>
+                <a:tailEnd/>
+              </a14:hiddenLine>
+            </a:ext>
+          </a:extLst>
+        </p:spPr>
+        <p:txBody>
+          <a:bodyPr vert="horz" wrap="square" lIns="91440" tIns="45720" rIns="91440" bIns="45720" numCol="1" anchor="t" anchorCtr="0" compatLnSpc="1"/>
+          <a:lstStyle/>
+          <a:p>
+            <a:pPr>
+              <a:defRPr/>
+            </a:pPr>
+            <a:r>
+              <a:rPr lang="zh-CN" altLang="en-US" dirty="0" smtClean="0">
+                <a:latin typeface="+mn-ea"/>
+                <a:ea typeface="+mn-ea"/>
+              </a:rPr>
+              <a:t>混合应用概述</a:t>
+            </a:r>
+          </a:p>
+        </p:txBody>
+      </p:sp>
+    </p:spTree>
+  </p:cSld>
+  <p:clrMapOvr>
+    <a:masterClrMapping/>
+  </p:clrMapOvr>
+  <p:timing>
+    <p:tnLst>
+      <p:par>
+        <p:cTn id="1" dur="indefinite" restart="never" nodeType="tmRoot"/>
+      </p:par>
+    </p:tnLst>
+  </p:timing>
+</p:sld>
+</file>
+
+<file path=ppt/slides/slide6.xml><?xml version="1.0" encoding="utf-8"?>
+<p:sld xmlns:a="http://schemas.openxmlformats.org/drawingml/2006/main" xmlns:r="http://schemas.openxmlformats.org/officeDocument/2006/relationships" xmlns:p="http://schemas.openxmlformats.org/presentationml/2006/main">
+  <p:cSld>
+    <p:spTree>
+      <p:nvGrpSpPr>
+        <p:cNvPr id="1" name=""/>
+        <p:cNvGrpSpPr/>
+        <p:nvPr/>
+      </p:nvGrpSpPr>
+      <p:grpSpPr>
+        <a:xfrm>
+          <a:off x="0" y="0"/>
+          <a:ext cx="0" cy="0"/>
+          <a:chOff x="0" y="0"/>
+          <a:chExt cx="0" cy="0"/>
+        </a:xfrm>
+      </p:grpSpPr>
+      <p:sp>
+        <p:nvSpPr>
+          <p:cNvPr id="21506" name="矩形 2"/>
+          <p:cNvSpPr>
+            <a:spLocks noChangeArrowheads="1"/>
+          </p:cNvSpPr>
+          <p:nvPr/>
+        </p:nvSpPr>
+        <p:spPr bwMode="auto">
+          <a:xfrm>
+            <a:off x="1053690" y="258763"/>
+            <a:ext cx="3186523" cy="585787"/>
+          </a:xfrm>
+          <a:prstGeom prst="rect">
+            <a:avLst/>
+          </a:prstGeom>
+          <a:noFill/>
+          <a:ln>
+            <a:noFill/>
+          </a:ln>
+          <a:extLst>
+            <a:ext uri="{909E8E84-426E-40DD-AFC4-6F175D3DCCD1}">
+              <a14:hiddenFill xmlns:a14="http://schemas.microsoft.com/office/drawing/2010/main">
+                <a:solidFill>
+                  <a:srgbClr val="FFFFFF"/>
+                </a:solidFill>
+              </a14:hiddenFill>
+            </a:ext>
+            <a:ext uri="{91240B29-F687-4F45-9708-019B960494DF}">
+              <a14:hiddenLine xmlns:a14="http://schemas.microsoft.com/office/drawing/2010/main" w="9525">
+                <a:solidFill>
+                  <a:srgbClr val="000000"/>
+                </a:solidFill>
+                <a:miter lim="800000"/>
+                <a:headEnd/>
+                <a:tailEnd/>
+              </a14:hiddenLine>
+            </a:ext>
+          </a:extLst>
+        </p:spPr>
+        <p:txBody>
+          <a:bodyPr wrap="square">
+            <a:spAutoFit/>
+          </a:bodyPr>
+          <a:lstStyle>
+            <a:lvl1pPr>
+              <a:defRPr sz="3200">
+                <a:solidFill>
+                  <a:schemeClr val="tx1"/>
+                </a:solidFill>
+                <a:latin typeface="Arial" panose="020B0604020202020204" pitchFamily="34" charset="0"/>
+                <a:ea typeface="微软雅黑" panose="020B0503020204020204" pitchFamily="34" charset="-122"/>
+              </a:defRPr>
+            </a:lvl1pPr>
+            <a:lvl2pPr marL="742950" indent="-285750">
+              <a:defRPr sz="3200">
+                <a:solidFill>
+                  <a:schemeClr val="tx1"/>
+                </a:solidFill>
+                <a:latin typeface="Arial" panose="020B0604020202020204" pitchFamily="34" charset="0"/>
+                <a:ea typeface="微软雅黑" panose="020B0503020204020204" pitchFamily="34" charset="-122"/>
+              </a:defRPr>
+            </a:lvl2pPr>
+            <a:lvl3pPr marL="1143000" indent="-228600">
+              <a:defRPr sz="3200">
+                <a:solidFill>
+                  <a:schemeClr val="tx1"/>
+                </a:solidFill>
+                <a:latin typeface="Arial" panose="020B0604020202020204" pitchFamily="34" charset="0"/>
+                <a:ea typeface="微软雅黑" panose="020B0503020204020204" pitchFamily="34" charset="-122"/>
+              </a:defRPr>
+            </a:lvl3pPr>
+            <a:lvl4pPr marL="1600200" indent="-228600">
+              <a:defRPr sz="3200">
+                <a:solidFill>
+                  <a:schemeClr val="tx1"/>
+                </a:solidFill>
+                <a:latin typeface="Arial" panose="020B0604020202020204" pitchFamily="34" charset="0"/>
+                <a:ea typeface="微软雅黑" panose="020B0503020204020204" pitchFamily="34" charset="-122"/>
+              </a:defRPr>
+            </a:lvl4pPr>
+            <a:lvl5pPr marL="2057400" indent="-228600">
+              <a:defRPr sz="3200">
+                <a:solidFill>
+                  <a:schemeClr val="tx1"/>
+                </a:solidFill>
+                <a:latin typeface="Arial" panose="020B0604020202020204" pitchFamily="34" charset="0"/>
+                <a:ea typeface="微软雅黑" panose="020B0503020204020204" pitchFamily="34" charset="-122"/>
+              </a:defRPr>
+            </a:lvl5pPr>
+            <a:lvl6pPr marL="2514600" indent="-228600" eaLnBrk="0" fontAlgn="base" hangingPunct="0">
+              <a:spcBef>
+                <a:spcPct val="0"/>
+              </a:spcBef>
+              <a:spcAft>
+                <a:spcPct val="0"/>
+              </a:spcAft>
+              <a:defRPr sz="3200">
+                <a:solidFill>
+                  <a:schemeClr val="tx1"/>
+                </a:solidFill>
+                <a:latin typeface="Arial" panose="020B0604020202020204" pitchFamily="34" charset="0"/>
+                <a:ea typeface="微软雅黑" panose="020B0503020204020204" pitchFamily="34" charset="-122"/>
+              </a:defRPr>
+            </a:lvl6pPr>
+            <a:lvl7pPr marL="2971800" indent="-228600" eaLnBrk="0" fontAlgn="base" hangingPunct="0">
+              <a:spcBef>
+                <a:spcPct val="0"/>
+              </a:spcBef>
+              <a:spcAft>
+                <a:spcPct val="0"/>
+              </a:spcAft>
+              <a:defRPr sz="3200">
+                <a:solidFill>
+                  <a:schemeClr val="tx1"/>
+                </a:solidFill>
+                <a:latin typeface="Arial" panose="020B0604020202020204" pitchFamily="34" charset="0"/>
+                <a:ea typeface="微软雅黑" panose="020B0503020204020204" pitchFamily="34" charset="-122"/>
+              </a:defRPr>
+            </a:lvl7pPr>
+            <a:lvl8pPr marL="3429000" indent="-228600" eaLnBrk="0" fontAlgn="base" hangingPunct="0">
+              <a:spcBef>
+                <a:spcPct val="0"/>
+              </a:spcBef>
+              <a:spcAft>
+                <a:spcPct val="0"/>
+              </a:spcAft>
+              <a:defRPr sz="3200">
+                <a:solidFill>
+                  <a:schemeClr val="tx1"/>
+                </a:solidFill>
+                <a:latin typeface="Arial" panose="020B0604020202020204" pitchFamily="34" charset="0"/>
+                <a:ea typeface="微软雅黑" panose="020B0503020204020204" pitchFamily="34" charset="-122"/>
+              </a:defRPr>
+            </a:lvl8pPr>
+            <a:lvl9pPr marL="3886200" indent="-228600" eaLnBrk="0" fontAlgn="base" hangingPunct="0">
+              <a:spcBef>
+                <a:spcPct val="0"/>
+              </a:spcBef>
+              <a:spcAft>
+                <a:spcPct val="0"/>
+              </a:spcAft>
+              <a:defRPr sz="3200">
+                <a:solidFill>
+                  <a:schemeClr val="tx1"/>
+                </a:solidFill>
+                <a:latin typeface="Arial" panose="020B0604020202020204" pitchFamily="34" charset="0"/>
+                <a:ea typeface="微软雅黑" panose="020B0503020204020204" pitchFamily="34" charset="-122"/>
+              </a:defRPr>
+            </a:lvl9pPr>
+          </a:lstStyle>
+          <a:p>
+            <a:r>
+              <a:rPr lang="zh-CN" altLang="en-US" dirty="0" smtClean="0">
+                <a:solidFill>
+                  <a:srgbClr val="C00000"/>
+                </a:solidFill>
+                <a:latin typeface="+mj-ea"/>
+                <a:ea typeface="+mj-ea"/>
+              </a:rPr>
+              <a:t>内容提纲</a:t>
+            </a:r>
+            <a:endParaRPr lang="zh-CN" altLang="en-US" dirty="0">
+              <a:solidFill>
+                <a:srgbClr val="C00000"/>
+              </a:solidFill>
+              <a:latin typeface="+mj-ea"/>
+              <a:ea typeface="+mj-ea"/>
+            </a:endParaRPr>
+          </a:p>
+        </p:txBody>
+      </p:sp>
+      <p:sp>
+        <p:nvSpPr>
+          <p:cNvPr id="21507" name="AutoShape 6"/>
+          <p:cNvSpPr>
+            <a:spLocks noChangeArrowheads="1"/>
+          </p:cNvSpPr>
+          <p:nvPr/>
+        </p:nvSpPr>
+        <p:spPr bwMode="auto">
+          <a:xfrm>
+            <a:off x="2309813" y="1428750"/>
+            <a:ext cx="6532562" cy="3943350"/>
+          </a:xfrm>
+          <a:prstGeom prst="roundRect">
+            <a:avLst>
+              <a:gd name="adj" fmla="val 16667"/>
+            </a:avLst>
+          </a:prstGeom>
+          <a:noFill/>
+          <a:ln w="28575">
+            <a:solidFill>
+              <a:srgbClr val="C0C0C0"/>
+            </a:solidFill>
+            <a:prstDash val="sysDot"/>
+            <a:round/>
+          </a:ln>
+          <a:extLst>
+            <a:ext uri="{909E8E84-426E-40DD-AFC4-6F175D3DCCD1}">
+              <a14:hiddenFill xmlns:a14="http://schemas.microsoft.com/office/drawing/2010/main">
+                <a:solidFill>
+                  <a:srgbClr val="FFFFFF"/>
+                </a:solidFill>
+              </a14:hiddenFill>
+            </a:ext>
+          </a:extLst>
+        </p:spPr>
+        <p:txBody>
+          <a:bodyPr wrap="none" anchor="ctr"/>
+          <a:lstStyle>
+            <a:lvl1pPr marL="457200" indent="-457200">
+              <a:defRPr sz="3200">
+                <a:solidFill>
+                  <a:schemeClr val="tx1"/>
+                </a:solidFill>
+                <a:latin typeface="Arial" panose="020B0604020202020204" pitchFamily="34" charset="0"/>
+                <a:ea typeface="微软雅黑" panose="020B0503020204020204" pitchFamily="34" charset="-122"/>
+              </a:defRPr>
+            </a:lvl1pPr>
+            <a:lvl2pPr marL="742950" indent="-285750">
+              <a:defRPr sz="3200">
+                <a:solidFill>
+                  <a:schemeClr val="tx1"/>
+                </a:solidFill>
+                <a:latin typeface="Arial" panose="020B0604020202020204" pitchFamily="34" charset="0"/>
+                <a:ea typeface="微软雅黑" panose="020B0503020204020204" pitchFamily="34" charset="-122"/>
+              </a:defRPr>
+            </a:lvl2pPr>
+            <a:lvl3pPr marL="1143000" indent="-228600">
+              <a:defRPr sz="3200">
+                <a:solidFill>
+                  <a:schemeClr val="tx1"/>
+                </a:solidFill>
+                <a:latin typeface="Arial" panose="020B0604020202020204" pitchFamily="34" charset="0"/>
+                <a:ea typeface="微软雅黑" panose="020B0503020204020204" pitchFamily="34" charset="-122"/>
+              </a:defRPr>
+            </a:lvl3pPr>
+            <a:lvl4pPr marL="1600200" indent="-228600">
+              <a:defRPr sz="3200">
+                <a:solidFill>
+                  <a:schemeClr val="tx1"/>
+                </a:solidFill>
+                <a:latin typeface="Arial" panose="020B0604020202020204" pitchFamily="34" charset="0"/>
+                <a:ea typeface="微软雅黑" panose="020B0503020204020204" pitchFamily="34" charset="-122"/>
+              </a:defRPr>
+            </a:lvl4pPr>
+            <a:lvl5pPr marL="2057400" indent="-228600">
+              <a:defRPr sz="3200">
+                <a:solidFill>
+                  <a:schemeClr val="tx1"/>
+                </a:solidFill>
+                <a:latin typeface="Arial" panose="020B0604020202020204" pitchFamily="34" charset="0"/>
+                <a:ea typeface="微软雅黑" panose="020B0503020204020204" pitchFamily="34" charset="-122"/>
+              </a:defRPr>
+            </a:lvl5pPr>
+            <a:lvl6pPr marL="2514600" indent="-228600" eaLnBrk="0" fontAlgn="base" hangingPunct="0">
+              <a:spcBef>
+                <a:spcPct val="0"/>
+              </a:spcBef>
+              <a:spcAft>
+                <a:spcPct val="0"/>
+              </a:spcAft>
+              <a:defRPr sz="3200">
+                <a:solidFill>
+                  <a:schemeClr val="tx1"/>
+                </a:solidFill>
+                <a:latin typeface="Arial" panose="020B0604020202020204" pitchFamily="34" charset="0"/>
+                <a:ea typeface="微软雅黑" panose="020B0503020204020204" pitchFamily="34" charset="-122"/>
+              </a:defRPr>
+            </a:lvl6pPr>
+            <a:lvl7pPr marL="2971800" indent="-228600" eaLnBrk="0" fontAlgn="base" hangingPunct="0">
+              <a:spcBef>
+                <a:spcPct val="0"/>
+              </a:spcBef>
+              <a:spcAft>
+                <a:spcPct val="0"/>
+              </a:spcAft>
+              <a:defRPr sz="3200">
+                <a:solidFill>
+                  <a:schemeClr val="tx1"/>
+                </a:solidFill>
+                <a:latin typeface="Arial" panose="020B0604020202020204" pitchFamily="34" charset="0"/>
+                <a:ea typeface="微软雅黑" panose="020B0503020204020204" pitchFamily="34" charset="-122"/>
+              </a:defRPr>
+            </a:lvl7pPr>
+            <a:lvl8pPr marL="3429000" indent="-228600" eaLnBrk="0" fontAlgn="base" hangingPunct="0">
+              <a:spcBef>
+                <a:spcPct val="0"/>
+              </a:spcBef>
+              <a:spcAft>
+                <a:spcPct val="0"/>
+              </a:spcAft>
+              <a:defRPr sz="3200">
+                <a:solidFill>
+                  <a:schemeClr val="tx1"/>
+                </a:solidFill>
+                <a:latin typeface="Arial" panose="020B0604020202020204" pitchFamily="34" charset="0"/>
+                <a:ea typeface="微软雅黑" panose="020B0503020204020204" pitchFamily="34" charset="-122"/>
+              </a:defRPr>
+            </a:lvl8pPr>
+            <a:lvl9pPr marL="3886200" indent="-228600" eaLnBrk="0" fontAlgn="base" hangingPunct="0">
+              <a:spcBef>
+                <a:spcPct val="0"/>
+              </a:spcBef>
+              <a:spcAft>
+                <a:spcPct val="0"/>
+              </a:spcAft>
+              <a:defRPr sz="3200">
+                <a:solidFill>
+                  <a:schemeClr val="tx1"/>
+                </a:solidFill>
+                <a:latin typeface="Arial" panose="020B0604020202020204" pitchFamily="34" charset="0"/>
+                <a:ea typeface="微软雅黑" panose="020B0503020204020204" pitchFamily="34" charset="-122"/>
+              </a:defRPr>
+            </a:lvl9pPr>
+          </a:lstStyle>
+          <a:p>
+            <a:pPr>
+              <a:lnSpc>
+                <a:spcPct val="200000"/>
+              </a:lnSpc>
+              <a:buClr>
+                <a:srgbClr val="92D050"/>
+              </a:buClr>
+              <a:buFont typeface="Wingdings" panose="05000000000000000000" pitchFamily="2" charset="2"/>
+              <a:buChar char="Ø"/>
+            </a:pPr>
+            <a:r>
+              <a:rPr lang="en-US" altLang="zh-CN" sz="2800" b="1" dirty="0">
+                <a:latin typeface="+mj-ea"/>
+                <a:ea typeface="+mj-ea"/>
+              </a:rPr>
+              <a:t>APP</a:t>
+            </a:r>
+            <a:r>
+              <a:rPr lang="zh-CN" altLang="en-US" sz="2800" b="1" dirty="0">
+                <a:latin typeface="+mj-ea"/>
+                <a:ea typeface="+mj-ea"/>
+              </a:rPr>
+              <a:t>开发模式</a:t>
+            </a:r>
+            <a:endParaRPr lang="en-US" altLang="zh-CN" sz="2800" b="1" dirty="0">
+              <a:latin typeface="+mj-ea"/>
+              <a:ea typeface="+mj-ea"/>
+            </a:endParaRPr>
+          </a:p>
+          <a:p>
+            <a:pPr>
+              <a:lnSpc>
+                <a:spcPct val="200000"/>
+              </a:lnSpc>
+              <a:buClr>
+                <a:srgbClr val="92D050"/>
+              </a:buClr>
+              <a:buFont typeface="Wingdings" panose="05000000000000000000" pitchFamily="2" charset="2"/>
+              <a:buChar char="Ø"/>
+            </a:pPr>
+            <a:r>
+              <a:rPr lang="zh-CN" altLang="en-US" sz="2800" b="1" smtClean="0">
+                <a:solidFill>
+                  <a:srgbClr val="C00000"/>
+                </a:solidFill>
+                <a:latin typeface="+mj-ea"/>
+                <a:ea typeface="+mj-ea"/>
+              </a:rPr>
+              <a:t>混合</a:t>
+            </a:r>
+            <a:r>
+              <a:rPr lang="zh-CN" altLang="en-US" sz="2800" b="1" dirty="0">
+                <a:solidFill>
+                  <a:srgbClr val="C00000"/>
+                </a:solidFill>
+                <a:latin typeface="+mj-ea"/>
+                <a:ea typeface="+mj-ea"/>
+              </a:rPr>
+              <a:t>应用开发框架介绍</a:t>
+            </a:r>
+            <a:endParaRPr lang="en-US" altLang="zh-CN" sz="2800" b="1" dirty="0">
+              <a:solidFill>
+                <a:srgbClr val="C00000"/>
+              </a:solidFill>
+              <a:latin typeface="+mj-ea"/>
+              <a:ea typeface="+mj-ea"/>
+            </a:endParaRPr>
+          </a:p>
+        </p:txBody>
+      </p:sp>
+    </p:spTree>
+  </p:cSld>
+  <p:clrMapOvr>
+    <a:masterClrMapping/>
+  </p:clrMapOvr>
+  <p:transition/>
+  <p:timing>
+    <p:tnLst>
+      <p:par>
+        <p:cTn id="1" dur="indefinite" restart="never" nodeType="tmRoot"/>
+      </p:par>
+    </p:tnLst>
+  </p:timing>
+</p:sld>
+</file>
+
+<file path=ppt/slides/slide7.xml><?xml version="1.0" encoding="utf-8"?>
+<p:sld xmlns:a="http://schemas.openxmlformats.org/drawingml/2006/main" xmlns:r="http://schemas.openxmlformats.org/officeDocument/2006/relationships" xmlns:p="http://schemas.openxmlformats.org/presentationml/2006/main">
+  <p:cSld>
+    <p:spTree>
+      <p:nvGrpSpPr>
+        <p:cNvPr id="1" name=""/>
+        <p:cNvGrpSpPr/>
+        <p:nvPr/>
+      </p:nvGrpSpPr>
+      <p:grpSpPr>
+        <a:xfrm>
+          <a:off x="0" y="0"/>
+          <a:ext cx="0" cy="0"/>
+          <a:chOff x="0" y="0"/>
+          <a:chExt cx="0" cy="0"/>
+        </a:xfrm>
+      </p:grpSpPr>
+      <p:sp>
+        <p:nvSpPr>
+          <p:cNvPr id="30722" name="内容占位符 3"/>
+          <p:cNvSpPr>
+            <a:spLocks noGrp="1"/>
+          </p:cNvSpPr>
+          <p:nvPr>
+            <p:ph sz="quarter" idx="10"/>
+          </p:nvPr>
+        </p:nvSpPr>
+        <p:spPr bwMode="auto">
+          <a:xfrm>
+            <a:off x="693526" y="908447"/>
+            <a:ext cx="10157038" cy="5041708"/>
+          </a:xfrm>
+          <a:solidFill>
+            <a:schemeClr val="bg1"/>
+          </a:solidFill>
+        </p:spPr>
+        <p:txBody>
+          <a:bodyPr vert="horz" wrap="square" lIns="91440" tIns="45720" rIns="91440" bIns="45720" numCol="1" anchor="t" anchorCtr="0" compatLnSpc="1"/>
+          <a:lstStyle/>
+          <a:p>
+            <a:pPr marL="360045"/>
+            <a:r>
+              <a:rPr lang="zh-CN" altLang="en-US" dirty="0" smtClean="0"/>
+              <a:t> </a:t>
+            </a:r>
+            <a:r>
+              <a:rPr lang="en-US" altLang="zh-CN" dirty="0" err="1" smtClean="0">
+                <a:latin typeface="+mn-ea"/>
+                <a:ea typeface="+mn-ea"/>
+              </a:rPr>
+              <a:t>AppCan</a:t>
+            </a:r>
+            <a:endParaRPr lang="en-US" altLang="zh-CN" dirty="0" smtClean="0">
+              <a:latin typeface="+mn-ea"/>
+              <a:ea typeface="+mn-ea"/>
+            </a:endParaRPr>
+          </a:p>
+          <a:p>
+            <a:pPr marL="591820" lvl="1"/>
+            <a:r>
+              <a:rPr lang="zh-CN" altLang="en-US" sz="2400" dirty="0" smtClean="0"/>
+              <a:t> 是中国人自行开发的跨平台移动应用开发一体化解决方案</a:t>
+            </a:r>
+            <a:endParaRPr lang="en-US" altLang="zh-CN" sz="2400" dirty="0" smtClean="0"/>
+          </a:p>
+          <a:p>
+            <a:pPr marL="591820" lvl="1"/>
+            <a:r>
+              <a:rPr lang="zh-CN" altLang="en-US" sz="2400" dirty="0" smtClean="0"/>
+              <a:t> 提供</a:t>
+            </a:r>
+            <a:r>
+              <a:rPr lang="en-US" altLang="zh-CN" sz="2400" dirty="0" smtClean="0"/>
+              <a:t>UI</a:t>
+            </a:r>
+            <a:r>
+              <a:rPr lang="zh-CN" altLang="en-US" sz="2400" dirty="0" smtClean="0"/>
+              <a:t>快速开发框架、本地功能调用</a:t>
+            </a:r>
+            <a:r>
+              <a:rPr lang="en-US" altLang="zh-CN" sz="2400" dirty="0" smtClean="0"/>
+              <a:t>API</a:t>
+            </a:r>
+            <a:r>
+              <a:rPr lang="zh-CN" altLang="en-US" sz="2400" dirty="0" smtClean="0"/>
+              <a:t>接口、打包系统等</a:t>
+            </a:r>
+            <a:endParaRPr lang="en-US" altLang="zh-CN" sz="2400" dirty="0" smtClean="0"/>
+          </a:p>
+          <a:p>
+            <a:pPr marL="591820" lvl="1"/>
+            <a:r>
+              <a:rPr lang="en-US" altLang="zh-CN" sz="2400" dirty="0" smtClean="0"/>
+              <a:t> </a:t>
+            </a:r>
+            <a:r>
+              <a:rPr lang="zh-CN" altLang="en-US" sz="2400" dirty="0" smtClean="0"/>
+              <a:t>数百套界面模板、数十种应用插件</a:t>
+            </a:r>
+            <a:endParaRPr lang="en-US" altLang="zh-CN" sz="2400" dirty="0" smtClean="0"/>
+          </a:p>
+          <a:p>
+            <a:pPr marL="360045"/>
+            <a:r>
+              <a:rPr lang="en-US" altLang="zh-CN" dirty="0" smtClean="0"/>
+              <a:t> </a:t>
+            </a:r>
+            <a:r>
+              <a:rPr lang="en-US" altLang="zh-CN" dirty="0" err="1" smtClean="0"/>
+              <a:t>AppCan</a:t>
+            </a:r>
+            <a:r>
+              <a:rPr lang="zh-CN" altLang="en-US" dirty="0" smtClean="0"/>
+              <a:t>缺点</a:t>
+            </a:r>
+            <a:endParaRPr lang="en-US" altLang="zh-CN" dirty="0" smtClean="0"/>
+          </a:p>
+          <a:p>
+            <a:pPr marL="591820" lvl="1"/>
+            <a:r>
+              <a:rPr lang="en-US" altLang="zh-CN" dirty="0"/>
+              <a:t> </a:t>
+            </a:r>
+            <a:r>
+              <a:rPr lang="zh-CN" altLang="en-US" dirty="0" smtClean="0"/>
+              <a:t>无法修改优化底层代码</a:t>
+            </a:r>
+            <a:endParaRPr lang="en-US" altLang="zh-CN" dirty="0" smtClean="0"/>
+          </a:p>
+          <a:p>
+            <a:pPr marL="591820" lvl="1"/>
+            <a:r>
+              <a:rPr lang="zh-CN" altLang="en-US" dirty="0" smtClean="0"/>
+              <a:t> 暂</a:t>
+            </a:r>
+            <a:r>
+              <a:rPr lang="zh-CN" altLang="en-US" dirty="0"/>
+              <a:t>不</a:t>
+            </a:r>
+            <a:r>
+              <a:rPr lang="zh-CN" altLang="en-US" dirty="0" smtClean="0"/>
+              <a:t>支持自行开发原生控件</a:t>
+            </a:r>
+            <a:endParaRPr lang="en-US" altLang="zh-CN" dirty="0" smtClean="0"/>
+          </a:p>
+          <a:p>
+            <a:pPr marL="591820" lvl="1"/>
+            <a:r>
+              <a:rPr lang="en-US" altLang="zh-CN" dirty="0"/>
+              <a:t> </a:t>
+            </a:r>
+            <a:r>
+              <a:rPr lang="zh-CN" altLang="en-US" dirty="0" smtClean="0"/>
+              <a:t>框架自带功能过多导致应用安装包偏大</a:t>
+            </a:r>
+            <a:endParaRPr lang="en-US" altLang="zh-CN" dirty="0"/>
+          </a:p>
+        </p:txBody>
+      </p:sp>
+      <p:sp>
+        <p:nvSpPr>
+          <p:cNvPr id="25603" name="内容占位符 4"/>
+          <p:cNvSpPr>
+            <a:spLocks noGrp="1"/>
+          </p:cNvSpPr>
+          <p:nvPr>
+            <p:ph sz="quarter" idx="11"/>
+          </p:nvPr>
+        </p:nvSpPr>
+        <p:spPr bwMode="auto">
+          <a:xfrm>
+            <a:off x="909638" y="236538"/>
+            <a:ext cx="7575550" cy="490537"/>
+          </a:xfrm>
+          <a:extLst>
+            <a:ext uri="{909E8E84-426E-40DD-AFC4-6F175D3DCCD1}">
+              <a14:hiddenFill xmlns:a14="http://schemas.microsoft.com/office/drawing/2010/main">
+                <a:solidFill>
+                  <a:srgbClr val="FFFFFF"/>
+                </a:solidFill>
+              </a14:hiddenFill>
+            </a:ext>
+            <a:ext uri="{91240B29-F687-4F45-9708-019B960494DF}">
+              <a14:hiddenLine xmlns:a14="http://schemas.microsoft.com/office/drawing/2010/main" w="9525">
+                <a:solidFill>
+                  <a:srgbClr val="000000"/>
+                </a:solidFill>
+                <a:miter lim="800000"/>
+                <a:headEnd/>
+                <a:tailEnd/>
+              </a14:hiddenLine>
+            </a:ext>
+          </a:extLst>
+        </p:spPr>
+        <p:txBody>
+          <a:bodyPr vert="horz" wrap="square" lIns="91440" tIns="45720" rIns="91440" bIns="45720" numCol="1" anchor="t" anchorCtr="0" compatLnSpc="1"/>
+          <a:lstStyle/>
+          <a:p>
+            <a:pPr>
+              <a:defRPr/>
+            </a:pPr>
+            <a:r>
+              <a:rPr lang="en-US" altLang="zh-CN" dirty="0" err="1" smtClean="0">
+                <a:latin typeface="+mn-ea"/>
+                <a:ea typeface="+mn-ea"/>
+              </a:rPr>
+              <a:t>AppCan</a:t>
             </a:r>
             <a:endParaRPr lang="zh-CN" altLang="en-US" dirty="0" smtClean="0">
               <a:latin typeface="+mn-ea"/>
@@ -4195,3970 +6113,6 @@
                                   </p:childTnLst>
                                 </p:cTn>
                               </p:par>
-                              <p:par>
-                                <p:cTn id="17" presetID="2" presetClass="entr" presetSubtype="4" fill="hold" nodeType="withEffect">
-                                  <p:stCondLst>
-                                    <p:cond delay="0"/>
-                                  </p:stCondLst>
-                                  <p:childTnLst>
-                                    <p:set>
-                                      <p:cBhvr>
-                                        <p:cTn id="18" dur="1" fill="hold">
-                                          <p:stCondLst>
-                                            <p:cond delay="0"/>
-                                          </p:stCondLst>
-                                        </p:cTn>
-                                        <p:tgtEl>
-                                          <p:spTgt spid="30722">
-                                            <p:txEl>
-                                              <p:pRg st="4" end="4"/>
-                                            </p:txEl>
-                                          </p:spTgt>
-                                        </p:tgtEl>
-                                        <p:attrNameLst>
-                                          <p:attrName>style.visibility</p:attrName>
-                                        </p:attrNameLst>
-                                      </p:cBhvr>
-                                      <p:to>
-                                        <p:strVal val="visible"/>
-                                      </p:to>
-                                    </p:set>
-                                    <p:anim calcmode="lin" valueType="num">
-                                      <p:cBhvr additive="base">
-                                        <p:cTn id="19" dur="500" fill="hold"/>
-                                        <p:tgtEl>
-                                          <p:spTgt spid="30722">
-                                            <p:txEl>
-                                              <p:pRg st="4" end="4"/>
-                                            </p:txEl>
-                                          </p:spTgt>
-                                        </p:tgtEl>
-                                        <p:attrNameLst>
-                                          <p:attrName>ppt_x</p:attrName>
-                                        </p:attrNameLst>
-                                      </p:cBhvr>
-                                      <p:tavLst>
-                                        <p:tav tm="0">
-                                          <p:val>
-                                            <p:strVal val="#ppt_x"/>
-                                          </p:val>
-                                        </p:tav>
-                                        <p:tav tm="100000">
-                                          <p:val>
-                                            <p:strVal val="#ppt_x"/>
-                                          </p:val>
-                                        </p:tav>
-                                      </p:tavLst>
-                                    </p:anim>
-                                    <p:anim calcmode="lin" valueType="num">
-                                      <p:cBhvr additive="base">
-                                        <p:cTn id="20" dur="500" fill="hold"/>
-                                        <p:tgtEl>
-                                          <p:spTgt spid="30722">
-                                            <p:txEl>
-                                              <p:pRg st="4" end="4"/>
-                                            </p:txEl>
-                                          </p:spTgt>
-                                        </p:tgtEl>
-                                        <p:attrNameLst>
-                                          <p:attrName>ppt_y</p:attrName>
-                                        </p:attrNameLst>
-                                      </p:cBhvr>
-                                      <p:tavLst>
-                                        <p:tav tm="0">
-                                          <p:val>
-                                            <p:strVal val="1+#ppt_h/2"/>
-                                          </p:val>
-                                        </p:tav>
-                                        <p:tav tm="100000">
-                                          <p:val>
-                                            <p:strVal val="#ppt_y"/>
-                                          </p:val>
-                                        </p:tav>
-                                      </p:tavLst>
-                                    </p:anim>
-                                  </p:childTnLst>
-                                </p:cTn>
-                              </p:par>
-                            </p:childTnLst>
-                          </p:cTn>
-                        </p:par>
-                      </p:childTnLst>
-                    </p:cTn>
-                  </p:par>
-                  <p:par>
-                    <p:cTn id="21" fill="hold">
-                      <p:stCondLst>
-                        <p:cond delay="indefinite"/>
-                      </p:stCondLst>
-                      <p:childTnLst>
-                        <p:par>
-                          <p:cTn id="22" fill="hold">
-                            <p:stCondLst>
-                              <p:cond delay="0"/>
-                            </p:stCondLst>
-                            <p:childTnLst>
-                              <p:par>
-                                <p:cTn id="23" presetID="2" presetClass="entr" presetSubtype="4" fill="hold" nodeType="clickEffect">
-                                  <p:stCondLst>
-                                    <p:cond delay="0"/>
-                                  </p:stCondLst>
-                                  <p:childTnLst>
-                                    <p:set>
-                                      <p:cBhvr>
-                                        <p:cTn id="24" dur="1" fill="hold">
-                                          <p:stCondLst>
-                                            <p:cond delay="0"/>
-                                          </p:stCondLst>
-                                        </p:cTn>
-                                        <p:tgtEl>
-                                          <p:spTgt spid="30722">
-                                            <p:txEl>
-                                              <p:pRg st="5" end="5"/>
-                                            </p:txEl>
-                                          </p:spTgt>
-                                        </p:tgtEl>
-                                        <p:attrNameLst>
-                                          <p:attrName>style.visibility</p:attrName>
-                                        </p:attrNameLst>
-                                      </p:cBhvr>
-                                      <p:to>
-                                        <p:strVal val="visible"/>
-                                      </p:to>
-                                    </p:set>
-                                    <p:anim calcmode="lin" valueType="num">
-                                      <p:cBhvr additive="base">
-                                        <p:cTn id="25" dur="500" fill="hold"/>
-                                        <p:tgtEl>
-                                          <p:spTgt spid="30722">
-                                            <p:txEl>
-                                              <p:pRg st="5" end="5"/>
-                                            </p:txEl>
-                                          </p:spTgt>
-                                        </p:tgtEl>
-                                        <p:attrNameLst>
-                                          <p:attrName>ppt_x</p:attrName>
-                                        </p:attrNameLst>
-                                      </p:cBhvr>
-                                      <p:tavLst>
-                                        <p:tav tm="0">
-                                          <p:val>
-                                            <p:strVal val="#ppt_x"/>
-                                          </p:val>
-                                        </p:tav>
-                                        <p:tav tm="100000">
-                                          <p:val>
-                                            <p:strVal val="#ppt_x"/>
-                                          </p:val>
-                                        </p:tav>
-                                      </p:tavLst>
-                                    </p:anim>
-                                    <p:anim calcmode="lin" valueType="num">
-                                      <p:cBhvr additive="base">
-                                        <p:cTn id="26" dur="500" fill="hold"/>
-                                        <p:tgtEl>
-                                          <p:spTgt spid="30722">
-                                            <p:txEl>
-                                              <p:pRg st="5" end="5"/>
-                                            </p:txEl>
-                                          </p:spTgt>
-                                        </p:tgtEl>
-                                        <p:attrNameLst>
-                                          <p:attrName>ppt_y</p:attrName>
-                                        </p:attrNameLst>
-                                      </p:cBhvr>
-                                      <p:tavLst>
-                                        <p:tav tm="0">
-                                          <p:val>
-                                            <p:strVal val="1+#ppt_h/2"/>
-                                          </p:val>
-                                        </p:tav>
-                                        <p:tav tm="100000">
-                                          <p:val>
-                                            <p:strVal val="#ppt_y"/>
-                                          </p:val>
-                                        </p:tav>
-                                      </p:tavLst>
-                                    </p:anim>
-                                  </p:childTnLst>
-                                </p:cTn>
-                              </p:par>
-                              <p:par>
-                                <p:cTn id="27" presetID="2" presetClass="entr" presetSubtype="4" fill="hold" nodeType="withEffect">
-                                  <p:stCondLst>
-                                    <p:cond delay="0"/>
-                                  </p:stCondLst>
-                                  <p:childTnLst>
-                                    <p:set>
-                                      <p:cBhvr>
-                                        <p:cTn id="28" dur="1" fill="hold">
-                                          <p:stCondLst>
-                                            <p:cond delay="0"/>
-                                          </p:stCondLst>
-                                        </p:cTn>
-                                        <p:tgtEl>
-                                          <p:spTgt spid="30722">
-                                            <p:txEl>
-                                              <p:pRg st="6" end="6"/>
-                                            </p:txEl>
-                                          </p:spTgt>
-                                        </p:tgtEl>
-                                        <p:attrNameLst>
-                                          <p:attrName>style.visibility</p:attrName>
-                                        </p:attrNameLst>
-                                      </p:cBhvr>
-                                      <p:to>
-                                        <p:strVal val="visible"/>
-                                      </p:to>
-                                    </p:set>
-                                    <p:anim calcmode="lin" valueType="num">
-                                      <p:cBhvr additive="base">
-                                        <p:cTn id="29" dur="500" fill="hold"/>
-                                        <p:tgtEl>
-                                          <p:spTgt spid="30722">
-                                            <p:txEl>
-                                              <p:pRg st="6" end="6"/>
-                                            </p:txEl>
-                                          </p:spTgt>
-                                        </p:tgtEl>
-                                        <p:attrNameLst>
-                                          <p:attrName>ppt_x</p:attrName>
-                                        </p:attrNameLst>
-                                      </p:cBhvr>
-                                      <p:tavLst>
-                                        <p:tav tm="0">
-                                          <p:val>
-                                            <p:strVal val="#ppt_x"/>
-                                          </p:val>
-                                        </p:tav>
-                                        <p:tav tm="100000">
-                                          <p:val>
-                                            <p:strVal val="#ppt_x"/>
-                                          </p:val>
-                                        </p:tav>
-                                      </p:tavLst>
-                                    </p:anim>
-                                    <p:anim calcmode="lin" valueType="num">
-                                      <p:cBhvr additive="base">
-                                        <p:cTn id="30" dur="500" fill="hold"/>
-                                        <p:tgtEl>
-                                          <p:spTgt spid="30722">
-                                            <p:txEl>
-                                              <p:pRg st="6" end="6"/>
-                                            </p:txEl>
-                                          </p:spTgt>
-                                        </p:tgtEl>
-                                        <p:attrNameLst>
-                                          <p:attrName>ppt_y</p:attrName>
-                                        </p:attrNameLst>
-                                      </p:cBhvr>
-                                      <p:tavLst>
-                                        <p:tav tm="0">
-                                          <p:val>
-                                            <p:strVal val="1+#ppt_h/2"/>
-                                          </p:val>
-                                        </p:tav>
-                                        <p:tav tm="100000">
-                                          <p:val>
-                                            <p:strVal val="#ppt_y"/>
-                                          </p:val>
-                                        </p:tav>
-                                      </p:tavLst>
-                                    </p:anim>
-                                  </p:childTnLst>
-                                </p:cTn>
-                              </p:par>
-                              <p:par>
-                                <p:cTn id="31" presetID="2" presetClass="entr" presetSubtype="4" fill="hold" nodeType="withEffect">
-                                  <p:stCondLst>
-                                    <p:cond delay="0"/>
-                                  </p:stCondLst>
-                                  <p:childTnLst>
-                                    <p:set>
-                                      <p:cBhvr>
-                                        <p:cTn id="32" dur="1" fill="hold">
-                                          <p:stCondLst>
-                                            <p:cond delay="0"/>
-                                          </p:stCondLst>
-                                        </p:cTn>
-                                        <p:tgtEl>
-                                          <p:spTgt spid="30722">
-                                            <p:txEl>
-                                              <p:pRg st="7" end="7"/>
-                                            </p:txEl>
-                                          </p:spTgt>
-                                        </p:tgtEl>
-                                        <p:attrNameLst>
-                                          <p:attrName>style.visibility</p:attrName>
-                                        </p:attrNameLst>
-                                      </p:cBhvr>
-                                      <p:to>
-                                        <p:strVal val="visible"/>
-                                      </p:to>
-                                    </p:set>
-                                    <p:anim calcmode="lin" valueType="num">
-                                      <p:cBhvr additive="base">
-                                        <p:cTn id="33" dur="500" fill="hold"/>
-                                        <p:tgtEl>
-                                          <p:spTgt spid="30722">
-                                            <p:txEl>
-                                              <p:pRg st="7" end="7"/>
-                                            </p:txEl>
-                                          </p:spTgt>
-                                        </p:tgtEl>
-                                        <p:attrNameLst>
-                                          <p:attrName>ppt_x</p:attrName>
-                                        </p:attrNameLst>
-                                      </p:cBhvr>
-                                      <p:tavLst>
-                                        <p:tav tm="0">
-                                          <p:val>
-                                            <p:strVal val="#ppt_x"/>
-                                          </p:val>
-                                        </p:tav>
-                                        <p:tav tm="100000">
-                                          <p:val>
-                                            <p:strVal val="#ppt_x"/>
-                                          </p:val>
-                                        </p:tav>
-                                      </p:tavLst>
-                                    </p:anim>
-                                    <p:anim calcmode="lin" valueType="num">
-                                      <p:cBhvr additive="base">
-                                        <p:cTn id="34" dur="500" fill="hold"/>
-                                        <p:tgtEl>
-                                          <p:spTgt spid="30722">
-                                            <p:txEl>
-                                              <p:pRg st="7" end="7"/>
-                                            </p:txEl>
-                                          </p:spTgt>
-                                        </p:tgtEl>
-                                        <p:attrNameLst>
-                                          <p:attrName>ppt_y</p:attrName>
-                                        </p:attrNameLst>
-                                      </p:cBhvr>
-                                      <p:tavLst>
-                                        <p:tav tm="0">
-                                          <p:val>
-                                            <p:strVal val="1+#ppt_h/2"/>
-                                          </p:val>
-                                        </p:tav>
-                                        <p:tav tm="100000">
-                                          <p:val>
-                                            <p:strVal val="#ppt_y"/>
-                                          </p:val>
-                                        </p:tav>
-                                      </p:tavLst>
-                                    </p:anim>
-                                  </p:childTnLst>
-                                </p:cTn>
-                              </p:par>
-                            </p:childTnLst>
-                          </p:cTn>
-                        </p:par>
-                      </p:childTnLst>
-                    </p:cTn>
-                  </p:par>
-                </p:childTnLst>
-              </p:cTn>
-              <p:prevCondLst>
-                <p:cond evt="onPrev" delay="0">
-                  <p:tgtEl>
-                    <p:sldTgt/>
-                  </p:tgtEl>
-                </p:cond>
-              </p:prevCondLst>
-              <p:nextCondLst>
-                <p:cond evt="onNext" delay="0">
-                  <p:tgtEl>
-                    <p:sldTgt/>
-                  </p:tgtEl>
-                </p:cond>
-              </p:nextCondLst>
-            </p:seq>
-          </p:childTnLst>
-        </p:cTn>
-      </p:par>
-    </p:tnLst>
-  </p:timing>
-</p:sld>
-</file>
-
-<file path=ppt/slides/slide12.xml><?xml version="1.0" encoding="utf-8"?>
-<p:sld xmlns:a="http://schemas.openxmlformats.org/drawingml/2006/main" xmlns:r="http://schemas.openxmlformats.org/officeDocument/2006/relationships" xmlns:p="http://schemas.openxmlformats.org/presentationml/2006/main">
-  <p:cSld>
-    <p:spTree>
-      <p:nvGrpSpPr>
-        <p:cNvPr id="1" name=""/>
-        <p:cNvGrpSpPr/>
-        <p:nvPr/>
-      </p:nvGrpSpPr>
-      <p:grpSpPr>
-        <a:xfrm>
-          <a:off x="0" y="0"/>
-          <a:ext cx="0" cy="0"/>
-          <a:chOff x="0" y="0"/>
-          <a:chExt cx="0" cy="0"/>
-        </a:xfrm>
-      </p:grpSpPr>
-      <p:sp>
-        <p:nvSpPr>
-          <p:cNvPr id="30722" name="内容占位符 3"/>
-          <p:cNvSpPr>
-            <a:spLocks noGrp="1"/>
-          </p:cNvSpPr>
-          <p:nvPr>
-            <p:ph sz="quarter" idx="10"/>
-          </p:nvPr>
-        </p:nvSpPr>
-        <p:spPr bwMode="auto">
-          <a:xfrm>
-            <a:off x="693526" y="907845"/>
-            <a:ext cx="10157038" cy="4177312"/>
-          </a:xfrm>
-          <a:solidFill>
-            <a:schemeClr val="bg1"/>
-          </a:solidFill>
-        </p:spPr>
-        <p:txBody>
-          <a:bodyPr vert="horz" wrap="square" lIns="91440" tIns="45720" rIns="91440" bIns="45720" numCol="1" anchor="t" anchorCtr="0" compatLnSpc="1"/>
-          <a:lstStyle/>
-          <a:p>
-            <a:pPr marL="360045"/>
-            <a:r>
-              <a:rPr lang="zh-CN" altLang="en-US" dirty="0" smtClean="0"/>
-              <a:t> 核心特性</a:t>
-            </a:r>
-            <a:endParaRPr lang="en-US" altLang="zh-CN" sz="2400" dirty="0" smtClean="0"/>
-          </a:p>
-          <a:p>
-            <a:pPr marL="591820" lvl="1"/>
-            <a:r>
-              <a:rPr lang="zh-CN" altLang="en-US" dirty="0" smtClean="0"/>
-              <a:t> 组件</a:t>
-            </a:r>
-            <a:r>
-              <a:rPr lang="zh-CN" altLang="en-US" dirty="0"/>
-              <a:t>化：</a:t>
-            </a:r>
-            <a:r>
-              <a:rPr lang="en-US" altLang="zh-CN" dirty="0"/>
-              <a:t>Angular</a:t>
-            </a:r>
-            <a:r>
-              <a:rPr lang="zh-CN" altLang="en-US" dirty="0"/>
-              <a:t>的核心</a:t>
-            </a:r>
-            <a:r>
-              <a:rPr lang="zh-CN" altLang="en-US" dirty="0" smtClean="0"/>
-              <a:t>所在</a:t>
-            </a:r>
-            <a:endParaRPr lang="en-US" altLang="zh-CN" dirty="0" smtClean="0"/>
-          </a:p>
-          <a:p>
-            <a:pPr marL="591820" lvl="1"/>
-            <a:r>
-              <a:rPr lang="zh-CN" altLang="en-US" dirty="0" smtClean="0"/>
-              <a:t> 依赖</a:t>
-            </a:r>
-            <a:r>
-              <a:rPr lang="zh-CN" altLang="en-US" dirty="0"/>
-              <a:t>注入机制</a:t>
-            </a:r>
-          </a:p>
-          <a:p>
-            <a:pPr marL="591820" lvl="1"/>
-            <a:r>
-              <a:rPr lang="zh-CN" altLang="en-US" dirty="0" smtClean="0"/>
-              <a:t> 路由及路由嵌套</a:t>
-            </a:r>
-            <a:endParaRPr lang="en-US" altLang="zh-CN" sz="2400" dirty="0" smtClean="0"/>
-          </a:p>
-          <a:p>
-            <a:pPr marL="591820" lvl="1"/>
-            <a:r>
-              <a:rPr lang="en-US" altLang="zh-CN" sz="2400" dirty="0" smtClean="0"/>
-              <a:t> </a:t>
-            </a:r>
-            <a:r>
-              <a:rPr lang="zh-CN" altLang="en-US" sz="2400" dirty="0" smtClean="0"/>
-              <a:t>指令系统</a:t>
-            </a:r>
-            <a:endParaRPr lang="en-US" altLang="zh-CN" sz="2400" dirty="0" smtClean="0"/>
-          </a:p>
-          <a:p>
-            <a:pPr marL="591820" lvl="1"/>
-            <a:r>
-              <a:rPr lang="zh-CN" altLang="en-US" sz="2400" dirty="0" smtClean="0"/>
-              <a:t> 数据绑定、服务等</a:t>
-            </a:r>
-            <a:endParaRPr lang="en-US" altLang="zh-CN" sz="2400" dirty="0" smtClean="0"/>
-          </a:p>
-          <a:p>
-            <a:pPr marL="591820" lvl="1"/>
-            <a:endParaRPr lang="en-US" altLang="zh-CN" sz="2400" dirty="0"/>
-          </a:p>
-        </p:txBody>
-      </p:sp>
-      <p:sp>
-        <p:nvSpPr>
-          <p:cNvPr id="25603" name="内容占位符 4"/>
-          <p:cNvSpPr>
-            <a:spLocks noGrp="1"/>
-          </p:cNvSpPr>
-          <p:nvPr>
-            <p:ph sz="quarter" idx="11"/>
-          </p:nvPr>
-        </p:nvSpPr>
-        <p:spPr bwMode="auto">
-          <a:xfrm>
-            <a:off x="909638" y="236538"/>
-            <a:ext cx="7575550" cy="490537"/>
-          </a:xfrm>
-          <a:extLst>
-            <a:ext uri="{909E8E84-426E-40DD-AFC4-6F175D3DCCD1}">
-              <a14:hiddenFill xmlns:a14="http://schemas.microsoft.com/office/drawing/2010/main">
-                <a:solidFill>
-                  <a:srgbClr val="FFFFFF"/>
-                </a:solidFill>
-              </a14:hiddenFill>
-            </a:ext>
-            <a:ext uri="{91240B29-F687-4F45-9708-019B960494DF}">
-              <a14:hiddenLine xmlns:a14="http://schemas.microsoft.com/office/drawing/2010/main" w="9525">
-                <a:solidFill>
-                  <a:srgbClr val="000000"/>
-                </a:solidFill>
-                <a:miter lim="800000"/>
-                <a:headEnd/>
-                <a:tailEnd/>
-              </a14:hiddenLine>
-            </a:ext>
-          </a:extLst>
-        </p:spPr>
-        <p:txBody>
-          <a:bodyPr vert="horz" wrap="square" lIns="91440" tIns="45720" rIns="91440" bIns="45720" numCol="1" anchor="t" anchorCtr="0" compatLnSpc="1"/>
-          <a:lstStyle/>
-          <a:p>
-            <a:pPr>
-              <a:defRPr/>
-            </a:pPr>
-            <a:r>
-              <a:rPr lang="en-US" altLang="zh-CN" dirty="0" smtClean="0">
-                <a:latin typeface="+mn-ea"/>
-                <a:ea typeface="+mn-ea"/>
-              </a:rPr>
-              <a:t>Angular</a:t>
-            </a:r>
-            <a:r>
-              <a:rPr lang="zh-CN" altLang="en-US" dirty="0" smtClean="0">
-                <a:latin typeface="+mn-ea"/>
-                <a:ea typeface="+mn-ea"/>
-              </a:rPr>
-              <a:t>核心属性</a:t>
-            </a:r>
-          </a:p>
-        </p:txBody>
-      </p:sp>
-    </p:spTree>
-  </p:cSld>
-  <p:clrMapOvr>
-    <a:masterClrMapping/>
-  </p:clrMapOvr>
-  <p:timing>
-    <p:tnLst>
-      <p:par>
-        <p:cTn id="1" dur="indefinite" restart="never" nodeType="tmRoot"/>
-      </p:par>
-    </p:tnLst>
-  </p:timing>
-</p:sld>
-</file>
-
-<file path=ppt/slides/slide13.xml><?xml version="1.0" encoding="utf-8"?>
-<p:sld xmlns:a="http://schemas.openxmlformats.org/drawingml/2006/main" xmlns:r="http://schemas.openxmlformats.org/officeDocument/2006/relationships" xmlns:p="http://schemas.openxmlformats.org/presentationml/2006/main">
-  <p:cSld>
-    <p:spTree>
-      <p:nvGrpSpPr>
-        <p:cNvPr id="1" name=""/>
-        <p:cNvGrpSpPr/>
-        <p:nvPr/>
-      </p:nvGrpSpPr>
-      <p:grpSpPr>
-        <a:xfrm>
-          <a:off x="0" y="0"/>
-          <a:ext cx="0" cy="0"/>
-          <a:chOff x="0" y="0"/>
-          <a:chExt cx="0" cy="0"/>
-        </a:xfrm>
-      </p:grpSpPr>
-      <p:sp>
-        <p:nvSpPr>
-          <p:cNvPr id="30722" name="内容占位符 3"/>
-          <p:cNvSpPr>
-            <a:spLocks noGrp="1"/>
-          </p:cNvSpPr>
-          <p:nvPr>
-            <p:ph sz="quarter" idx="10"/>
-          </p:nvPr>
-        </p:nvSpPr>
-        <p:spPr bwMode="auto">
-          <a:xfrm>
-            <a:off x="693525" y="907845"/>
-            <a:ext cx="10372751" cy="4033246"/>
-          </a:xfrm>
-          <a:solidFill>
-            <a:schemeClr val="bg1"/>
-          </a:solidFill>
-        </p:spPr>
-        <p:txBody>
-          <a:bodyPr vert="horz" wrap="square" lIns="91440" tIns="45720" rIns="91440" bIns="45720" numCol="1" anchor="t" anchorCtr="0" compatLnSpc="1"/>
-          <a:lstStyle/>
-          <a:p>
-            <a:pPr marL="360045"/>
-            <a:r>
-              <a:rPr lang="zh-CN" altLang="en-US" dirty="0" smtClean="0"/>
-              <a:t> </a:t>
-            </a:r>
-            <a:r>
-              <a:rPr lang="en-US" altLang="zh-CN" dirty="0" smtClean="0"/>
-              <a:t>Cordova</a:t>
-            </a:r>
-            <a:r>
-              <a:rPr lang="zh-CN" altLang="en-US" dirty="0" smtClean="0"/>
-              <a:t>介绍</a:t>
-            </a:r>
-            <a:endParaRPr lang="en-US" altLang="zh-CN" sz="2400" dirty="0" smtClean="0"/>
-          </a:p>
-          <a:p>
-            <a:pPr marL="591820" lvl="1"/>
-            <a:r>
-              <a:rPr lang="zh-CN" altLang="en-US" sz="2400" dirty="0"/>
-              <a:t> </a:t>
-            </a:r>
-            <a:r>
-              <a:rPr lang="en-US" altLang="zh-CN" sz="2400" dirty="0"/>
-              <a:t>Cordova</a:t>
-            </a:r>
-            <a:r>
-              <a:rPr lang="zh-CN" altLang="en-US" sz="2400" dirty="0"/>
-              <a:t>是一个开源的移动开发</a:t>
-            </a:r>
-            <a:r>
-              <a:rPr lang="zh-CN" altLang="en-US" sz="2400" dirty="0" smtClean="0"/>
-              <a:t>框架</a:t>
-            </a:r>
-            <a:endParaRPr lang="en-US" altLang="zh-CN" sz="2400" dirty="0" smtClean="0"/>
-          </a:p>
-          <a:p>
-            <a:pPr marL="591820" lvl="1"/>
-            <a:r>
-              <a:rPr lang="en-US" altLang="zh-CN" sz="2400" dirty="0"/>
-              <a:t> </a:t>
-            </a:r>
-            <a:r>
-              <a:rPr lang="zh-CN" altLang="en-US" sz="2400" dirty="0" smtClean="0"/>
-              <a:t>允许</a:t>
-            </a:r>
-            <a:r>
-              <a:rPr lang="zh-CN" altLang="en-US" sz="2400" dirty="0"/>
-              <a:t>使</a:t>
-            </a:r>
-            <a:r>
-              <a:rPr lang="zh-CN" altLang="en-US" sz="2400" dirty="0" smtClean="0"/>
-              <a:t>用</a:t>
-            </a:r>
-            <a:r>
-              <a:rPr lang="zh-CN" altLang="en-US" sz="2400" dirty="0"/>
-              <a:t>标准</a:t>
-            </a:r>
-            <a:r>
-              <a:rPr lang="zh-CN" altLang="en-US" sz="2400" dirty="0" smtClean="0"/>
-              <a:t>的</a:t>
-            </a:r>
-            <a:r>
-              <a:rPr lang="en-US" altLang="zh-CN" sz="2400" dirty="0" smtClean="0"/>
-              <a:t>Web</a:t>
-            </a:r>
-            <a:r>
-              <a:rPr lang="zh-CN" altLang="en-US" sz="2400" dirty="0"/>
-              <a:t>技术</a:t>
-            </a:r>
-            <a:r>
-              <a:rPr lang="en-US" altLang="zh-CN" sz="2400" dirty="0"/>
-              <a:t>-HTML5,CSS3</a:t>
-            </a:r>
-            <a:r>
-              <a:rPr lang="zh-CN" altLang="en-US" sz="2400" dirty="0" smtClean="0"/>
-              <a:t>和</a:t>
-            </a:r>
-            <a:r>
-              <a:rPr lang="en-US" altLang="zh-CN" dirty="0"/>
-              <a:t>JavaScript</a:t>
-            </a:r>
-            <a:r>
-              <a:rPr lang="zh-CN" altLang="en-US" sz="2400" dirty="0" smtClean="0"/>
-              <a:t>进行跨</a:t>
-            </a:r>
-            <a:r>
-              <a:rPr lang="zh-CN" altLang="en-US" sz="2400" dirty="0"/>
-              <a:t>平台</a:t>
-            </a:r>
-            <a:r>
-              <a:rPr lang="zh-CN" altLang="en-US" sz="2400" dirty="0" smtClean="0"/>
-              <a:t>开发</a:t>
-            </a:r>
-            <a:endParaRPr lang="en-US" altLang="zh-CN" sz="2400" dirty="0" smtClean="0"/>
-          </a:p>
-          <a:p>
-            <a:pPr marL="591820" lvl="1"/>
-            <a:r>
-              <a:rPr lang="zh-CN" altLang="en-US" sz="2400" dirty="0" smtClean="0"/>
-              <a:t> 插件</a:t>
-            </a:r>
-            <a:r>
-              <a:rPr lang="zh-CN" altLang="en-US" sz="2400" dirty="0"/>
-              <a:t>是</a:t>
-            </a:r>
-            <a:r>
-              <a:rPr lang="en-US" altLang="zh-CN" sz="2400" dirty="0" smtClean="0"/>
-              <a:t>Cordova</a:t>
-            </a:r>
-            <a:r>
-              <a:rPr lang="zh-CN" altLang="en-US" sz="2400" dirty="0"/>
-              <a:t>框架</a:t>
-            </a:r>
-            <a:r>
-              <a:rPr lang="zh-CN" altLang="en-US" sz="2400" dirty="0" smtClean="0"/>
-              <a:t>的</a:t>
-            </a:r>
-            <a:r>
-              <a:rPr lang="zh-CN" altLang="en-US" sz="2400" dirty="0"/>
-              <a:t>重要</a:t>
-            </a:r>
-            <a:r>
-              <a:rPr lang="zh-CN" altLang="en-US" sz="2400" dirty="0" smtClean="0"/>
-              <a:t>组成部分，他</a:t>
-            </a:r>
-            <a:r>
-              <a:rPr lang="zh-CN" altLang="en-US" sz="2400" dirty="0"/>
-              <a:t>提供了</a:t>
-            </a:r>
-            <a:r>
-              <a:rPr lang="en-US" altLang="zh-CN" sz="2400" dirty="0"/>
-              <a:t>Cordova</a:t>
-            </a:r>
-            <a:r>
-              <a:rPr lang="zh-CN" altLang="en-US" sz="2400" dirty="0"/>
-              <a:t>和原生组件相互通信</a:t>
-            </a:r>
-            <a:r>
-              <a:rPr lang="zh-CN" altLang="en-US" sz="2400" dirty="0" smtClean="0"/>
-              <a:t>的</a:t>
-            </a:r>
-            <a:r>
-              <a:rPr lang="en-US" altLang="zh-CN" sz="2400" dirty="0" smtClean="0"/>
-              <a:t>API</a:t>
-            </a:r>
-            <a:r>
-              <a:rPr lang="zh-CN" altLang="en-US" sz="2400" dirty="0"/>
-              <a:t>，</a:t>
-            </a:r>
-            <a:r>
-              <a:rPr lang="zh-CN" altLang="en-US" sz="2400" dirty="0" smtClean="0"/>
-              <a:t>能够</a:t>
-            </a:r>
-            <a:r>
-              <a:rPr lang="zh-CN" altLang="en-US" sz="2400" dirty="0"/>
-              <a:t>通过</a:t>
-            </a:r>
-            <a:r>
-              <a:rPr lang="en-US" altLang="zh-CN" sz="2400" dirty="0"/>
-              <a:t>JavaScript</a:t>
-            </a:r>
-            <a:r>
-              <a:rPr lang="zh-CN" altLang="en-US" sz="2400" dirty="0"/>
-              <a:t>调用</a:t>
-            </a:r>
-            <a:r>
-              <a:rPr lang="zh-CN" altLang="en-US" sz="2400" dirty="0" smtClean="0"/>
-              <a:t>原生功能</a:t>
-            </a:r>
-            <a:endParaRPr lang="en-US" altLang="zh-CN" sz="2400" dirty="0" smtClean="0"/>
-          </a:p>
-          <a:p>
-            <a:pPr marL="591820" lvl="1"/>
-            <a:endParaRPr lang="en-US" altLang="zh-CN" sz="2400" dirty="0"/>
-          </a:p>
-        </p:txBody>
-      </p:sp>
-      <p:sp>
-        <p:nvSpPr>
-          <p:cNvPr id="25603" name="内容占位符 4"/>
-          <p:cNvSpPr>
-            <a:spLocks noGrp="1"/>
-          </p:cNvSpPr>
-          <p:nvPr>
-            <p:ph sz="quarter" idx="11"/>
-          </p:nvPr>
-        </p:nvSpPr>
-        <p:spPr bwMode="auto">
-          <a:xfrm>
-            <a:off x="909638" y="236538"/>
-            <a:ext cx="7575550" cy="490537"/>
-          </a:xfrm>
-          <a:extLst>
-            <a:ext uri="{909E8E84-426E-40DD-AFC4-6F175D3DCCD1}">
-              <a14:hiddenFill xmlns:a14="http://schemas.microsoft.com/office/drawing/2010/main">
-                <a:solidFill>
-                  <a:srgbClr val="FFFFFF"/>
-                </a:solidFill>
-              </a14:hiddenFill>
-            </a:ext>
-            <a:ext uri="{91240B29-F687-4F45-9708-019B960494DF}">
-              <a14:hiddenLine xmlns:a14="http://schemas.microsoft.com/office/drawing/2010/main" w="9525">
-                <a:solidFill>
-                  <a:srgbClr val="000000"/>
-                </a:solidFill>
-                <a:miter lim="800000"/>
-                <a:headEnd/>
-                <a:tailEnd/>
-              </a14:hiddenLine>
-            </a:ext>
-          </a:extLst>
-        </p:spPr>
-        <p:txBody>
-          <a:bodyPr vert="horz" wrap="square" lIns="91440" tIns="45720" rIns="91440" bIns="45720" numCol="1" anchor="t" anchorCtr="0" compatLnSpc="1"/>
-          <a:lstStyle/>
-          <a:p>
-            <a:pPr>
-              <a:defRPr/>
-            </a:pPr>
-            <a:r>
-              <a:rPr lang="en-US" altLang="zh-CN" dirty="0" smtClean="0">
-                <a:latin typeface="+mn-ea"/>
-                <a:ea typeface="+mn-ea"/>
-              </a:rPr>
-              <a:t>Cordova</a:t>
-            </a:r>
-            <a:endParaRPr lang="zh-CN" altLang="en-US" dirty="0" smtClean="0">
-              <a:latin typeface="+mn-ea"/>
-              <a:ea typeface="+mn-ea"/>
-            </a:endParaRPr>
-          </a:p>
-        </p:txBody>
-      </p:sp>
-    </p:spTree>
-  </p:cSld>
-  <p:clrMapOvr>
-    <a:masterClrMapping/>
-  </p:clrMapOvr>
-  <p:timing>
-    <p:tnLst>
-      <p:par>
-        <p:cTn id="1" dur="indefinite" restart="never" nodeType="tmRoot"/>
-      </p:par>
-    </p:tnLst>
-  </p:timing>
-</p:sld>
-</file>
-
-<file path=ppt/slides/slide14.xml><?xml version="1.0" encoding="utf-8"?>
-<p:sld xmlns:a="http://schemas.openxmlformats.org/drawingml/2006/main" xmlns:r="http://schemas.openxmlformats.org/officeDocument/2006/relationships" xmlns:p="http://schemas.openxmlformats.org/presentationml/2006/main">
-  <p:cSld>
-    <p:spTree>
-      <p:nvGrpSpPr>
-        <p:cNvPr id="1" name=""/>
-        <p:cNvGrpSpPr/>
-        <p:nvPr/>
-      </p:nvGrpSpPr>
-      <p:grpSpPr>
-        <a:xfrm>
-          <a:off x="0" y="0"/>
-          <a:ext cx="0" cy="0"/>
-          <a:chOff x="0" y="0"/>
-          <a:chExt cx="0" cy="0"/>
-        </a:xfrm>
-      </p:grpSpPr>
-      <p:pic>
-        <p:nvPicPr>
-          <p:cNvPr id="69634" name="Picture 5"/>
-          <p:cNvPicPr>
-            <a:picLocks noChangeAspect="1" noChangeArrowheads="1"/>
-          </p:cNvPicPr>
-          <p:nvPr/>
-        </p:nvPicPr>
-        <p:blipFill>
-          <a:blip r:embed="rId2">
-            <a:extLst>
-              <a:ext uri="{28A0092B-C50C-407E-A947-70E740481C1C}">
-                <a14:useLocalDpi xmlns:a14="http://schemas.microsoft.com/office/drawing/2010/main" val="0"/>
-              </a:ext>
-            </a:extLst>
-          </a:blip>
-          <a:srcRect/>
-          <a:stretch>
-            <a:fillRect/>
-          </a:stretch>
-        </p:blipFill>
-        <p:spPr bwMode="auto">
-          <a:xfrm>
-            <a:off x="0" y="0"/>
-            <a:ext cx="12192000" cy="6858000"/>
-          </a:xfrm>
-          <a:prstGeom prst="rect">
-            <a:avLst/>
-          </a:prstGeom>
-          <a:noFill/>
-          <a:ln>
-            <a:noFill/>
-          </a:ln>
-          <a:extLst>
-            <a:ext uri="{909E8E84-426E-40DD-AFC4-6F175D3DCCD1}">
-              <a14:hiddenFill xmlns:a14="http://schemas.microsoft.com/office/drawing/2010/main">
-                <a:solidFill>
-                  <a:srgbClr val="FFFFFF"/>
-                </a:solidFill>
-              </a14:hiddenFill>
-            </a:ext>
-            <a:ext uri="{91240B29-F687-4F45-9708-019B960494DF}">
-              <a14:hiddenLine xmlns:a14="http://schemas.microsoft.com/office/drawing/2010/main" w="9525">
-                <a:solidFill>
-                  <a:srgbClr val="000000"/>
-                </a:solidFill>
-                <a:miter lim="800000"/>
-                <a:headEnd/>
-                <a:tailEnd/>
-              </a14:hiddenLine>
-            </a:ext>
-          </a:extLst>
-        </p:spPr>
-      </p:pic>
-      <p:sp>
-        <p:nvSpPr>
-          <p:cNvPr id="69635" name="Rectangle 6"/>
-          <p:cNvSpPr>
-            <a:spLocks noGrp="1" noChangeArrowheads="1"/>
-          </p:cNvSpPr>
-          <p:nvPr>
-            <p:ph type="ctrTitle" idx="4294967295"/>
-          </p:nvPr>
-        </p:nvSpPr>
-        <p:spPr bwMode="auto">
-          <a:xfrm>
-            <a:off x="1557338" y="3494088"/>
-            <a:ext cx="7362825" cy="582612"/>
-          </a:xfrm>
-          <a:prstGeom prst="rect">
-            <a:avLst/>
-          </a:prstGeom>
-          <a:noFill/>
-          <a:extLst>
-            <a:ext uri="{909E8E84-426E-40DD-AFC4-6F175D3DCCD1}">
-              <a14:hiddenFill xmlns:a14="http://schemas.microsoft.com/office/drawing/2010/main">
-                <a:solidFill>
-                  <a:srgbClr val="FFFFFF"/>
-                </a:solidFill>
-              </a14:hiddenFill>
-            </a:ext>
-            <a:ext uri="{91240B29-F687-4F45-9708-019B960494DF}">
-              <a14:hiddenLine xmlns:a14="http://schemas.microsoft.com/office/drawing/2010/main" w="9525">
-                <a:solidFill>
-                  <a:srgbClr val="000000"/>
-                </a:solidFill>
-                <a:miter lim="800000"/>
-                <a:headEnd/>
-                <a:tailEnd/>
-              </a14:hiddenLine>
-            </a:ext>
-          </a:extLst>
-        </p:spPr>
-        <p:txBody>
-          <a:bodyPr anchor="b"/>
-          <a:lstStyle/>
-          <a:p>
-            <a:pPr algn="ctr" eaLnBrk="1" hangingPunct="1"/>
-            <a:r>
-              <a:rPr lang="en-US" altLang="zh-CN" sz="5400" smtClean="0">
-                <a:ea typeface="宋体" panose="02010600030101010101" pitchFamily="2" charset="-122"/>
-              </a:rPr>
-              <a:t>Thank You</a:t>
-            </a:r>
-            <a:endParaRPr lang="zh-CN" altLang="zh-CN" sz="5400" dirty="0" smtClean="0">
-              <a:ea typeface="宋体" panose="02010600030101010101" pitchFamily="2" charset="-122"/>
-            </a:endParaRPr>
-          </a:p>
-        </p:txBody>
-      </p:sp>
-      <p:pic>
-        <p:nvPicPr>
-          <p:cNvPr id="69636" name="图片 3" descr="软院logo横版.png"/>
-          <p:cNvPicPr>
-            <a:picLocks noChangeAspect="1"/>
-          </p:cNvPicPr>
-          <p:nvPr/>
-        </p:nvPicPr>
-        <p:blipFill>
-          <a:blip r:embed="rId3">
-            <a:extLst>
-              <a:ext uri="{28A0092B-C50C-407E-A947-70E740481C1C}">
-                <a14:useLocalDpi xmlns:a14="http://schemas.microsoft.com/office/drawing/2010/main" val="0"/>
-              </a:ext>
-            </a:extLst>
-          </a:blip>
-          <a:srcRect/>
-          <a:stretch>
-            <a:fillRect/>
-          </a:stretch>
-        </p:blipFill>
-        <p:spPr bwMode="auto">
-          <a:xfrm>
-            <a:off x="2062163" y="5927725"/>
-            <a:ext cx="3381375" cy="527050"/>
-          </a:xfrm>
-          <a:prstGeom prst="rect">
-            <a:avLst/>
-          </a:prstGeom>
-          <a:noFill/>
-          <a:ln>
-            <a:noFill/>
-          </a:ln>
-          <a:extLst>
-            <a:ext uri="{909E8E84-426E-40DD-AFC4-6F175D3DCCD1}">
-              <a14:hiddenFill xmlns:a14="http://schemas.microsoft.com/office/drawing/2010/main">
-                <a:solidFill>
-                  <a:srgbClr val="FFFFFF"/>
-                </a:solidFill>
-              </a14:hiddenFill>
-            </a:ext>
-            <a:ext uri="{91240B29-F687-4F45-9708-019B960494DF}">
-              <a14:hiddenLine xmlns:a14="http://schemas.microsoft.com/office/drawing/2010/main" w="9525">
-                <a:solidFill>
-                  <a:srgbClr val="000000"/>
-                </a:solidFill>
-                <a:miter lim="800000"/>
-                <a:headEnd/>
-                <a:tailEnd/>
-              </a14:hiddenLine>
-            </a:ext>
-          </a:extLst>
-        </p:spPr>
-      </p:pic>
-    </p:spTree>
-  </p:cSld>
-  <p:clrMapOvr>
-    <a:masterClrMapping/>
-  </p:clrMapOvr>
-  <p:timing>
-    <p:tnLst>
-      <p:par>
-        <p:cTn id="1" dur="indefinite" restart="never" nodeType="tmRoot"/>
-      </p:par>
-    </p:tnLst>
-  </p:timing>
-</p:sld>
-</file>
-
-<file path=ppt/slides/slide15.xml><?xml version="1.0" encoding="utf-8"?>
-<p:sld xmlns:a="http://schemas.openxmlformats.org/drawingml/2006/main" xmlns:r="http://schemas.openxmlformats.org/officeDocument/2006/relationships" xmlns:p="http://schemas.openxmlformats.org/presentationml/2006/main">
-  <p:cSld>
-    <p:spTree>
-      <p:nvGrpSpPr>
-        <p:cNvPr id="1" name=""/>
-        <p:cNvGrpSpPr/>
-        <p:nvPr/>
-      </p:nvGrpSpPr>
-      <p:grpSpPr>
-        <a:xfrm>
-          <a:off x="0" y="0"/>
-          <a:ext cx="0" cy="0"/>
-          <a:chOff x="0" y="0"/>
-          <a:chExt cx="0" cy="0"/>
-        </a:xfrm>
-      </p:grpSpPr>
-      <p:sp>
-        <p:nvSpPr>
-          <p:cNvPr id="9218" name="内容占位符 6"/>
-          <p:cNvSpPr>
-            <a:spLocks noGrp="1"/>
-          </p:cNvSpPr>
-          <p:nvPr>
-            <p:ph sz="quarter" idx="11"/>
-          </p:nvPr>
-        </p:nvSpPr>
-        <p:spPr bwMode="auto">
-          <a:xfrm>
-            <a:off x="1090755" y="236484"/>
-            <a:ext cx="8190978" cy="490423"/>
-          </a:xfrm>
-          <a:noFill/>
-          <a:extLst>
-            <a:ext uri="{909E8E84-426E-40DD-AFC4-6F175D3DCCD1}">
-              <a14:hiddenFill xmlns:a14="http://schemas.microsoft.com/office/drawing/2010/main">
-                <a:solidFill>
-                  <a:srgbClr val="FFFFFF"/>
-                </a:solidFill>
-              </a14:hiddenFill>
-            </a:ext>
-            <a:ext uri="{91240B29-F687-4F45-9708-019B960494DF}">
-              <a14:hiddenLine xmlns:a14="http://schemas.microsoft.com/office/drawing/2010/main" w="9525">
-                <a:solidFill>
-                  <a:srgbClr val="000000"/>
-                </a:solidFill>
-                <a:miter lim="800000"/>
-                <a:headEnd/>
-                <a:tailEnd/>
-              </a14:hiddenLine>
-            </a:ext>
-          </a:extLst>
-        </p:spPr>
-        <p:txBody>
-          <a:bodyPr vert="horz" wrap="square" numCol="1" anchor="t" anchorCtr="0" compatLnSpc="1"/>
-          <a:lstStyle/>
-          <a:p>
-            <a:r>
-              <a:rPr lang="zh-CN" altLang="en-US" dirty="0" smtClean="0"/>
-              <a:t>项目文件概览</a:t>
-            </a:r>
-          </a:p>
-        </p:txBody>
-      </p:sp>
-      <p:graphicFrame>
-        <p:nvGraphicFramePr>
-          <p:cNvPr id="4" name="内容占位符 3"/>
-          <p:cNvGraphicFramePr>
-            <a:graphicFrameLocks noGrp="1"/>
-          </p:cNvGraphicFramePr>
-          <p:nvPr>
-            <p:ph sz="quarter" idx="10"/>
-          </p:nvPr>
-        </p:nvGraphicFramePr>
-        <p:xfrm>
-          <a:off x="1053690" y="1477209"/>
-          <a:ext cx="9143604" cy="2744154"/>
-        </p:xfrm>
-        <a:graphic>
-          <a:graphicData uri="http://schemas.openxmlformats.org/drawingml/2006/table">
-            <a:tbl>
-              <a:tblPr firstRow="1" bandRow="1">
-                <a:tableStyleId>{6E25E649-3F16-4E02-A733-19D2CDBF48F0}</a:tableStyleId>
-              </a:tblPr>
-              <a:tblGrid>
-                <a:gridCol w="3313518"/>
-                <a:gridCol w="5830086"/>
-              </a:tblGrid>
-              <a:tr h="457359">
-                <a:tc>
-                  <a:txBody>
-                    <a:bodyPr/>
-                    <a:lstStyle/>
-                    <a:p>
-                      <a:pPr algn="ctr"/>
-                      <a:r>
-                        <a:rPr lang="en-US" altLang="zh-CN" sz="2400" dirty="0">
-                          <a:latin typeface="+mn-ea"/>
-                          <a:ea typeface="+mn-ea"/>
-                        </a:rPr>
-                        <a:t>CSS</a:t>
-                      </a:r>
-                      <a:r>
-                        <a:rPr lang="zh-CN" altLang="en-US" sz="2400" dirty="0">
-                          <a:latin typeface="+mn-ea"/>
-                          <a:ea typeface="+mn-ea"/>
-                        </a:rPr>
-                        <a:t>样式属性名</a:t>
-                      </a:r>
-                    </a:p>
-                  </a:txBody>
-                  <a:tcPr marL="121915" marR="121915" marT="45736" marB="45736"/>
-                </a:tc>
-                <a:tc>
-                  <a:txBody>
-                    <a:bodyPr/>
-                    <a:lstStyle/>
-                    <a:p>
-                      <a:pPr algn="ctr"/>
-                      <a:r>
-                        <a:rPr lang="en-US" altLang="zh-CN" sz="2400" dirty="0">
-                          <a:latin typeface="+mn-ea"/>
-                          <a:ea typeface="+mn-ea"/>
-                        </a:rPr>
-                        <a:t>JavaScript</a:t>
-                      </a:r>
-                      <a:r>
-                        <a:rPr lang="zh-CN" altLang="en-US" sz="2400" dirty="0">
-                          <a:latin typeface="+mn-ea"/>
-                          <a:ea typeface="+mn-ea"/>
-                        </a:rPr>
-                        <a:t>样式属性名</a:t>
-                      </a:r>
-                    </a:p>
-                  </a:txBody>
-                  <a:tcPr marL="121915" marR="121915" marT="45736" marB="45736"/>
-                </a:tc>
-              </a:tr>
-              <a:tr h="457359">
-                <a:tc>
-                  <a:txBody>
-                    <a:bodyPr/>
-                    <a:lstStyle/>
-                    <a:p>
-                      <a:pPr algn="ctr"/>
-                      <a:r>
-                        <a:rPr lang="en-US" altLang="zh-CN" sz="2400" dirty="0">
-                          <a:latin typeface="+mn-ea"/>
-                          <a:ea typeface="+mn-ea"/>
-                        </a:rPr>
-                        <a:t>color</a:t>
-                      </a:r>
-                      <a:endParaRPr lang="zh-CN" altLang="en-US" sz="2400" dirty="0">
-                        <a:latin typeface="+mn-ea"/>
-                        <a:ea typeface="+mn-ea"/>
-                      </a:endParaRPr>
-                    </a:p>
-                  </a:txBody>
-                  <a:tcPr marL="121915" marR="121915" marT="45736" marB="45736"/>
-                </a:tc>
-                <a:tc>
-                  <a:txBody>
-                    <a:bodyPr/>
-                    <a:lstStyle/>
-                    <a:p>
-                      <a:pPr algn="ctr"/>
-                      <a:r>
-                        <a:rPr lang="en-US" altLang="zh-CN" sz="2400" dirty="0" err="1">
-                          <a:latin typeface="+mn-ea"/>
-                          <a:ea typeface="+mn-ea"/>
-                        </a:rPr>
-                        <a:t>style.color</a:t>
-                      </a:r>
-                      <a:endParaRPr lang="zh-CN" altLang="en-US" sz="2400" dirty="0">
-                        <a:latin typeface="+mn-ea"/>
-                        <a:ea typeface="+mn-ea"/>
-                      </a:endParaRPr>
-                    </a:p>
-                  </a:txBody>
-                  <a:tcPr marL="121915" marR="121915" marT="45736" marB="45736"/>
-                </a:tc>
-              </a:tr>
-              <a:tr h="457359">
-                <a:tc>
-                  <a:txBody>
-                    <a:bodyPr/>
-                    <a:lstStyle/>
-                    <a:p>
-                      <a:pPr algn="ctr"/>
-                      <a:r>
-                        <a:rPr lang="en-US" altLang="zh-CN" sz="2400" dirty="0">
-                          <a:latin typeface="+mn-ea"/>
-                          <a:ea typeface="+mn-ea"/>
-                        </a:rPr>
-                        <a:t>font</a:t>
-                      </a:r>
-                      <a:endParaRPr lang="zh-CN" altLang="en-US" sz="2400" dirty="0">
-                        <a:latin typeface="+mn-ea"/>
-                        <a:ea typeface="+mn-ea"/>
-                      </a:endParaRPr>
-                    </a:p>
-                  </a:txBody>
-                  <a:tcPr marL="121915" marR="121915" marT="45736" marB="45736"/>
-                </a:tc>
-                <a:tc>
-                  <a:txBody>
-                    <a:bodyPr/>
-                    <a:lstStyle/>
-                    <a:p>
-                      <a:pPr algn="ctr"/>
-                      <a:r>
-                        <a:rPr lang="en-US" altLang="zh-CN" sz="2400" dirty="0" err="1">
-                          <a:latin typeface="+mn-ea"/>
-                          <a:ea typeface="+mn-ea"/>
-                        </a:rPr>
-                        <a:t>style.font</a:t>
-                      </a:r>
-                      <a:endParaRPr lang="zh-CN" altLang="en-US" sz="2400" dirty="0">
-                        <a:latin typeface="+mn-ea"/>
-                        <a:ea typeface="+mn-ea"/>
-                      </a:endParaRPr>
-                    </a:p>
-                  </a:txBody>
-                  <a:tcPr marL="121915" marR="121915" marT="45736" marB="45736"/>
-                </a:tc>
-              </a:tr>
-              <a:tr h="457359">
-                <a:tc>
-                  <a:txBody>
-                    <a:bodyPr/>
-                    <a:lstStyle/>
-                    <a:p>
-                      <a:pPr algn="ctr"/>
-                      <a:r>
-                        <a:rPr lang="en-US" altLang="zh-CN" sz="2400" dirty="0">
-                          <a:latin typeface="+mn-ea"/>
-                          <a:ea typeface="+mn-ea"/>
-                        </a:rPr>
-                        <a:t>font-family</a:t>
-                      </a:r>
-                      <a:endParaRPr lang="zh-CN" altLang="en-US" sz="2400" dirty="0">
-                        <a:latin typeface="+mn-ea"/>
-                        <a:ea typeface="+mn-ea"/>
-                      </a:endParaRPr>
-                    </a:p>
-                  </a:txBody>
-                  <a:tcPr marL="121915" marR="121915" marT="45736" marB="45736"/>
-                </a:tc>
-                <a:tc>
-                  <a:txBody>
-                    <a:bodyPr/>
-                    <a:lstStyle/>
-                    <a:p>
-                      <a:pPr algn="ctr"/>
-                      <a:r>
-                        <a:rPr lang="en-US" altLang="zh-CN" sz="2400" dirty="0" err="1">
-                          <a:latin typeface="+mn-ea"/>
-                          <a:ea typeface="+mn-ea"/>
-                        </a:rPr>
-                        <a:t>style.fontFamily</a:t>
-                      </a:r>
-                      <a:endParaRPr lang="zh-CN" altLang="en-US" sz="2400" dirty="0">
-                        <a:latin typeface="+mn-ea"/>
-                        <a:ea typeface="+mn-ea"/>
-                      </a:endParaRPr>
-                    </a:p>
-                  </a:txBody>
-                  <a:tcPr marL="121915" marR="121915" marT="45736" marB="45736"/>
-                </a:tc>
-              </a:tr>
-              <a:tr h="457359">
-                <a:tc>
-                  <a:txBody>
-                    <a:bodyPr/>
-                    <a:lstStyle/>
-                    <a:p>
-                      <a:pPr algn="ctr"/>
-                      <a:r>
-                        <a:rPr lang="en-US" altLang="zh-CN" sz="2400" dirty="0">
-                          <a:latin typeface="+mn-ea"/>
-                          <a:ea typeface="+mn-ea"/>
-                        </a:rPr>
-                        <a:t>font-weight</a:t>
-                      </a:r>
-                      <a:endParaRPr lang="zh-CN" altLang="en-US" sz="2400" dirty="0">
-                        <a:latin typeface="+mn-ea"/>
-                        <a:ea typeface="+mn-ea"/>
-                      </a:endParaRPr>
-                    </a:p>
-                  </a:txBody>
-                  <a:tcPr marL="121915" marR="121915" marT="45736" marB="45736"/>
-                </a:tc>
-                <a:tc>
-                  <a:txBody>
-                    <a:bodyPr/>
-                    <a:lstStyle/>
-                    <a:p>
-                      <a:pPr algn="ctr"/>
-                      <a:r>
-                        <a:rPr lang="en-US" altLang="zh-CN" sz="2400" i="0" dirty="0" err="1">
-                          <a:latin typeface="+mn-ea"/>
-                          <a:ea typeface="+mn-ea"/>
-                        </a:rPr>
-                        <a:t>style.fontWeight</a:t>
-                      </a:r>
-                      <a:endParaRPr lang="zh-CN" altLang="en-US" sz="2400" i="0" dirty="0">
-                        <a:latin typeface="+mn-ea"/>
-                        <a:ea typeface="+mn-ea"/>
-                      </a:endParaRPr>
-                    </a:p>
-                  </a:txBody>
-                  <a:tcPr marL="121915" marR="121915" marT="45736" marB="45736"/>
-                </a:tc>
-              </a:tr>
-              <a:tr h="457359">
-                <a:tc>
-                  <a:txBody>
-                    <a:bodyPr/>
-                    <a:lstStyle/>
-                    <a:p>
-                      <a:pPr marL="0" marR="0" indent="0" algn="ctr" defTabSz="914400" rtl="0" eaLnBrk="1" fontAlgn="auto" latinLnBrk="0" hangingPunct="1">
-                        <a:lnSpc>
-                          <a:spcPct val="100000"/>
-                        </a:lnSpc>
-                        <a:spcBef>
-                          <a:spcPts val="0"/>
-                        </a:spcBef>
-                        <a:spcAft>
-                          <a:spcPts val="0"/>
-                        </a:spcAft>
-                        <a:buClrTx/>
-                        <a:buSzTx/>
-                        <a:buFontTx/>
-                        <a:buNone/>
-                        <a:defRPr/>
-                      </a:pPr>
-                      <a:r>
-                        <a:rPr lang="en-US" altLang="zh-CN" sz="2400" dirty="0">
-                          <a:latin typeface="+mn-ea"/>
-                          <a:ea typeface="+mn-ea"/>
-                        </a:rPr>
-                        <a:t>background-color</a:t>
-                      </a:r>
-                    </a:p>
-                  </a:txBody>
-                  <a:tcPr marL="121915" marR="121915" marT="45736" marB="45736"/>
-                </a:tc>
-                <a:tc>
-                  <a:txBody>
-                    <a:bodyPr/>
-                    <a:lstStyle/>
-                    <a:p>
-                      <a:pPr marL="0" marR="0" indent="0" algn="ctr" defTabSz="914400" rtl="0" eaLnBrk="1" fontAlgn="auto" latinLnBrk="0" hangingPunct="1">
-                        <a:lnSpc>
-                          <a:spcPct val="100000"/>
-                        </a:lnSpc>
-                        <a:spcBef>
-                          <a:spcPts val="0"/>
-                        </a:spcBef>
-                        <a:spcAft>
-                          <a:spcPts val="0"/>
-                        </a:spcAft>
-                        <a:buClrTx/>
-                        <a:buSzTx/>
-                        <a:buFontTx/>
-                        <a:buNone/>
-                        <a:defRPr/>
-                      </a:pPr>
-                      <a:r>
-                        <a:rPr lang="en-US" altLang="zh-CN" sz="2400" dirty="0" err="1">
-                          <a:latin typeface="+mn-ea"/>
-                          <a:ea typeface="+mn-ea"/>
-                        </a:rPr>
-                        <a:t>style.backgroundColor</a:t>
-                      </a:r>
-                      <a:endParaRPr lang="zh-CN" altLang="en-US" sz="2400" dirty="0">
-                        <a:latin typeface="+mn-ea"/>
-                        <a:ea typeface="+mn-ea"/>
-                      </a:endParaRPr>
-                    </a:p>
-                  </a:txBody>
-                  <a:tcPr marL="121915" marR="121915" marT="45736" marB="45736"/>
-                </a:tc>
-              </a:tr>
-            </a:tbl>
-          </a:graphicData>
-        </a:graphic>
-      </p:graphicFrame>
-    </p:spTree>
-  </p:cSld>
-  <p:clrMapOvr>
-    <a:masterClrMapping/>
-  </p:clrMapOvr>
-  <p:timing>
-    <p:tnLst>
-      <p:par>
-        <p:cTn id="1" dur="indefinite" restart="never" nodeType="tmRoot"/>
-      </p:par>
-    </p:tnLst>
-  </p:timing>
-</p:sld>
-</file>
-
-<file path=ppt/slides/slide2.xml><?xml version="1.0" encoding="utf-8"?>
-<p:sld xmlns:a="http://schemas.openxmlformats.org/drawingml/2006/main" xmlns:r="http://schemas.openxmlformats.org/officeDocument/2006/relationships" xmlns:p="http://schemas.openxmlformats.org/presentationml/2006/main">
-  <p:cSld>
-    <p:spTree>
-      <p:nvGrpSpPr>
-        <p:cNvPr id="1" name=""/>
-        <p:cNvGrpSpPr/>
-        <p:nvPr/>
-      </p:nvGrpSpPr>
-      <p:grpSpPr>
-        <a:xfrm>
-          <a:off x="0" y="0"/>
-          <a:ext cx="0" cy="0"/>
-          <a:chOff x="0" y="0"/>
-          <a:chExt cx="0" cy="0"/>
-        </a:xfrm>
-      </p:grpSpPr>
-      <p:sp>
-        <p:nvSpPr>
-          <p:cNvPr id="21506" name="矩形 2"/>
-          <p:cNvSpPr>
-            <a:spLocks noChangeArrowheads="1"/>
-          </p:cNvSpPr>
-          <p:nvPr/>
-        </p:nvSpPr>
-        <p:spPr bwMode="auto">
-          <a:xfrm>
-            <a:off x="1053690" y="258763"/>
-            <a:ext cx="3186523" cy="585787"/>
-          </a:xfrm>
-          <a:prstGeom prst="rect">
-            <a:avLst/>
-          </a:prstGeom>
-          <a:noFill/>
-          <a:ln>
-            <a:noFill/>
-          </a:ln>
-          <a:extLst>
-            <a:ext uri="{909E8E84-426E-40DD-AFC4-6F175D3DCCD1}">
-              <a14:hiddenFill xmlns:a14="http://schemas.microsoft.com/office/drawing/2010/main">
-                <a:solidFill>
-                  <a:srgbClr val="FFFFFF"/>
-                </a:solidFill>
-              </a14:hiddenFill>
-            </a:ext>
-            <a:ext uri="{91240B29-F687-4F45-9708-019B960494DF}">
-              <a14:hiddenLine xmlns:a14="http://schemas.microsoft.com/office/drawing/2010/main" w="9525">
-                <a:solidFill>
-                  <a:srgbClr val="000000"/>
-                </a:solidFill>
-                <a:miter lim="800000"/>
-                <a:headEnd/>
-                <a:tailEnd/>
-              </a14:hiddenLine>
-            </a:ext>
-          </a:extLst>
-        </p:spPr>
-        <p:txBody>
-          <a:bodyPr wrap="square">
-            <a:spAutoFit/>
-          </a:bodyPr>
-          <a:lstStyle>
-            <a:lvl1pPr>
-              <a:defRPr sz="3200">
-                <a:solidFill>
-                  <a:schemeClr val="tx1"/>
-                </a:solidFill>
-                <a:latin typeface="Arial" panose="020B0604020202020204" pitchFamily="34" charset="0"/>
-                <a:ea typeface="微软雅黑" panose="020B0503020204020204" pitchFamily="34" charset="-122"/>
-              </a:defRPr>
-            </a:lvl1pPr>
-            <a:lvl2pPr marL="742950" indent="-285750">
-              <a:defRPr sz="3200">
-                <a:solidFill>
-                  <a:schemeClr val="tx1"/>
-                </a:solidFill>
-                <a:latin typeface="Arial" panose="020B0604020202020204" pitchFamily="34" charset="0"/>
-                <a:ea typeface="微软雅黑" panose="020B0503020204020204" pitchFamily="34" charset="-122"/>
-              </a:defRPr>
-            </a:lvl2pPr>
-            <a:lvl3pPr marL="1143000" indent="-228600">
-              <a:defRPr sz="3200">
-                <a:solidFill>
-                  <a:schemeClr val="tx1"/>
-                </a:solidFill>
-                <a:latin typeface="Arial" panose="020B0604020202020204" pitchFamily="34" charset="0"/>
-                <a:ea typeface="微软雅黑" panose="020B0503020204020204" pitchFamily="34" charset="-122"/>
-              </a:defRPr>
-            </a:lvl3pPr>
-            <a:lvl4pPr marL="1600200" indent="-228600">
-              <a:defRPr sz="3200">
-                <a:solidFill>
-                  <a:schemeClr val="tx1"/>
-                </a:solidFill>
-                <a:latin typeface="Arial" panose="020B0604020202020204" pitchFamily="34" charset="0"/>
-                <a:ea typeface="微软雅黑" panose="020B0503020204020204" pitchFamily="34" charset="-122"/>
-              </a:defRPr>
-            </a:lvl4pPr>
-            <a:lvl5pPr marL="2057400" indent="-228600">
-              <a:defRPr sz="3200">
-                <a:solidFill>
-                  <a:schemeClr val="tx1"/>
-                </a:solidFill>
-                <a:latin typeface="Arial" panose="020B0604020202020204" pitchFamily="34" charset="0"/>
-                <a:ea typeface="微软雅黑" panose="020B0503020204020204" pitchFamily="34" charset="-122"/>
-              </a:defRPr>
-            </a:lvl5pPr>
-            <a:lvl6pPr marL="2514600" indent="-228600" eaLnBrk="0" fontAlgn="base" hangingPunct="0">
-              <a:spcBef>
-                <a:spcPct val="0"/>
-              </a:spcBef>
-              <a:spcAft>
-                <a:spcPct val="0"/>
-              </a:spcAft>
-              <a:defRPr sz="3200">
-                <a:solidFill>
-                  <a:schemeClr val="tx1"/>
-                </a:solidFill>
-                <a:latin typeface="Arial" panose="020B0604020202020204" pitchFamily="34" charset="0"/>
-                <a:ea typeface="微软雅黑" panose="020B0503020204020204" pitchFamily="34" charset="-122"/>
-              </a:defRPr>
-            </a:lvl6pPr>
-            <a:lvl7pPr marL="2971800" indent="-228600" eaLnBrk="0" fontAlgn="base" hangingPunct="0">
-              <a:spcBef>
-                <a:spcPct val="0"/>
-              </a:spcBef>
-              <a:spcAft>
-                <a:spcPct val="0"/>
-              </a:spcAft>
-              <a:defRPr sz="3200">
-                <a:solidFill>
-                  <a:schemeClr val="tx1"/>
-                </a:solidFill>
-                <a:latin typeface="Arial" panose="020B0604020202020204" pitchFamily="34" charset="0"/>
-                <a:ea typeface="微软雅黑" panose="020B0503020204020204" pitchFamily="34" charset="-122"/>
-              </a:defRPr>
-            </a:lvl7pPr>
-            <a:lvl8pPr marL="3429000" indent="-228600" eaLnBrk="0" fontAlgn="base" hangingPunct="0">
-              <a:spcBef>
-                <a:spcPct val="0"/>
-              </a:spcBef>
-              <a:spcAft>
-                <a:spcPct val="0"/>
-              </a:spcAft>
-              <a:defRPr sz="3200">
-                <a:solidFill>
-                  <a:schemeClr val="tx1"/>
-                </a:solidFill>
-                <a:latin typeface="Arial" panose="020B0604020202020204" pitchFamily="34" charset="0"/>
-                <a:ea typeface="微软雅黑" panose="020B0503020204020204" pitchFamily="34" charset="-122"/>
-              </a:defRPr>
-            </a:lvl8pPr>
-            <a:lvl9pPr marL="3886200" indent="-228600" eaLnBrk="0" fontAlgn="base" hangingPunct="0">
-              <a:spcBef>
-                <a:spcPct val="0"/>
-              </a:spcBef>
-              <a:spcAft>
-                <a:spcPct val="0"/>
-              </a:spcAft>
-              <a:defRPr sz="3200">
-                <a:solidFill>
-                  <a:schemeClr val="tx1"/>
-                </a:solidFill>
-                <a:latin typeface="Arial" panose="020B0604020202020204" pitchFamily="34" charset="0"/>
-                <a:ea typeface="微软雅黑" panose="020B0503020204020204" pitchFamily="34" charset="-122"/>
-              </a:defRPr>
-            </a:lvl9pPr>
-          </a:lstStyle>
-          <a:p>
-            <a:r>
-              <a:rPr lang="zh-CN" altLang="en-US" dirty="0" smtClean="0">
-                <a:solidFill>
-                  <a:srgbClr val="C00000"/>
-                </a:solidFill>
-                <a:latin typeface="+mj-ea"/>
-                <a:ea typeface="+mj-ea"/>
-              </a:rPr>
-              <a:t>内容提纲</a:t>
-            </a:r>
-            <a:endParaRPr lang="zh-CN" altLang="en-US" dirty="0">
-              <a:solidFill>
-                <a:srgbClr val="C00000"/>
-              </a:solidFill>
-              <a:latin typeface="+mj-ea"/>
-              <a:ea typeface="+mj-ea"/>
-            </a:endParaRPr>
-          </a:p>
-        </p:txBody>
-      </p:sp>
-      <p:sp>
-        <p:nvSpPr>
-          <p:cNvPr id="21507" name="AutoShape 6"/>
-          <p:cNvSpPr>
-            <a:spLocks noChangeArrowheads="1"/>
-          </p:cNvSpPr>
-          <p:nvPr/>
-        </p:nvSpPr>
-        <p:spPr bwMode="auto">
-          <a:xfrm>
-            <a:off x="2309813" y="1428750"/>
-            <a:ext cx="6532562" cy="3943350"/>
-          </a:xfrm>
-          <a:prstGeom prst="roundRect">
-            <a:avLst>
-              <a:gd name="adj" fmla="val 16667"/>
-            </a:avLst>
-          </a:prstGeom>
-          <a:noFill/>
-          <a:ln w="28575">
-            <a:solidFill>
-              <a:srgbClr val="C0C0C0"/>
-            </a:solidFill>
-            <a:prstDash val="sysDot"/>
-            <a:round/>
-          </a:ln>
-          <a:extLst>
-            <a:ext uri="{909E8E84-426E-40DD-AFC4-6F175D3DCCD1}">
-              <a14:hiddenFill xmlns:a14="http://schemas.microsoft.com/office/drawing/2010/main">
-                <a:solidFill>
-                  <a:srgbClr val="FFFFFF"/>
-                </a:solidFill>
-              </a14:hiddenFill>
-            </a:ext>
-          </a:extLst>
-        </p:spPr>
-        <p:txBody>
-          <a:bodyPr wrap="none" anchor="ctr"/>
-          <a:lstStyle>
-            <a:lvl1pPr marL="457200" indent="-457200">
-              <a:defRPr sz="3200">
-                <a:solidFill>
-                  <a:schemeClr val="tx1"/>
-                </a:solidFill>
-                <a:latin typeface="Arial" panose="020B0604020202020204" pitchFamily="34" charset="0"/>
-                <a:ea typeface="微软雅黑" panose="020B0503020204020204" pitchFamily="34" charset="-122"/>
-              </a:defRPr>
-            </a:lvl1pPr>
-            <a:lvl2pPr marL="742950" indent="-285750">
-              <a:defRPr sz="3200">
-                <a:solidFill>
-                  <a:schemeClr val="tx1"/>
-                </a:solidFill>
-                <a:latin typeface="Arial" panose="020B0604020202020204" pitchFamily="34" charset="0"/>
-                <a:ea typeface="微软雅黑" panose="020B0503020204020204" pitchFamily="34" charset="-122"/>
-              </a:defRPr>
-            </a:lvl2pPr>
-            <a:lvl3pPr marL="1143000" indent="-228600">
-              <a:defRPr sz="3200">
-                <a:solidFill>
-                  <a:schemeClr val="tx1"/>
-                </a:solidFill>
-                <a:latin typeface="Arial" panose="020B0604020202020204" pitchFamily="34" charset="0"/>
-                <a:ea typeface="微软雅黑" panose="020B0503020204020204" pitchFamily="34" charset="-122"/>
-              </a:defRPr>
-            </a:lvl3pPr>
-            <a:lvl4pPr marL="1600200" indent="-228600">
-              <a:defRPr sz="3200">
-                <a:solidFill>
-                  <a:schemeClr val="tx1"/>
-                </a:solidFill>
-                <a:latin typeface="Arial" panose="020B0604020202020204" pitchFamily="34" charset="0"/>
-                <a:ea typeface="微软雅黑" panose="020B0503020204020204" pitchFamily="34" charset="-122"/>
-              </a:defRPr>
-            </a:lvl4pPr>
-            <a:lvl5pPr marL="2057400" indent="-228600">
-              <a:defRPr sz="3200">
-                <a:solidFill>
-                  <a:schemeClr val="tx1"/>
-                </a:solidFill>
-                <a:latin typeface="Arial" panose="020B0604020202020204" pitchFamily="34" charset="0"/>
-                <a:ea typeface="微软雅黑" panose="020B0503020204020204" pitchFamily="34" charset="-122"/>
-              </a:defRPr>
-            </a:lvl5pPr>
-            <a:lvl6pPr marL="2514600" indent="-228600" eaLnBrk="0" fontAlgn="base" hangingPunct="0">
-              <a:spcBef>
-                <a:spcPct val="0"/>
-              </a:spcBef>
-              <a:spcAft>
-                <a:spcPct val="0"/>
-              </a:spcAft>
-              <a:defRPr sz="3200">
-                <a:solidFill>
-                  <a:schemeClr val="tx1"/>
-                </a:solidFill>
-                <a:latin typeface="Arial" panose="020B0604020202020204" pitchFamily="34" charset="0"/>
-                <a:ea typeface="微软雅黑" panose="020B0503020204020204" pitchFamily="34" charset="-122"/>
-              </a:defRPr>
-            </a:lvl6pPr>
-            <a:lvl7pPr marL="2971800" indent="-228600" eaLnBrk="0" fontAlgn="base" hangingPunct="0">
-              <a:spcBef>
-                <a:spcPct val="0"/>
-              </a:spcBef>
-              <a:spcAft>
-                <a:spcPct val="0"/>
-              </a:spcAft>
-              <a:defRPr sz="3200">
-                <a:solidFill>
-                  <a:schemeClr val="tx1"/>
-                </a:solidFill>
-                <a:latin typeface="Arial" panose="020B0604020202020204" pitchFamily="34" charset="0"/>
-                <a:ea typeface="微软雅黑" panose="020B0503020204020204" pitchFamily="34" charset="-122"/>
-              </a:defRPr>
-            </a:lvl7pPr>
-            <a:lvl8pPr marL="3429000" indent="-228600" eaLnBrk="0" fontAlgn="base" hangingPunct="0">
-              <a:spcBef>
-                <a:spcPct val="0"/>
-              </a:spcBef>
-              <a:spcAft>
-                <a:spcPct val="0"/>
-              </a:spcAft>
-              <a:defRPr sz="3200">
-                <a:solidFill>
-                  <a:schemeClr val="tx1"/>
-                </a:solidFill>
-                <a:latin typeface="Arial" panose="020B0604020202020204" pitchFamily="34" charset="0"/>
-                <a:ea typeface="微软雅黑" panose="020B0503020204020204" pitchFamily="34" charset="-122"/>
-              </a:defRPr>
-            </a:lvl8pPr>
-            <a:lvl9pPr marL="3886200" indent="-228600" eaLnBrk="0" fontAlgn="base" hangingPunct="0">
-              <a:spcBef>
-                <a:spcPct val="0"/>
-              </a:spcBef>
-              <a:spcAft>
-                <a:spcPct val="0"/>
-              </a:spcAft>
-              <a:defRPr sz="3200">
-                <a:solidFill>
-                  <a:schemeClr val="tx1"/>
-                </a:solidFill>
-                <a:latin typeface="Arial" panose="020B0604020202020204" pitchFamily="34" charset="0"/>
-                <a:ea typeface="微软雅黑" panose="020B0503020204020204" pitchFamily="34" charset="-122"/>
-              </a:defRPr>
-            </a:lvl9pPr>
-          </a:lstStyle>
-          <a:p>
-            <a:pPr>
-              <a:lnSpc>
-                <a:spcPct val="200000"/>
-              </a:lnSpc>
-              <a:buClr>
-                <a:srgbClr val="92D050"/>
-              </a:buClr>
-              <a:buFont typeface="Wingdings" panose="05000000000000000000" pitchFamily="2" charset="2"/>
-              <a:buChar char="Ø"/>
-            </a:pPr>
-            <a:r>
-              <a:rPr lang="en-US" altLang="zh-CN" sz="2800" b="1" dirty="0" smtClean="0">
-                <a:solidFill>
-                  <a:srgbClr val="C00000"/>
-                </a:solidFill>
-                <a:latin typeface="+mj-ea"/>
-                <a:ea typeface="+mj-ea"/>
-              </a:rPr>
-              <a:t>APP</a:t>
-            </a:r>
-            <a:r>
-              <a:rPr lang="zh-CN" altLang="en-US" sz="2800" b="1" dirty="0" smtClean="0">
-                <a:solidFill>
-                  <a:srgbClr val="C00000"/>
-                </a:solidFill>
-                <a:latin typeface="+mj-ea"/>
-                <a:ea typeface="+mj-ea"/>
-              </a:rPr>
-              <a:t>开发模式</a:t>
-            </a:r>
-            <a:endParaRPr lang="en-US" altLang="zh-CN" sz="2800" b="1" dirty="0">
-              <a:solidFill>
-                <a:srgbClr val="C00000"/>
-              </a:solidFill>
-              <a:latin typeface="+mj-ea"/>
-              <a:ea typeface="+mj-ea"/>
-            </a:endParaRPr>
-          </a:p>
-          <a:p>
-            <a:pPr>
-              <a:lnSpc>
-                <a:spcPct val="200000"/>
-              </a:lnSpc>
-              <a:buClr>
-                <a:srgbClr val="92D050"/>
-              </a:buClr>
-              <a:buFont typeface="Wingdings" panose="05000000000000000000" pitchFamily="2" charset="2"/>
-              <a:buChar char="Ø"/>
-            </a:pPr>
-            <a:r>
-              <a:rPr lang="zh-CN" altLang="en-US" sz="2800" b="1" dirty="0" smtClean="0">
-                <a:latin typeface="+mj-ea"/>
-                <a:ea typeface="+mj-ea"/>
-              </a:rPr>
-              <a:t>混合应用概述</a:t>
-            </a:r>
-            <a:endParaRPr lang="en-US" altLang="zh-CN" sz="2800" b="1" dirty="0">
-              <a:latin typeface="+mj-ea"/>
-              <a:ea typeface="+mj-ea"/>
-            </a:endParaRPr>
-          </a:p>
-          <a:p>
-            <a:pPr>
-              <a:lnSpc>
-                <a:spcPct val="200000"/>
-              </a:lnSpc>
-              <a:buClr>
-                <a:srgbClr val="92D050"/>
-              </a:buClr>
-              <a:buFont typeface="Wingdings" panose="05000000000000000000" pitchFamily="2" charset="2"/>
-              <a:buChar char="Ø"/>
-            </a:pPr>
-            <a:r>
-              <a:rPr lang="zh-CN" altLang="en-US" sz="2800" b="1" dirty="0" smtClean="0">
-                <a:latin typeface="+mj-ea"/>
-                <a:ea typeface="+mj-ea"/>
-              </a:rPr>
-              <a:t>混合应用开发框架介绍</a:t>
-            </a:r>
-            <a:endParaRPr lang="en-US" altLang="zh-CN" sz="2800" b="1" dirty="0">
-              <a:latin typeface="+mj-ea"/>
-              <a:ea typeface="+mj-ea"/>
-            </a:endParaRPr>
-          </a:p>
-        </p:txBody>
-      </p:sp>
-    </p:spTree>
-  </p:cSld>
-  <p:clrMapOvr>
-    <a:masterClrMapping/>
-  </p:clrMapOvr>
-  <p:transition/>
-  <p:timing>
-    <p:tnLst>
-      <p:par>
-        <p:cTn id="1" dur="indefinite" restart="never" nodeType="tmRoot"/>
-      </p:par>
-    </p:tnLst>
-  </p:timing>
-</p:sld>
-</file>
-
-<file path=ppt/slides/slide3.xml><?xml version="1.0" encoding="utf-8"?>
-<p:sld xmlns:a="http://schemas.openxmlformats.org/drawingml/2006/main" xmlns:r="http://schemas.openxmlformats.org/officeDocument/2006/relationships" xmlns:p="http://schemas.openxmlformats.org/presentationml/2006/main">
-  <p:cSld>
-    <p:spTree>
-      <p:nvGrpSpPr>
-        <p:cNvPr id="1" name=""/>
-        <p:cNvGrpSpPr/>
-        <p:nvPr/>
-      </p:nvGrpSpPr>
-      <p:grpSpPr>
-        <a:xfrm>
-          <a:off x="0" y="0"/>
-          <a:ext cx="0" cy="0"/>
-          <a:chOff x="0" y="0"/>
-          <a:chExt cx="0" cy="0"/>
-        </a:xfrm>
-      </p:grpSpPr>
-      <p:sp>
-        <p:nvSpPr>
-          <p:cNvPr id="30722" name="内容占位符 3"/>
-          <p:cNvSpPr>
-            <a:spLocks noGrp="1"/>
-          </p:cNvSpPr>
-          <p:nvPr>
-            <p:ph sz="quarter" idx="10"/>
-          </p:nvPr>
-        </p:nvSpPr>
-        <p:spPr bwMode="auto">
-          <a:xfrm>
-            <a:off x="693526" y="907845"/>
-            <a:ext cx="8788025" cy="4321378"/>
-          </a:xfrm>
-          <a:solidFill>
-            <a:schemeClr val="bg1"/>
-          </a:solidFill>
-        </p:spPr>
-        <p:txBody>
-          <a:bodyPr vert="horz" wrap="square" lIns="91440" tIns="45720" rIns="91440" bIns="45720" numCol="1" anchor="t" anchorCtr="0" compatLnSpc="1"/>
-          <a:lstStyle/>
-          <a:p>
-            <a:pPr marL="360045"/>
-            <a:r>
-              <a:rPr lang="zh-CN" altLang="en-US" dirty="0" smtClean="0"/>
-              <a:t> </a:t>
-            </a:r>
-            <a:r>
-              <a:rPr lang="en-US" altLang="zh-CN" dirty="0" smtClean="0"/>
-              <a:t>APP</a:t>
-            </a:r>
-            <a:r>
-              <a:rPr lang="zh-CN" altLang="en-US" dirty="0" smtClean="0"/>
-              <a:t>开发模式</a:t>
-            </a:r>
-            <a:endParaRPr lang="en-US" altLang="zh-CN" dirty="0" smtClean="0"/>
-          </a:p>
-          <a:p>
-            <a:pPr marL="591820" lvl="1"/>
-            <a:r>
-              <a:rPr lang="en-US" altLang="zh-CN" sz="2400" dirty="0" smtClean="0"/>
-              <a:t> Native App</a:t>
-            </a:r>
-          </a:p>
-          <a:p>
-            <a:pPr marL="593090" lvl="2"/>
-            <a:r>
-              <a:rPr lang="zh-CN" altLang="en-US" dirty="0" smtClean="0"/>
-              <a:t> </a:t>
-            </a:r>
-            <a:r>
-              <a:rPr lang="zh-CN" altLang="en-US" sz="2000" dirty="0" smtClean="0"/>
-              <a:t>基于</a:t>
-            </a:r>
-            <a:r>
-              <a:rPr lang="zh-CN" altLang="en-US" sz="2000" dirty="0"/>
-              <a:t>本地（操作系统）运行的</a:t>
-            </a:r>
-            <a:r>
-              <a:rPr lang="en-US" altLang="zh-CN" sz="2000" dirty="0"/>
-              <a:t>APP</a:t>
-            </a:r>
-            <a:endParaRPr lang="en-US" altLang="zh-CN" sz="2000" dirty="0" smtClean="0"/>
-          </a:p>
-          <a:p>
-            <a:pPr marL="591820" lvl="1"/>
-            <a:r>
-              <a:rPr lang="en-US" altLang="zh-CN" sz="2400" dirty="0" smtClean="0"/>
-              <a:t> Web App</a:t>
-            </a:r>
-          </a:p>
-          <a:p>
-            <a:pPr marL="593090" lvl="2"/>
-            <a:r>
-              <a:rPr lang="zh-CN" altLang="en-US" dirty="0" smtClean="0"/>
-              <a:t> </a:t>
-            </a:r>
-            <a:r>
-              <a:rPr lang="zh-CN" altLang="en-US" sz="2000" dirty="0" smtClean="0"/>
-              <a:t>基于</a:t>
-            </a:r>
-            <a:r>
-              <a:rPr lang="zh-CN" altLang="en-US" sz="2000" dirty="0"/>
-              <a:t>高端机的浏览器运行的</a:t>
-            </a:r>
-            <a:r>
-              <a:rPr lang="en-US" altLang="zh-CN" sz="2000" dirty="0" smtClean="0"/>
-              <a:t>APP</a:t>
-            </a:r>
-          </a:p>
-          <a:p>
-            <a:pPr marL="591820" lvl="1"/>
-            <a:r>
-              <a:rPr lang="en-US" altLang="zh-CN" sz="2400" dirty="0" smtClean="0"/>
-              <a:t> Hybrid App</a:t>
-            </a:r>
-          </a:p>
-          <a:p>
-            <a:pPr marL="593090" lvl="2"/>
-            <a:r>
-              <a:rPr lang="zh-CN" altLang="en-US" dirty="0" smtClean="0"/>
-              <a:t> </a:t>
-            </a:r>
-            <a:r>
-              <a:rPr lang="zh-CN" altLang="en-US" sz="2000" dirty="0" smtClean="0"/>
-              <a:t>基于</a:t>
-            </a:r>
-            <a:r>
-              <a:rPr lang="zh-CN" altLang="en-US" sz="2000" dirty="0"/>
-              <a:t>上两种发展出来的产物</a:t>
-            </a:r>
-            <a:endParaRPr lang="en-US" altLang="zh-CN" sz="2000" dirty="0" smtClean="0"/>
-          </a:p>
-          <a:p>
-            <a:pPr marL="360045"/>
-            <a:endParaRPr lang="en-US" altLang="zh-CN" sz="2400" dirty="0" smtClean="0"/>
-          </a:p>
-          <a:p>
-            <a:pPr marL="360045" lvl="1" indent="0">
-              <a:buFont typeface="Arial" panose="020B0604020202020204" pitchFamily="34" charset="0"/>
-              <a:buNone/>
-              <a:defRPr/>
-            </a:pPr>
-            <a:r>
-              <a:rPr lang="en-US" altLang="zh-CN" sz="2400" dirty="0" smtClean="0"/>
-              <a:t>		</a:t>
-            </a:r>
-            <a:endParaRPr lang="zh-CN" altLang="en-US" dirty="0" smtClean="0">
-              <a:ea typeface="宋体" panose="02010600030101010101" pitchFamily="2" charset="-122"/>
-            </a:endParaRPr>
-          </a:p>
-        </p:txBody>
-      </p:sp>
-      <p:sp>
-        <p:nvSpPr>
-          <p:cNvPr id="25603" name="内容占位符 4"/>
-          <p:cNvSpPr>
-            <a:spLocks noGrp="1"/>
-          </p:cNvSpPr>
-          <p:nvPr>
-            <p:ph sz="quarter" idx="11"/>
-          </p:nvPr>
-        </p:nvSpPr>
-        <p:spPr bwMode="auto">
-          <a:xfrm>
-            <a:off x="909638" y="236538"/>
-            <a:ext cx="7575550" cy="490537"/>
-          </a:xfrm>
-          <a:extLst>
-            <a:ext uri="{909E8E84-426E-40DD-AFC4-6F175D3DCCD1}">
-              <a14:hiddenFill xmlns:a14="http://schemas.microsoft.com/office/drawing/2010/main">
-                <a:solidFill>
-                  <a:srgbClr val="FFFFFF"/>
-                </a:solidFill>
-              </a14:hiddenFill>
-            </a:ext>
-            <a:ext uri="{91240B29-F687-4F45-9708-019B960494DF}">
-              <a14:hiddenLine xmlns:a14="http://schemas.microsoft.com/office/drawing/2010/main" w="9525">
-                <a:solidFill>
-                  <a:srgbClr val="000000"/>
-                </a:solidFill>
-                <a:miter lim="800000"/>
-                <a:headEnd/>
-                <a:tailEnd/>
-              </a14:hiddenLine>
-            </a:ext>
-          </a:extLst>
-        </p:spPr>
-        <p:txBody>
-          <a:bodyPr vert="horz" wrap="square" lIns="91440" tIns="45720" rIns="91440" bIns="45720" numCol="1" anchor="t" anchorCtr="0" compatLnSpc="1"/>
-          <a:lstStyle/>
-          <a:p>
-            <a:pPr>
-              <a:defRPr/>
-            </a:pPr>
-            <a:r>
-              <a:rPr lang="en-US" altLang="zh-CN" dirty="0" smtClean="0">
-                <a:latin typeface="+mn-ea"/>
-                <a:ea typeface="+mn-ea"/>
-              </a:rPr>
-              <a:t>APP</a:t>
-            </a:r>
-            <a:r>
-              <a:rPr lang="zh-CN" altLang="en-US" dirty="0" smtClean="0">
-                <a:latin typeface="+mn-ea"/>
-                <a:ea typeface="+mn-ea"/>
-              </a:rPr>
-              <a:t>开发模式</a:t>
-            </a:r>
-          </a:p>
-        </p:txBody>
-      </p:sp>
-    </p:spTree>
-  </p:cSld>
-  <p:clrMapOvr>
-    <a:masterClrMapping/>
-  </p:clrMapOvr>
-  <p:timing>
-    <p:tnLst>
-      <p:par>
-        <p:cTn id="1" dur="indefinite" restart="never" nodeType="tmRoot"/>
-      </p:par>
-    </p:tnLst>
-  </p:timing>
-</p:sld>
-</file>
-
-<file path=ppt/slides/slide4.xml><?xml version="1.0" encoding="utf-8"?>
-<p:sld xmlns:a="http://schemas.openxmlformats.org/drawingml/2006/main" xmlns:r="http://schemas.openxmlformats.org/officeDocument/2006/relationships" xmlns:p="http://schemas.openxmlformats.org/presentationml/2006/main">
-  <p:cSld>
-    <p:spTree>
-      <p:nvGrpSpPr>
-        <p:cNvPr id="1" name=""/>
-        <p:cNvGrpSpPr/>
-        <p:nvPr/>
-      </p:nvGrpSpPr>
-      <p:grpSpPr>
-        <a:xfrm>
-          <a:off x="0" y="0"/>
-          <a:ext cx="0" cy="0"/>
-          <a:chOff x="0" y="0"/>
-          <a:chExt cx="0" cy="0"/>
-        </a:xfrm>
-      </p:grpSpPr>
-      <p:sp>
-        <p:nvSpPr>
-          <p:cNvPr id="30722" name="内容占位符 3"/>
-          <p:cNvSpPr>
-            <a:spLocks noGrp="1"/>
-          </p:cNvSpPr>
-          <p:nvPr>
-            <p:ph sz="quarter" idx="10"/>
-          </p:nvPr>
-        </p:nvSpPr>
-        <p:spPr bwMode="auto">
-          <a:xfrm>
-            <a:off x="693526" y="907845"/>
-            <a:ext cx="10157038" cy="4538079"/>
-          </a:xfrm>
-          <a:solidFill>
-            <a:schemeClr val="bg1"/>
-          </a:solidFill>
-        </p:spPr>
-        <p:txBody>
-          <a:bodyPr vert="horz" wrap="square" lIns="91440" tIns="45720" rIns="91440" bIns="45720" numCol="1" anchor="t" anchorCtr="0" compatLnSpc="1"/>
-          <a:lstStyle/>
-          <a:p>
-            <a:pPr marL="360045"/>
-            <a:r>
-              <a:rPr lang="zh-CN" altLang="en-US" dirty="0" smtClean="0"/>
-              <a:t> </a:t>
-            </a:r>
-            <a:r>
-              <a:rPr lang="en-US" altLang="zh-CN" dirty="0"/>
-              <a:t>Native App</a:t>
-            </a:r>
-            <a:endParaRPr lang="en-US" altLang="zh-CN" sz="2400" dirty="0" smtClean="0"/>
-          </a:p>
-          <a:p>
-            <a:pPr marL="591820" lvl="1"/>
-            <a:r>
-              <a:rPr lang="zh-CN" altLang="en-US" sz="2400" dirty="0" smtClean="0"/>
-              <a:t> 优点：</a:t>
-            </a:r>
-            <a:r>
-              <a:rPr lang="zh-CN" altLang="en-US" sz="2400" dirty="0"/>
-              <a:t>速度快，性能高，用户体验效果好</a:t>
-            </a:r>
-            <a:endParaRPr lang="en-US" altLang="zh-CN" sz="2400" dirty="0" smtClean="0"/>
-          </a:p>
-          <a:p>
-            <a:pPr marL="591820" lvl="1"/>
-            <a:r>
-              <a:rPr lang="zh-CN" altLang="en-US" sz="2400" dirty="0" smtClean="0"/>
-              <a:t> 缺点：无法跨平台，开发</a:t>
-            </a:r>
-            <a:r>
-              <a:rPr lang="zh-CN" altLang="en-US" sz="2400" dirty="0"/>
-              <a:t>成本高，更新</a:t>
-            </a:r>
-            <a:r>
-              <a:rPr lang="zh-CN" altLang="en-US" sz="2400" dirty="0" smtClean="0"/>
-              <a:t>麻烦</a:t>
-            </a:r>
-            <a:endParaRPr lang="en-US" altLang="zh-CN" sz="3200" dirty="0">
-              <a:solidFill>
-                <a:srgbClr val="FF0000"/>
-              </a:solidFill>
-            </a:endParaRPr>
-          </a:p>
-          <a:p>
-            <a:pPr marL="360045"/>
-            <a:r>
-              <a:rPr lang="en-US" altLang="zh-CN" dirty="0"/>
-              <a:t> </a:t>
-            </a:r>
-            <a:r>
-              <a:rPr lang="en-US" altLang="zh-CN" dirty="0" smtClean="0"/>
-              <a:t>Web App</a:t>
-            </a:r>
-          </a:p>
-          <a:p>
-            <a:pPr marL="591820" lvl="1"/>
-            <a:r>
-              <a:rPr lang="zh-CN" altLang="en-US" sz="2400" dirty="0" smtClean="0"/>
-              <a:t> 优点：跨平台，开发周期短，开发成本低，更新较简单，维护较</a:t>
-            </a:r>
-            <a:r>
-              <a:rPr lang="zh-CN" altLang="en-US" sz="2400" dirty="0"/>
-              <a:t>轻松</a:t>
-            </a:r>
-            <a:endParaRPr lang="en-US" altLang="zh-CN" sz="2400" dirty="0" smtClean="0"/>
-          </a:p>
-          <a:p>
-            <a:pPr marL="591820" lvl="1"/>
-            <a:r>
-              <a:rPr lang="zh-CN" altLang="en-US" sz="2400" dirty="0" smtClean="0"/>
-              <a:t> 缺点：用户体验不佳 </a:t>
-            </a:r>
-            <a:endParaRPr lang="en-US" altLang="zh-CN" sz="2400" dirty="0"/>
-          </a:p>
-          <a:p>
-            <a:pPr marL="360045"/>
-            <a:r>
-              <a:rPr lang="en-US" altLang="zh-CN" dirty="0" smtClean="0"/>
-              <a:t> Hybrid App</a:t>
-            </a:r>
-          </a:p>
-          <a:p>
-            <a:pPr marL="591820" lvl="1"/>
-            <a:r>
-              <a:rPr lang="zh-CN" altLang="en-US" sz="2400" dirty="0" smtClean="0"/>
-              <a:t> 结合</a:t>
-            </a:r>
-            <a:r>
-              <a:rPr lang="zh-CN" altLang="en-US" sz="2400" dirty="0"/>
-              <a:t>原生用户体验效果好</a:t>
-            </a:r>
-            <a:r>
-              <a:rPr lang="zh-CN" altLang="en-US" sz="2400" dirty="0" smtClean="0"/>
-              <a:t>和</a:t>
-            </a:r>
-            <a:r>
-              <a:rPr lang="en-US" altLang="zh-CN" sz="2400" dirty="0" smtClean="0"/>
-              <a:t>Web App</a:t>
-            </a:r>
-            <a:r>
-              <a:rPr lang="zh-CN" altLang="en-US" sz="2400" dirty="0" smtClean="0"/>
-              <a:t>的</a:t>
-            </a:r>
-            <a:r>
-              <a:rPr lang="zh-CN" altLang="en-US" sz="2400" dirty="0"/>
-              <a:t>跨</a:t>
-            </a:r>
-            <a:r>
-              <a:rPr lang="zh-CN" altLang="en-US" sz="2400" dirty="0" smtClean="0"/>
-              <a:t>平台开发的</a:t>
-            </a:r>
-            <a:r>
-              <a:rPr lang="zh-CN" altLang="en-US" sz="2400" dirty="0"/>
-              <a:t>优势</a:t>
-            </a:r>
-            <a:endParaRPr lang="en-US" altLang="zh-CN" sz="2400" dirty="0"/>
-          </a:p>
-        </p:txBody>
-      </p:sp>
-      <p:sp>
-        <p:nvSpPr>
-          <p:cNvPr id="25603" name="内容占位符 4"/>
-          <p:cNvSpPr>
-            <a:spLocks noGrp="1"/>
-          </p:cNvSpPr>
-          <p:nvPr>
-            <p:ph sz="quarter" idx="11"/>
-          </p:nvPr>
-        </p:nvSpPr>
-        <p:spPr bwMode="auto">
-          <a:xfrm>
-            <a:off x="909638" y="236538"/>
-            <a:ext cx="7575550" cy="490537"/>
-          </a:xfrm>
-          <a:extLst>
-            <a:ext uri="{909E8E84-426E-40DD-AFC4-6F175D3DCCD1}">
-              <a14:hiddenFill xmlns:a14="http://schemas.microsoft.com/office/drawing/2010/main">
-                <a:solidFill>
-                  <a:srgbClr val="FFFFFF"/>
-                </a:solidFill>
-              </a14:hiddenFill>
-            </a:ext>
-            <a:ext uri="{91240B29-F687-4F45-9708-019B960494DF}">
-              <a14:hiddenLine xmlns:a14="http://schemas.microsoft.com/office/drawing/2010/main" w="9525">
-                <a:solidFill>
-                  <a:srgbClr val="000000"/>
-                </a:solidFill>
-                <a:miter lim="800000"/>
-                <a:headEnd/>
-                <a:tailEnd/>
-              </a14:hiddenLine>
-            </a:ext>
-          </a:extLst>
-        </p:spPr>
-        <p:txBody>
-          <a:bodyPr vert="horz" wrap="square" lIns="91440" tIns="45720" rIns="91440" bIns="45720" numCol="1" anchor="t" anchorCtr="0" compatLnSpc="1"/>
-          <a:lstStyle/>
-          <a:p>
-            <a:pPr>
-              <a:defRPr/>
-            </a:pPr>
-            <a:r>
-              <a:rPr lang="en-US" altLang="zh-CN" dirty="0" smtClean="0">
-                <a:latin typeface="+mn-ea"/>
-                <a:ea typeface="+mn-ea"/>
-              </a:rPr>
-              <a:t>APP</a:t>
-            </a:r>
-            <a:r>
-              <a:rPr lang="zh-CN" altLang="en-US" dirty="0" smtClean="0">
-                <a:latin typeface="+mn-ea"/>
-                <a:ea typeface="+mn-ea"/>
-              </a:rPr>
-              <a:t>开发模式</a:t>
-            </a:r>
-          </a:p>
-        </p:txBody>
-      </p:sp>
-    </p:spTree>
-  </p:cSld>
-  <p:clrMapOvr>
-    <a:masterClrMapping/>
-  </p:clrMapOvr>
-  <p:timing>
-    <p:tnLst>
-      <p:par>
-        <p:cTn id="1" dur="indefinite" restart="never" nodeType="tmRoot"/>
-      </p:par>
-    </p:tnLst>
-  </p:timing>
-</p:sld>
-</file>
-
-<file path=ppt/slides/slide5.xml><?xml version="1.0" encoding="utf-8"?>
-<p:sld xmlns:a="http://schemas.openxmlformats.org/drawingml/2006/main" xmlns:r="http://schemas.openxmlformats.org/officeDocument/2006/relationships" xmlns:p="http://schemas.openxmlformats.org/presentationml/2006/main">
-  <p:cSld>
-    <p:spTree>
-      <p:nvGrpSpPr>
-        <p:cNvPr id="1" name=""/>
-        <p:cNvGrpSpPr/>
-        <p:nvPr/>
-      </p:nvGrpSpPr>
-      <p:grpSpPr>
-        <a:xfrm>
-          <a:off x="0" y="0"/>
-          <a:ext cx="0" cy="0"/>
-          <a:chOff x="0" y="0"/>
-          <a:chExt cx="0" cy="0"/>
-        </a:xfrm>
-      </p:grpSpPr>
-      <p:sp>
-        <p:nvSpPr>
-          <p:cNvPr id="21506" name="矩形 2"/>
-          <p:cNvSpPr>
-            <a:spLocks noChangeArrowheads="1"/>
-          </p:cNvSpPr>
-          <p:nvPr/>
-        </p:nvSpPr>
-        <p:spPr bwMode="auto">
-          <a:xfrm>
-            <a:off x="1053690" y="258763"/>
-            <a:ext cx="3186523" cy="585787"/>
-          </a:xfrm>
-          <a:prstGeom prst="rect">
-            <a:avLst/>
-          </a:prstGeom>
-          <a:noFill/>
-          <a:ln>
-            <a:noFill/>
-          </a:ln>
-          <a:extLst>
-            <a:ext uri="{909E8E84-426E-40DD-AFC4-6F175D3DCCD1}">
-              <a14:hiddenFill xmlns:a14="http://schemas.microsoft.com/office/drawing/2010/main">
-                <a:solidFill>
-                  <a:srgbClr val="FFFFFF"/>
-                </a:solidFill>
-              </a14:hiddenFill>
-            </a:ext>
-            <a:ext uri="{91240B29-F687-4F45-9708-019B960494DF}">
-              <a14:hiddenLine xmlns:a14="http://schemas.microsoft.com/office/drawing/2010/main" w="9525">
-                <a:solidFill>
-                  <a:srgbClr val="000000"/>
-                </a:solidFill>
-                <a:miter lim="800000"/>
-                <a:headEnd/>
-                <a:tailEnd/>
-              </a14:hiddenLine>
-            </a:ext>
-          </a:extLst>
-        </p:spPr>
-        <p:txBody>
-          <a:bodyPr wrap="square">
-            <a:spAutoFit/>
-          </a:bodyPr>
-          <a:lstStyle>
-            <a:lvl1pPr>
-              <a:defRPr sz="3200">
-                <a:solidFill>
-                  <a:schemeClr val="tx1"/>
-                </a:solidFill>
-                <a:latin typeface="Arial" panose="020B0604020202020204" pitchFamily="34" charset="0"/>
-                <a:ea typeface="微软雅黑" panose="020B0503020204020204" pitchFamily="34" charset="-122"/>
-              </a:defRPr>
-            </a:lvl1pPr>
-            <a:lvl2pPr marL="742950" indent="-285750">
-              <a:defRPr sz="3200">
-                <a:solidFill>
-                  <a:schemeClr val="tx1"/>
-                </a:solidFill>
-                <a:latin typeface="Arial" panose="020B0604020202020204" pitchFamily="34" charset="0"/>
-                <a:ea typeface="微软雅黑" panose="020B0503020204020204" pitchFamily="34" charset="-122"/>
-              </a:defRPr>
-            </a:lvl2pPr>
-            <a:lvl3pPr marL="1143000" indent="-228600">
-              <a:defRPr sz="3200">
-                <a:solidFill>
-                  <a:schemeClr val="tx1"/>
-                </a:solidFill>
-                <a:latin typeface="Arial" panose="020B0604020202020204" pitchFamily="34" charset="0"/>
-                <a:ea typeface="微软雅黑" panose="020B0503020204020204" pitchFamily="34" charset="-122"/>
-              </a:defRPr>
-            </a:lvl3pPr>
-            <a:lvl4pPr marL="1600200" indent="-228600">
-              <a:defRPr sz="3200">
-                <a:solidFill>
-                  <a:schemeClr val="tx1"/>
-                </a:solidFill>
-                <a:latin typeface="Arial" panose="020B0604020202020204" pitchFamily="34" charset="0"/>
-                <a:ea typeface="微软雅黑" panose="020B0503020204020204" pitchFamily="34" charset="-122"/>
-              </a:defRPr>
-            </a:lvl4pPr>
-            <a:lvl5pPr marL="2057400" indent="-228600">
-              <a:defRPr sz="3200">
-                <a:solidFill>
-                  <a:schemeClr val="tx1"/>
-                </a:solidFill>
-                <a:latin typeface="Arial" panose="020B0604020202020204" pitchFamily="34" charset="0"/>
-                <a:ea typeface="微软雅黑" panose="020B0503020204020204" pitchFamily="34" charset="-122"/>
-              </a:defRPr>
-            </a:lvl5pPr>
-            <a:lvl6pPr marL="2514600" indent="-228600" eaLnBrk="0" fontAlgn="base" hangingPunct="0">
-              <a:spcBef>
-                <a:spcPct val="0"/>
-              </a:spcBef>
-              <a:spcAft>
-                <a:spcPct val="0"/>
-              </a:spcAft>
-              <a:defRPr sz="3200">
-                <a:solidFill>
-                  <a:schemeClr val="tx1"/>
-                </a:solidFill>
-                <a:latin typeface="Arial" panose="020B0604020202020204" pitchFamily="34" charset="0"/>
-                <a:ea typeface="微软雅黑" panose="020B0503020204020204" pitchFamily="34" charset="-122"/>
-              </a:defRPr>
-            </a:lvl6pPr>
-            <a:lvl7pPr marL="2971800" indent="-228600" eaLnBrk="0" fontAlgn="base" hangingPunct="0">
-              <a:spcBef>
-                <a:spcPct val="0"/>
-              </a:spcBef>
-              <a:spcAft>
-                <a:spcPct val="0"/>
-              </a:spcAft>
-              <a:defRPr sz="3200">
-                <a:solidFill>
-                  <a:schemeClr val="tx1"/>
-                </a:solidFill>
-                <a:latin typeface="Arial" panose="020B0604020202020204" pitchFamily="34" charset="0"/>
-                <a:ea typeface="微软雅黑" panose="020B0503020204020204" pitchFamily="34" charset="-122"/>
-              </a:defRPr>
-            </a:lvl7pPr>
-            <a:lvl8pPr marL="3429000" indent="-228600" eaLnBrk="0" fontAlgn="base" hangingPunct="0">
-              <a:spcBef>
-                <a:spcPct val="0"/>
-              </a:spcBef>
-              <a:spcAft>
-                <a:spcPct val="0"/>
-              </a:spcAft>
-              <a:defRPr sz="3200">
-                <a:solidFill>
-                  <a:schemeClr val="tx1"/>
-                </a:solidFill>
-                <a:latin typeface="Arial" panose="020B0604020202020204" pitchFamily="34" charset="0"/>
-                <a:ea typeface="微软雅黑" panose="020B0503020204020204" pitchFamily="34" charset="-122"/>
-              </a:defRPr>
-            </a:lvl8pPr>
-            <a:lvl9pPr marL="3886200" indent="-228600" eaLnBrk="0" fontAlgn="base" hangingPunct="0">
-              <a:spcBef>
-                <a:spcPct val="0"/>
-              </a:spcBef>
-              <a:spcAft>
-                <a:spcPct val="0"/>
-              </a:spcAft>
-              <a:defRPr sz="3200">
-                <a:solidFill>
-                  <a:schemeClr val="tx1"/>
-                </a:solidFill>
-                <a:latin typeface="Arial" panose="020B0604020202020204" pitchFamily="34" charset="0"/>
-                <a:ea typeface="微软雅黑" panose="020B0503020204020204" pitchFamily="34" charset="-122"/>
-              </a:defRPr>
-            </a:lvl9pPr>
-          </a:lstStyle>
-          <a:p>
-            <a:r>
-              <a:rPr lang="zh-CN" altLang="en-US" dirty="0" smtClean="0">
-                <a:solidFill>
-                  <a:srgbClr val="C00000"/>
-                </a:solidFill>
-                <a:latin typeface="+mj-ea"/>
-                <a:ea typeface="+mj-ea"/>
-              </a:rPr>
-              <a:t>内容提纲</a:t>
-            </a:r>
-            <a:endParaRPr lang="zh-CN" altLang="en-US" dirty="0">
-              <a:solidFill>
-                <a:srgbClr val="C00000"/>
-              </a:solidFill>
-              <a:latin typeface="+mj-ea"/>
-              <a:ea typeface="+mj-ea"/>
-            </a:endParaRPr>
-          </a:p>
-        </p:txBody>
-      </p:sp>
-      <p:sp>
-        <p:nvSpPr>
-          <p:cNvPr id="21507" name="AutoShape 6"/>
-          <p:cNvSpPr>
-            <a:spLocks noChangeArrowheads="1"/>
-          </p:cNvSpPr>
-          <p:nvPr/>
-        </p:nvSpPr>
-        <p:spPr bwMode="auto">
-          <a:xfrm>
-            <a:off x="2309813" y="1428750"/>
-            <a:ext cx="6532562" cy="3943350"/>
-          </a:xfrm>
-          <a:prstGeom prst="roundRect">
-            <a:avLst>
-              <a:gd name="adj" fmla="val 16667"/>
-            </a:avLst>
-          </a:prstGeom>
-          <a:noFill/>
-          <a:ln w="28575">
-            <a:solidFill>
-              <a:srgbClr val="C0C0C0"/>
-            </a:solidFill>
-            <a:prstDash val="sysDot"/>
-            <a:round/>
-          </a:ln>
-          <a:extLst>
-            <a:ext uri="{909E8E84-426E-40DD-AFC4-6F175D3DCCD1}">
-              <a14:hiddenFill xmlns:a14="http://schemas.microsoft.com/office/drawing/2010/main">
-                <a:solidFill>
-                  <a:srgbClr val="FFFFFF"/>
-                </a:solidFill>
-              </a14:hiddenFill>
-            </a:ext>
-          </a:extLst>
-        </p:spPr>
-        <p:txBody>
-          <a:bodyPr wrap="none" anchor="ctr"/>
-          <a:lstStyle>
-            <a:lvl1pPr marL="457200" indent="-457200">
-              <a:defRPr sz="3200">
-                <a:solidFill>
-                  <a:schemeClr val="tx1"/>
-                </a:solidFill>
-                <a:latin typeface="Arial" panose="020B0604020202020204" pitchFamily="34" charset="0"/>
-                <a:ea typeface="微软雅黑" panose="020B0503020204020204" pitchFamily="34" charset="-122"/>
-              </a:defRPr>
-            </a:lvl1pPr>
-            <a:lvl2pPr marL="742950" indent="-285750">
-              <a:defRPr sz="3200">
-                <a:solidFill>
-                  <a:schemeClr val="tx1"/>
-                </a:solidFill>
-                <a:latin typeface="Arial" panose="020B0604020202020204" pitchFamily="34" charset="0"/>
-                <a:ea typeface="微软雅黑" panose="020B0503020204020204" pitchFamily="34" charset="-122"/>
-              </a:defRPr>
-            </a:lvl2pPr>
-            <a:lvl3pPr marL="1143000" indent="-228600">
-              <a:defRPr sz="3200">
-                <a:solidFill>
-                  <a:schemeClr val="tx1"/>
-                </a:solidFill>
-                <a:latin typeface="Arial" panose="020B0604020202020204" pitchFamily="34" charset="0"/>
-                <a:ea typeface="微软雅黑" panose="020B0503020204020204" pitchFamily="34" charset="-122"/>
-              </a:defRPr>
-            </a:lvl3pPr>
-            <a:lvl4pPr marL="1600200" indent="-228600">
-              <a:defRPr sz="3200">
-                <a:solidFill>
-                  <a:schemeClr val="tx1"/>
-                </a:solidFill>
-                <a:latin typeface="Arial" panose="020B0604020202020204" pitchFamily="34" charset="0"/>
-                <a:ea typeface="微软雅黑" panose="020B0503020204020204" pitchFamily="34" charset="-122"/>
-              </a:defRPr>
-            </a:lvl4pPr>
-            <a:lvl5pPr marL="2057400" indent="-228600">
-              <a:defRPr sz="3200">
-                <a:solidFill>
-                  <a:schemeClr val="tx1"/>
-                </a:solidFill>
-                <a:latin typeface="Arial" panose="020B0604020202020204" pitchFamily="34" charset="0"/>
-                <a:ea typeface="微软雅黑" panose="020B0503020204020204" pitchFamily="34" charset="-122"/>
-              </a:defRPr>
-            </a:lvl5pPr>
-            <a:lvl6pPr marL="2514600" indent="-228600" eaLnBrk="0" fontAlgn="base" hangingPunct="0">
-              <a:spcBef>
-                <a:spcPct val="0"/>
-              </a:spcBef>
-              <a:spcAft>
-                <a:spcPct val="0"/>
-              </a:spcAft>
-              <a:defRPr sz="3200">
-                <a:solidFill>
-                  <a:schemeClr val="tx1"/>
-                </a:solidFill>
-                <a:latin typeface="Arial" panose="020B0604020202020204" pitchFamily="34" charset="0"/>
-                <a:ea typeface="微软雅黑" panose="020B0503020204020204" pitchFamily="34" charset="-122"/>
-              </a:defRPr>
-            </a:lvl6pPr>
-            <a:lvl7pPr marL="2971800" indent="-228600" eaLnBrk="0" fontAlgn="base" hangingPunct="0">
-              <a:spcBef>
-                <a:spcPct val="0"/>
-              </a:spcBef>
-              <a:spcAft>
-                <a:spcPct val="0"/>
-              </a:spcAft>
-              <a:defRPr sz="3200">
-                <a:solidFill>
-                  <a:schemeClr val="tx1"/>
-                </a:solidFill>
-                <a:latin typeface="Arial" panose="020B0604020202020204" pitchFamily="34" charset="0"/>
-                <a:ea typeface="微软雅黑" panose="020B0503020204020204" pitchFamily="34" charset="-122"/>
-              </a:defRPr>
-            </a:lvl7pPr>
-            <a:lvl8pPr marL="3429000" indent="-228600" eaLnBrk="0" fontAlgn="base" hangingPunct="0">
-              <a:spcBef>
-                <a:spcPct val="0"/>
-              </a:spcBef>
-              <a:spcAft>
-                <a:spcPct val="0"/>
-              </a:spcAft>
-              <a:defRPr sz="3200">
-                <a:solidFill>
-                  <a:schemeClr val="tx1"/>
-                </a:solidFill>
-                <a:latin typeface="Arial" panose="020B0604020202020204" pitchFamily="34" charset="0"/>
-                <a:ea typeface="微软雅黑" panose="020B0503020204020204" pitchFamily="34" charset="-122"/>
-              </a:defRPr>
-            </a:lvl8pPr>
-            <a:lvl9pPr marL="3886200" indent="-228600" eaLnBrk="0" fontAlgn="base" hangingPunct="0">
-              <a:spcBef>
-                <a:spcPct val="0"/>
-              </a:spcBef>
-              <a:spcAft>
-                <a:spcPct val="0"/>
-              </a:spcAft>
-              <a:defRPr sz="3200">
-                <a:solidFill>
-                  <a:schemeClr val="tx1"/>
-                </a:solidFill>
-                <a:latin typeface="Arial" panose="020B0604020202020204" pitchFamily="34" charset="0"/>
-                <a:ea typeface="微软雅黑" panose="020B0503020204020204" pitchFamily="34" charset="-122"/>
-              </a:defRPr>
-            </a:lvl9pPr>
-          </a:lstStyle>
-          <a:p>
-            <a:pPr>
-              <a:lnSpc>
-                <a:spcPct val="200000"/>
-              </a:lnSpc>
-              <a:buClr>
-                <a:srgbClr val="92D050"/>
-              </a:buClr>
-              <a:buFont typeface="Wingdings" panose="05000000000000000000" pitchFamily="2" charset="2"/>
-              <a:buChar char="Ø"/>
-            </a:pPr>
-            <a:r>
-              <a:rPr lang="en-US" altLang="zh-CN" sz="2800" b="1" dirty="0">
-                <a:latin typeface="+mj-ea"/>
-                <a:ea typeface="+mj-ea"/>
-              </a:rPr>
-              <a:t>APP</a:t>
-            </a:r>
-            <a:r>
-              <a:rPr lang="zh-CN" altLang="en-US" sz="2800" b="1" dirty="0">
-                <a:latin typeface="+mj-ea"/>
-                <a:ea typeface="+mj-ea"/>
-              </a:rPr>
-              <a:t>开发模式</a:t>
-            </a:r>
-            <a:endParaRPr lang="en-US" altLang="zh-CN" sz="2800" b="1" dirty="0">
-              <a:latin typeface="+mj-ea"/>
-              <a:ea typeface="+mj-ea"/>
-            </a:endParaRPr>
-          </a:p>
-          <a:p>
-            <a:pPr>
-              <a:lnSpc>
-                <a:spcPct val="200000"/>
-              </a:lnSpc>
-              <a:buClr>
-                <a:srgbClr val="92D050"/>
-              </a:buClr>
-              <a:buFont typeface="Wingdings" panose="05000000000000000000" pitchFamily="2" charset="2"/>
-              <a:buChar char="Ø"/>
-            </a:pPr>
-            <a:r>
-              <a:rPr lang="zh-CN" altLang="en-US" sz="2800" b="1" dirty="0">
-                <a:solidFill>
-                  <a:srgbClr val="C00000"/>
-                </a:solidFill>
-                <a:latin typeface="+mj-ea"/>
-                <a:ea typeface="+mj-ea"/>
-              </a:rPr>
-              <a:t>混合</a:t>
-            </a:r>
-            <a:r>
-              <a:rPr lang="zh-CN" altLang="en-US" sz="2800" b="1" dirty="0" smtClean="0">
-                <a:solidFill>
-                  <a:srgbClr val="C00000"/>
-                </a:solidFill>
-                <a:latin typeface="+mj-ea"/>
-                <a:ea typeface="+mj-ea"/>
-              </a:rPr>
-              <a:t>应用概述</a:t>
-            </a:r>
-            <a:endParaRPr lang="en-US" altLang="zh-CN" sz="2800" b="1" dirty="0">
-              <a:solidFill>
-                <a:srgbClr val="C00000"/>
-              </a:solidFill>
-              <a:latin typeface="+mj-ea"/>
-              <a:ea typeface="+mj-ea"/>
-            </a:endParaRPr>
-          </a:p>
-          <a:p>
-            <a:pPr>
-              <a:lnSpc>
-                <a:spcPct val="200000"/>
-              </a:lnSpc>
-              <a:buClr>
-                <a:srgbClr val="92D050"/>
-              </a:buClr>
-              <a:buFont typeface="Wingdings" panose="05000000000000000000" pitchFamily="2" charset="2"/>
-              <a:buChar char="Ø"/>
-            </a:pPr>
-            <a:r>
-              <a:rPr lang="zh-CN" altLang="en-US" sz="2800" b="1" dirty="0" smtClean="0">
-                <a:latin typeface="+mj-ea"/>
-                <a:ea typeface="+mj-ea"/>
-              </a:rPr>
-              <a:t>混合应用开发框架介绍</a:t>
-            </a:r>
-            <a:endParaRPr lang="en-US" altLang="zh-CN" sz="2800" b="1" dirty="0">
-              <a:latin typeface="+mj-ea"/>
-              <a:ea typeface="+mj-ea"/>
-            </a:endParaRPr>
-          </a:p>
-        </p:txBody>
-      </p:sp>
-    </p:spTree>
-  </p:cSld>
-  <p:clrMapOvr>
-    <a:masterClrMapping/>
-  </p:clrMapOvr>
-  <p:transition/>
-  <p:timing>
-    <p:tnLst>
-      <p:par>
-        <p:cTn id="1" dur="indefinite" restart="never" nodeType="tmRoot"/>
-      </p:par>
-    </p:tnLst>
-  </p:timing>
-</p:sld>
-</file>
-
-<file path=ppt/slides/slide6.xml><?xml version="1.0" encoding="utf-8"?>
-<p:sld xmlns:a="http://schemas.openxmlformats.org/drawingml/2006/main" xmlns:r="http://schemas.openxmlformats.org/officeDocument/2006/relationships" xmlns:p="http://schemas.openxmlformats.org/presentationml/2006/main">
-  <p:cSld>
-    <p:spTree>
-      <p:nvGrpSpPr>
-        <p:cNvPr id="1" name=""/>
-        <p:cNvGrpSpPr/>
-        <p:nvPr/>
-      </p:nvGrpSpPr>
-      <p:grpSpPr>
-        <a:xfrm>
-          <a:off x="0" y="0"/>
-          <a:ext cx="0" cy="0"/>
-          <a:chOff x="0" y="0"/>
-          <a:chExt cx="0" cy="0"/>
-        </a:xfrm>
-      </p:grpSpPr>
-      <p:sp>
-        <p:nvSpPr>
-          <p:cNvPr id="30722" name="内容占位符 3"/>
-          <p:cNvSpPr>
-            <a:spLocks noGrp="1"/>
-          </p:cNvSpPr>
-          <p:nvPr>
-            <p:ph sz="quarter" idx="10"/>
-          </p:nvPr>
-        </p:nvSpPr>
-        <p:spPr bwMode="auto">
-          <a:xfrm>
-            <a:off x="693526" y="907845"/>
-            <a:ext cx="10157038" cy="4681543"/>
-          </a:xfrm>
-          <a:solidFill>
-            <a:schemeClr val="bg1"/>
-          </a:solidFill>
-        </p:spPr>
-        <p:txBody>
-          <a:bodyPr vert="horz" wrap="square" lIns="91440" tIns="45720" rIns="91440" bIns="45720" numCol="1" anchor="t" anchorCtr="0" compatLnSpc="1"/>
-          <a:lstStyle/>
-          <a:p>
-            <a:pPr marL="360045"/>
-            <a:r>
-              <a:rPr lang="zh-CN" altLang="en-US" dirty="0" smtClean="0"/>
-              <a:t> 混合应用</a:t>
-            </a:r>
-            <a:endParaRPr lang="en-US" altLang="zh-CN" sz="2400" dirty="0" smtClean="0"/>
-          </a:p>
-          <a:p>
-            <a:pPr marL="591820" lvl="1"/>
-            <a:r>
-              <a:rPr lang="zh-CN" altLang="en-US" sz="2400" dirty="0" smtClean="0"/>
-              <a:t> 混合</a:t>
-            </a:r>
-            <a:r>
-              <a:rPr lang="zh-CN" altLang="en-US" sz="2400" dirty="0"/>
-              <a:t>模式应用，同时使用网页语言与程序语言</a:t>
-            </a:r>
-            <a:r>
-              <a:rPr lang="zh-CN" altLang="en-US" sz="2400" dirty="0" smtClean="0"/>
-              <a:t>编写</a:t>
-            </a:r>
-            <a:endParaRPr lang="en-US" altLang="zh-CN" sz="2400" dirty="0" smtClean="0"/>
-          </a:p>
-          <a:p>
-            <a:pPr marL="591820" lvl="1"/>
-            <a:r>
-              <a:rPr lang="zh-CN" altLang="en-US" sz="2400" dirty="0" smtClean="0"/>
-              <a:t> 通常</a:t>
-            </a:r>
-            <a:r>
-              <a:rPr lang="zh-CN" altLang="en-US" sz="2400" dirty="0"/>
-              <a:t>是基于第三方跨平台移动应用引擎框架进行开发</a:t>
-            </a:r>
-            <a:endParaRPr lang="en-US" altLang="zh-CN" sz="2400" dirty="0"/>
-          </a:p>
-          <a:p>
-            <a:pPr marL="591820" lvl="1"/>
-            <a:r>
-              <a:rPr lang="zh-CN" altLang="en-US" sz="2400" dirty="0" smtClean="0"/>
-              <a:t> 包含</a:t>
-            </a:r>
-            <a:r>
-              <a:rPr lang="zh-CN" altLang="en-US" sz="2400" dirty="0"/>
-              <a:t>原生视图和</a:t>
-            </a:r>
-            <a:r>
-              <a:rPr lang="en-US" altLang="zh-CN" sz="2400" dirty="0"/>
-              <a:t>Web</a:t>
-            </a:r>
-            <a:r>
-              <a:rPr lang="zh-CN" altLang="en-US" sz="2400" dirty="0"/>
-              <a:t>视图两种</a:t>
-            </a:r>
-            <a:r>
-              <a:rPr lang="zh-CN" altLang="en-US" sz="2400" dirty="0" smtClean="0"/>
-              <a:t>方式</a:t>
-            </a:r>
-            <a:endParaRPr lang="en-US" altLang="zh-CN" sz="2400" dirty="0" smtClean="0"/>
-          </a:p>
-          <a:p>
-            <a:pPr marL="591820" lvl="1"/>
-            <a:r>
-              <a:rPr lang="zh-CN" altLang="en-US" sz="2400" dirty="0" smtClean="0"/>
-              <a:t> 继承</a:t>
-            </a:r>
-            <a:r>
-              <a:rPr lang="zh-CN" altLang="en-US" sz="2400" dirty="0"/>
-              <a:t>了</a:t>
-            </a:r>
-            <a:r>
-              <a:rPr lang="en-US" altLang="zh-CN" sz="2400" dirty="0"/>
-              <a:t>Web App</a:t>
-            </a:r>
-            <a:r>
-              <a:rPr lang="zh-CN" altLang="en-US" sz="2400" dirty="0"/>
-              <a:t>实时更新、开发成本低等</a:t>
-            </a:r>
-            <a:r>
-              <a:rPr lang="zh-CN" altLang="en-US" sz="2400" dirty="0" smtClean="0"/>
-              <a:t>优点</a:t>
-            </a:r>
-            <a:endParaRPr lang="en-US" altLang="zh-CN" sz="2400" dirty="0"/>
-          </a:p>
-          <a:p>
-            <a:pPr marL="591820" lvl="1"/>
-            <a:r>
-              <a:rPr lang="zh-CN" altLang="en-US" sz="2400" dirty="0" smtClean="0"/>
-              <a:t> 通过</a:t>
-            </a:r>
-            <a:r>
-              <a:rPr lang="zh-CN" altLang="en-US" sz="2400" dirty="0"/>
-              <a:t>应用商店区分移动操作系统分发，用户需安装使用的移动应用</a:t>
-            </a:r>
-            <a:endParaRPr lang="en-US" altLang="zh-CN" sz="2400" dirty="0"/>
-          </a:p>
-          <a:p>
-            <a:pPr marL="591820" lvl="1"/>
-            <a:r>
-              <a:rPr lang="zh-CN" altLang="en-US" sz="2400" dirty="0" smtClean="0"/>
-              <a:t> 使用</a:t>
-            </a:r>
-            <a:r>
-              <a:rPr lang="zh-CN" altLang="en-US" sz="2400" dirty="0"/>
-              <a:t>方式和</a:t>
-            </a:r>
-            <a:r>
-              <a:rPr lang="en-US" altLang="zh-CN" sz="2400" dirty="0"/>
-              <a:t>Native App</a:t>
-            </a:r>
-            <a:r>
-              <a:rPr lang="zh-CN" altLang="en-US" sz="2400" dirty="0" smtClean="0"/>
-              <a:t>一致</a:t>
-            </a:r>
-            <a:endParaRPr lang="en-US" altLang="zh-CN" sz="2400" dirty="0" smtClean="0"/>
-          </a:p>
-          <a:p>
-            <a:pPr marL="361315" lvl="1" indent="0">
-              <a:buNone/>
-            </a:pPr>
-            <a:endParaRPr lang="en-US" altLang="zh-CN" sz="2400" dirty="0"/>
-          </a:p>
-        </p:txBody>
-      </p:sp>
-      <p:sp>
-        <p:nvSpPr>
-          <p:cNvPr id="25603" name="内容占位符 4"/>
-          <p:cNvSpPr>
-            <a:spLocks noGrp="1"/>
-          </p:cNvSpPr>
-          <p:nvPr>
-            <p:ph sz="quarter" idx="11"/>
-          </p:nvPr>
-        </p:nvSpPr>
-        <p:spPr bwMode="auto">
-          <a:xfrm>
-            <a:off x="909638" y="236538"/>
-            <a:ext cx="7575550" cy="490537"/>
-          </a:xfrm>
-          <a:extLst>
-            <a:ext uri="{909E8E84-426E-40DD-AFC4-6F175D3DCCD1}">
-              <a14:hiddenFill xmlns:a14="http://schemas.microsoft.com/office/drawing/2010/main">
-                <a:solidFill>
-                  <a:srgbClr val="FFFFFF"/>
-                </a:solidFill>
-              </a14:hiddenFill>
-            </a:ext>
-            <a:ext uri="{91240B29-F687-4F45-9708-019B960494DF}">
-              <a14:hiddenLine xmlns:a14="http://schemas.microsoft.com/office/drawing/2010/main" w="9525">
-                <a:solidFill>
-                  <a:srgbClr val="000000"/>
-                </a:solidFill>
-                <a:miter lim="800000"/>
-                <a:headEnd/>
-                <a:tailEnd/>
-              </a14:hiddenLine>
-            </a:ext>
-          </a:extLst>
-        </p:spPr>
-        <p:txBody>
-          <a:bodyPr vert="horz" wrap="square" lIns="91440" tIns="45720" rIns="91440" bIns="45720" numCol="1" anchor="t" anchorCtr="0" compatLnSpc="1"/>
-          <a:lstStyle/>
-          <a:p>
-            <a:pPr>
-              <a:defRPr/>
-            </a:pPr>
-            <a:r>
-              <a:rPr lang="zh-CN" altLang="en-US" dirty="0" smtClean="0">
-                <a:latin typeface="+mn-ea"/>
-                <a:ea typeface="+mn-ea"/>
-              </a:rPr>
-              <a:t>混合应用概述</a:t>
-            </a:r>
-          </a:p>
-        </p:txBody>
-      </p:sp>
-    </p:spTree>
-  </p:cSld>
-  <p:clrMapOvr>
-    <a:masterClrMapping/>
-  </p:clrMapOvr>
-  <p:timing>
-    <p:tnLst>
-      <p:par>
-        <p:cTn id="1" dur="indefinite" restart="never" nodeType="tmRoot"/>
-      </p:par>
-    </p:tnLst>
-  </p:timing>
-</p:sld>
-</file>
-
-<file path=ppt/slides/slide7.xml><?xml version="1.0" encoding="utf-8"?>
-<p:sld xmlns:a="http://schemas.openxmlformats.org/drawingml/2006/main" xmlns:r="http://schemas.openxmlformats.org/officeDocument/2006/relationships" xmlns:p="http://schemas.openxmlformats.org/presentationml/2006/main">
-  <p:cSld>
-    <p:spTree>
-      <p:nvGrpSpPr>
-        <p:cNvPr id="1" name=""/>
-        <p:cNvGrpSpPr/>
-        <p:nvPr/>
-      </p:nvGrpSpPr>
-      <p:grpSpPr>
-        <a:xfrm>
-          <a:off x="0" y="0"/>
-          <a:ext cx="0" cy="0"/>
-          <a:chOff x="0" y="0"/>
-          <a:chExt cx="0" cy="0"/>
-        </a:xfrm>
-      </p:grpSpPr>
-      <p:sp>
-        <p:nvSpPr>
-          <p:cNvPr id="21506" name="矩形 2"/>
-          <p:cNvSpPr>
-            <a:spLocks noChangeArrowheads="1"/>
-          </p:cNvSpPr>
-          <p:nvPr/>
-        </p:nvSpPr>
-        <p:spPr bwMode="auto">
-          <a:xfrm>
-            <a:off x="1053690" y="258763"/>
-            <a:ext cx="3186523" cy="585787"/>
-          </a:xfrm>
-          <a:prstGeom prst="rect">
-            <a:avLst/>
-          </a:prstGeom>
-          <a:noFill/>
-          <a:ln>
-            <a:noFill/>
-          </a:ln>
-          <a:extLst>
-            <a:ext uri="{909E8E84-426E-40DD-AFC4-6F175D3DCCD1}">
-              <a14:hiddenFill xmlns:a14="http://schemas.microsoft.com/office/drawing/2010/main">
-                <a:solidFill>
-                  <a:srgbClr val="FFFFFF"/>
-                </a:solidFill>
-              </a14:hiddenFill>
-            </a:ext>
-            <a:ext uri="{91240B29-F687-4F45-9708-019B960494DF}">
-              <a14:hiddenLine xmlns:a14="http://schemas.microsoft.com/office/drawing/2010/main" w="9525">
-                <a:solidFill>
-                  <a:srgbClr val="000000"/>
-                </a:solidFill>
-                <a:miter lim="800000"/>
-                <a:headEnd/>
-                <a:tailEnd/>
-              </a14:hiddenLine>
-            </a:ext>
-          </a:extLst>
-        </p:spPr>
-        <p:txBody>
-          <a:bodyPr wrap="square">
-            <a:spAutoFit/>
-          </a:bodyPr>
-          <a:lstStyle>
-            <a:lvl1pPr>
-              <a:defRPr sz="3200">
-                <a:solidFill>
-                  <a:schemeClr val="tx1"/>
-                </a:solidFill>
-                <a:latin typeface="Arial" panose="020B0604020202020204" pitchFamily="34" charset="0"/>
-                <a:ea typeface="微软雅黑" panose="020B0503020204020204" pitchFamily="34" charset="-122"/>
-              </a:defRPr>
-            </a:lvl1pPr>
-            <a:lvl2pPr marL="742950" indent="-285750">
-              <a:defRPr sz="3200">
-                <a:solidFill>
-                  <a:schemeClr val="tx1"/>
-                </a:solidFill>
-                <a:latin typeface="Arial" panose="020B0604020202020204" pitchFamily="34" charset="0"/>
-                <a:ea typeface="微软雅黑" panose="020B0503020204020204" pitchFamily="34" charset="-122"/>
-              </a:defRPr>
-            </a:lvl2pPr>
-            <a:lvl3pPr marL="1143000" indent="-228600">
-              <a:defRPr sz="3200">
-                <a:solidFill>
-                  <a:schemeClr val="tx1"/>
-                </a:solidFill>
-                <a:latin typeface="Arial" panose="020B0604020202020204" pitchFamily="34" charset="0"/>
-                <a:ea typeface="微软雅黑" panose="020B0503020204020204" pitchFamily="34" charset="-122"/>
-              </a:defRPr>
-            </a:lvl3pPr>
-            <a:lvl4pPr marL="1600200" indent="-228600">
-              <a:defRPr sz="3200">
-                <a:solidFill>
-                  <a:schemeClr val="tx1"/>
-                </a:solidFill>
-                <a:latin typeface="Arial" panose="020B0604020202020204" pitchFamily="34" charset="0"/>
-                <a:ea typeface="微软雅黑" panose="020B0503020204020204" pitchFamily="34" charset="-122"/>
-              </a:defRPr>
-            </a:lvl4pPr>
-            <a:lvl5pPr marL="2057400" indent="-228600">
-              <a:defRPr sz="3200">
-                <a:solidFill>
-                  <a:schemeClr val="tx1"/>
-                </a:solidFill>
-                <a:latin typeface="Arial" panose="020B0604020202020204" pitchFamily="34" charset="0"/>
-                <a:ea typeface="微软雅黑" panose="020B0503020204020204" pitchFamily="34" charset="-122"/>
-              </a:defRPr>
-            </a:lvl5pPr>
-            <a:lvl6pPr marL="2514600" indent="-228600" eaLnBrk="0" fontAlgn="base" hangingPunct="0">
-              <a:spcBef>
-                <a:spcPct val="0"/>
-              </a:spcBef>
-              <a:spcAft>
-                <a:spcPct val="0"/>
-              </a:spcAft>
-              <a:defRPr sz="3200">
-                <a:solidFill>
-                  <a:schemeClr val="tx1"/>
-                </a:solidFill>
-                <a:latin typeface="Arial" panose="020B0604020202020204" pitchFamily="34" charset="0"/>
-                <a:ea typeface="微软雅黑" panose="020B0503020204020204" pitchFamily="34" charset="-122"/>
-              </a:defRPr>
-            </a:lvl6pPr>
-            <a:lvl7pPr marL="2971800" indent="-228600" eaLnBrk="0" fontAlgn="base" hangingPunct="0">
-              <a:spcBef>
-                <a:spcPct val="0"/>
-              </a:spcBef>
-              <a:spcAft>
-                <a:spcPct val="0"/>
-              </a:spcAft>
-              <a:defRPr sz="3200">
-                <a:solidFill>
-                  <a:schemeClr val="tx1"/>
-                </a:solidFill>
-                <a:latin typeface="Arial" panose="020B0604020202020204" pitchFamily="34" charset="0"/>
-                <a:ea typeface="微软雅黑" panose="020B0503020204020204" pitchFamily="34" charset="-122"/>
-              </a:defRPr>
-            </a:lvl7pPr>
-            <a:lvl8pPr marL="3429000" indent="-228600" eaLnBrk="0" fontAlgn="base" hangingPunct="0">
-              <a:spcBef>
-                <a:spcPct val="0"/>
-              </a:spcBef>
-              <a:spcAft>
-                <a:spcPct val="0"/>
-              </a:spcAft>
-              <a:defRPr sz="3200">
-                <a:solidFill>
-                  <a:schemeClr val="tx1"/>
-                </a:solidFill>
-                <a:latin typeface="Arial" panose="020B0604020202020204" pitchFamily="34" charset="0"/>
-                <a:ea typeface="微软雅黑" panose="020B0503020204020204" pitchFamily="34" charset="-122"/>
-              </a:defRPr>
-            </a:lvl8pPr>
-            <a:lvl9pPr marL="3886200" indent="-228600" eaLnBrk="0" fontAlgn="base" hangingPunct="0">
-              <a:spcBef>
-                <a:spcPct val="0"/>
-              </a:spcBef>
-              <a:spcAft>
-                <a:spcPct val="0"/>
-              </a:spcAft>
-              <a:defRPr sz="3200">
-                <a:solidFill>
-                  <a:schemeClr val="tx1"/>
-                </a:solidFill>
-                <a:latin typeface="Arial" panose="020B0604020202020204" pitchFamily="34" charset="0"/>
-                <a:ea typeface="微软雅黑" panose="020B0503020204020204" pitchFamily="34" charset="-122"/>
-              </a:defRPr>
-            </a:lvl9pPr>
-          </a:lstStyle>
-          <a:p>
-            <a:r>
-              <a:rPr lang="zh-CN" altLang="en-US" dirty="0" smtClean="0">
-                <a:solidFill>
-                  <a:srgbClr val="C00000"/>
-                </a:solidFill>
-                <a:latin typeface="+mj-ea"/>
-                <a:ea typeface="+mj-ea"/>
-              </a:rPr>
-              <a:t>内容提纲</a:t>
-            </a:r>
-            <a:endParaRPr lang="zh-CN" altLang="en-US" dirty="0">
-              <a:solidFill>
-                <a:srgbClr val="C00000"/>
-              </a:solidFill>
-              <a:latin typeface="+mj-ea"/>
-              <a:ea typeface="+mj-ea"/>
-            </a:endParaRPr>
-          </a:p>
-        </p:txBody>
-      </p:sp>
-      <p:sp>
-        <p:nvSpPr>
-          <p:cNvPr id="21507" name="AutoShape 6"/>
-          <p:cNvSpPr>
-            <a:spLocks noChangeArrowheads="1"/>
-          </p:cNvSpPr>
-          <p:nvPr/>
-        </p:nvSpPr>
-        <p:spPr bwMode="auto">
-          <a:xfrm>
-            <a:off x="2309813" y="1428750"/>
-            <a:ext cx="6532562" cy="3943350"/>
-          </a:xfrm>
-          <a:prstGeom prst="roundRect">
-            <a:avLst>
-              <a:gd name="adj" fmla="val 16667"/>
-            </a:avLst>
-          </a:prstGeom>
-          <a:noFill/>
-          <a:ln w="28575">
-            <a:solidFill>
-              <a:srgbClr val="C0C0C0"/>
-            </a:solidFill>
-            <a:prstDash val="sysDot"/>
-            <a:round/>
-          </a:ln>
-          <a:extLst>
-            <a:ext uri="{909E8E84-426E-40DD-AFC4-6F175D3DCCD1}">
-              <a14:hiddenFill xmlns:a14="http://schemas.microsoft.com/office/drawing/2010/main">
-                <a:solidFill>
-                  <a:srgbClr val="FFFFFF"/>
-                </a:solidFill>
-              </a14:hiddenFill>
-            </a:ext>
-          </a:extLst>
-        </p:spPr>
-        <p:txBody>
-          <a:bodyPr wrap="none" anchor="ctr"/>
-          <a:lstStyle>
-            <a:lvl1pPr marL="457200" indent="-457200">
-              <a:defRPr sz="3200">
-                <a:solidFill>
-                  <a:schemeClr val="tx1"/>
-                </a:solidFill>
-                <a:latin typeface="Arial" panose="020B0604020202020204" pitchFamily="34" charset="0"/>
-                <a:ea typeface="微软雅黑" panose="020B0503020204020204" pitchFamily="34" charset="-122"/>
-              </a:defRPr>
-            </a:lvl1pPr>
-            <a:lvl2pPr marL="742950" indent="-285750">
-              <a:defRPr sz="3200">
-                <a:solidFill>
-                  <a:schemeClr val="tx1"/>
-                </a:solidFill>
-                <a:latin typeface="Arial" panose="020B0604020202020204" pitchFamily="34" charset="0"/>
-                <a:ea typeface="微软雅黑" panose="020B0503020204020204" pitchFamily="34" charset="-122"/>
-              </a:defRPr>
-            </a:lvl2pPr>
-            <a:lvl3pPr marL="1143000" indent="-228600">
-              <a:defRPr sz="3200">
-                <a:solidFill>
-                  <a:schemeClr val="tx1"/>
-                </a:solidFill>
-                <a:latin typeface="Arial" panose="020B0604020202020204" pitchFamily="34" charset="0"/>
-                <a:ea typeface="微软雅黑" panose="020B0503020204020204" pitchFamily="34" charset="-122"/>
-              </a:defRPr>
-            </a:lvl3pPr>
-            <a:lvl4pPr marL="1600200" indent="-228600">
-              <a:defRPr sz="3200">
-                <a:solidFill>
-                  <a:schemeClr val="tx1"/>
-                </a:solidFill>
-                <a:latin typeface="Arial" panose="020B0604020202020204" pitchFamily="34" charset="0"/>
-                <a:ea typeface="微软雅黑" panose="020B0503020204020204" pitchFamily="34" charset="-122"/>
-              </a:defRPr>
-            </a:lvl4pPr>
-            <a:lvl5pPr marL="2057400" indent="-228600">
-              <a:defRPr sz="3200">
-                <a:solidFill>
-                  <a:schemeClr val="tx1"/>
-                </a:solidFill>
-                <a:latin typeface="Arial" panose="020B0604020202020204" pitchFamily="34" charset="0"/>
-                <a:ea typeface="微软雅黑" panose="020B0503020204020204" pitchFamily="34" charset="-122"/>
-              </a:defRPr>
-            </a:lvl5pPr>
-            <a:lvl6pPr marL="2514600" indent="-228600" eaLnBrk="0" fontAlgn="base" hangingPunct="0">
-              <a:spcBef>
-                <a:spcPct val="0"/>
-              </a:spcBef>
-              <a:spcAft>
-                <a:spcPct val="0"/>
-              </a:spcAft>
-              <a:defRPr sz="3200">
-                <a:solidFill>
-                  <a:schemeClr val="tx1"/>
-                </a:solidFill>
-                <a:latin typeface="Arial" panose="020B0604020202020204" pitchFamily="34" charset="0"/>
-                <a:ea typeface="微软雅黑" panose="020B0503020204020204" pitchFamily="34" charset="-122"/>
-              </a:defRPr>
-            </a:lvl6pPr>
-            <a:lvl7pPr marL="2971800" indent="-228600" eaLnBrk="0" fontAlgn="base" hangingPunct="0">
-              <a:spcBef>
-                <a:spcPct val="0"/>
-              </a:spcBef>
-              <a:spcAft>
-                <a:spcPct val="0"/>
-              </a:spcAft>
-              <a:defRPr sz="3200">
-                <a:solidFill>
-                  <a:schemeClr val="tx1"/>
-                </a:solidFill>
-                <a:latin typeface="Arial" panose="020B0604020202020204" pitchFamily="34" charset="0"/>
-                <a:ea typeface="微软雅黑" panose="020B0503020204020204" pitchFamily="34" charset="-122"/>
-              </a:defRPr>
-            </a:lvl7pPr>
-            <a:lvl8pPr marL="3429000" indent="-228600" eaLnBrk="0" fontAlgn="base" hangingPunct="0">
-              <a:spcBef>
-                <a:spcPct val="0"/>
-              </a:spcBef>
-              <a:spcAft>
-                <a:spcPct val="0"/>
-              </a:spcAft>
-              <a:defRPr sz="3200">
-                <a:solidFill>
-                  <a:schemeClr val="tx1"/>
-                </a:solidFill>
-                <a:latin typeface="Arial" panose="020B0604020202020204" pitchFamily="34" charset="0"/>
-                <a:ea typeface="微软雅黑" panose="020B0503020204020204" pitchFamily="34" charset="-122"/>
-              </a:defRPr>
-            </a:lvl8pPr>
-            <a:lvl9pPr marL="3886200" indent="-228600" eaLnBrk="0" fontAlgn="base" hangingPunct="0">
-              <a:spcBef>
-                <a:spcPct val="0"/>
-              </a:spcBef>
-              <a:spcAft>
-                <a:spcPct val="0"/>
-              </a:spcAft>
-              <a:defRPr sz="3200">
-                <a:solidFill>
-                  <a:schemeClr val="tx1"/>
-                </a:solidFill>
-                <a:latin typeface="Arial" panose="020B0604020202020204" pitchFamily="34" charset="0"/>
-                <a:ea typeface="微软雅黑" panose="020B0503020204020204" pitchFamily="34" charset="-122"/>
-              </a:defRPr>
-            </a:lvl9pPr>
-          </a:lstStyle>
-          <a:p>
-            <a:pPr>
-              <a:lnSpc>
-                <a:spcPct val="200000"/>
-              </a:lnSpc>
-              <a:buClr>
-                <a:srgbClr val="92D050"/>
-              </a:buClr>
-              <a:buFont typeface="Wingdings" panose="05000000000000000000" pitchFamily="2" charset="2"/>
-              <a:buChar char="Ø"/>
-            </a:pPr>
-            <a:r>
-              <a:rPr lang="en-US" altLang="zh-CN" sz="2800" b="1" dirty="0">
-                <a:latin typeface="+mj-ea"/>
-                <a:ea typeface="+mj-ea"/>
-              </a:rPr>
-              <a:t>APP</a:t>
-            </a:r>
-            <a:r>
-              <a:rPr lang="zh-CN" altLang="en-US" sz="2800" b="1" dirty="0">
-                <a:latin typeface="+mj-ea"/>
-                <a:ea typeface="+mj-ea"/>
-              </a:rPr>
-              <a:t>开发模式</a:t>
-            </a:r>
-            <a:endParaRPr lang="en-US" altLang="zh-CN" sz="2800" b="1" dirty="0">
-              <a:latin typeface="+mj-ea"/>
-              <a:ea typeface="+mj-ea"/>
-            </a:endParaRPr>
-          </a:p>
-          <a:p>
-            <a:pPr>
-              <a:lnSpc>
-                <a:spcPct val="200000"/>
-              </a:lnSpc>
-              <a:buClr>
-                <a:srgbClr val="92D050"/>
-              </a:buClr>
-              <a:buFont typeface="Wingdings" panose="05000000000000000000" pitchFamily="2" charset="2"/>
-              <a:buChar char="Ø"/>
-            </a:pPr>
-            <a:r>
-              <a:rPr lang="zh-CN" altLang="en-US" sz="2800" b="1" dirty="0" smtClean="0">
-                <a:latin typeface="+mj-ea"/>
-                <a:ea typeface="+mj-ea"/>
-              </a:rPr>
-              <a:t>混合应用概述</a:t>
-            </a:r>
-            <a:endParaRPr lang="en-US" altLang="zh-CN" sz="2800" b="1" dirty="0">
-              <a:latin typeface="+mj-ea"/>
-              <a:ea typeface="+mj-ea"/>
-            </a:endParaRPr>
-          </a:p>
-          <a:p>
-            <a:pPr>
-              <a:lnSpc>
-                <a:spcPct val="200000"/>
-              </a:lnSpc>
-              <a:buClr>
-                <a:srgbClr val="92D050"/>
-              </a:buClr>
-              <a:buFont typeface="Wingdings" panose="05000000000000000000" pitchFamily="2" charset="2"/>
-              <a:buChar char="Ø"/>
-            </a:pPr>
-            <a:r>
-              <a:rPr lang="zh-CN" altLang="en-US" sz="2800" b="1" dirty="0">
-                <a:solidFill>
-                  <a:srgbClr val="C00000"/>
-                </a:solidFill>
-                <a:latin typeface="+mj-ea"/>
-                <a:ea typeface="+mj-ea"/>
-              </a:rPr>
-              <a:t>混合应用开发框架介绍</a:t>
-            </a:r>
-            <a:endParaRPr lang="en-US" altLang="zh-CN" sz="2800" b="1" dirty="0">
-              <a:solidFill>
-                <a:srgbClr val="C00000"/>
-              </a:solidFill>
-              <a:latin typeface="+mj-ea"/>
-              <a:ea typeface="+mj-ea"/>
-            </a:endParaRPr>
-          </a:p>
-        </p:txBody>
-      </p:sp>
-    </p:spTree>
-  </p:cSld>
-  <p:clrMapOvr>
-    <a:masterClrMapping/>
-  </p:clrMapOvr>
-  <p:transition/>
-  <p:timing>
-    <p:tnLst>
-      <p:par>
-        <p:cTn id="1" dur="indefinite" restart="never" nodeType="tmRoot"/>
-      </p:par>
-    </p:tnLst>
-  </p:timing>
-</p:sld>
-</file>
-
-<file path=ppt/slides/slide8.xml><?xml version="1.0" encoding="utf-8"?>
-<p:sld xmlns:a="http://schemas.openxmlformats.org/drawingml/2006/main" xmlns:r="http://schemas.openxmlformats.org/officeDocument/2006/relationships" xmlns:p="http://schemas.openxmlformats.org/presentationml/2006/main">
-  <p:cSld>
-    <p:spTree>
-      <p:nvGrpSpPr>
-        <p:cNvPr id="1" name=""/>
-        <p:cNvGrpSpPr/>
-        <p:nvPr/>
-      </p:nvGrpSpPr>
-      <p:grpSpPr>
-        <a:xfrm>
-          <a:off x="0" y="0"/>
-          <a:ext cx="0" cy="0"/>
-          <a:chOff x="0" y="0"/>
-          <a:chExt cx="0" cy="0"/>
-        </a:xfrm>
-      </p:grpSpPr>
-      <p:sp>
-        <p:nvSpPr>
-          <p:cNvPr id="30722" name="内容占位符 3"/>
-          <p:cNvSpPr>
-            <a:spLocks noGrp="1"/>
-          </p:cNvSpPr>
-          <p:nvPr>
-            <p:ph sz="quarter" idx="10"/>
-          </p:nvPr>
-        </p:nvSpPr>
-        <p:spPr bwMode="auto">
-          <a:xfrm>
-            <a:off x="693526" y="908447"/>
-            <a:ext cx="10157038" cy="5041708"/>
-          </a:xfrm>
-          <a:solidFill>
-            <a:schemeClr val="bg1"/>
-          </a:solidFill>
-        </p:spPr>
-        <p:txBody>
-          <a:bodyPr vert="horz" wrap="square" lIns="91440" tIns="45720" rIns="91440" bIns="45720" numCol="1" anchor="t" anchorCtr="0" compatLnSpc="1"/>
-          <a:lstStyle/>
-          <a:p>
-            <a:pPr marL="360045"/>
-            <a:r>
-              <a:rPr lang="zh-CN" altLang="en-US" dirty="0" smtClean="0"/>
-              <a:t> </a:t>
-            </a:r>
-            <a:r>
-              <a:rPr lang="en-US" altLang="zh-CN" dirty="0" err="1" smtClean="0">
-                <a:latin typeface="+mn-ea"/>
-                <a:ea typeface="+mn-ea"/>
-              </a:rPr>
-              <a:t>AppCan</a:t>
-            </a:r>
-            <a:endParaRPr lang="en-US" altLang="zh-CN" dirty="0" smtClean="0">
-              <a:latin typeface="+mn-ea"/>
-              <a:ea typeface="+mn-ea"/>
-            </a:endParaRPr>
-          </a:p>
-          <a:p>
-            <a:pPr marL="591820" lvl="1"/>
-            <a:r>
-              <a:rPr lang="zh-CN" altLang="en-US" sz="2400" dirty="0" smtClean="0"/>
-              <a:t> 是中国人自行开发的跨平台移动应用开发一体化解决方案</a:t>
-            </a:r>
-            <a:endParaRPr lang="en-US" altLang="zh-CN" sz="2400" dirty="0" smtClean="0"/>
-          </a:p>
-          <a:p>
-            <a:pPr marL="591820" lvl="1"/>
-            <a:r>
-              <a:rPr lang="zh-CN" altLang="en-US" sz="2400" dirty="0" smtClean="0"/>
-              <a:t> 提供</a:t>
-            </a:r>
-            <a:r>
-              <a:rPr lang="en-US" altLang="zh-CN" sz="2400" dirty="0" smtClean="0"/>
-              <a:t>UI</a:t>
-            </a:r>
-            <a:r>
-              <a:rPr lang="zh-CN" altLang="en-US" sz="2400" dirty="0" smtClean="0"/>
-              <a:t>快速开发框架、本地功能调用</a:t>
-            </a:r>
-            <a:r>
-              <a:rPr lang="en-US" altLang="zh-CN" sz="2400" dirty="0" smtClean="0"/>
-              <a:t>API</a:t>
-            </a:r>
-            <a:r>
-              <a:rPr lang="zh-CN" altLang="en-US" sz="2400" dirty="0" smtClean="0"/>
-              <a:t>接口、打包系统等</a:t>
-            </a:r>
-            <a:endParaRPr lang="en-US" altLang="zh-CN" sz="2400" dirty="0" smtClean="0"/>
-          </a:p>
-          <a:p>
-            <a:pPr marL="591820" lvl="1"/>
-            <a:r>
-              <a:rPr lang="en-US" altLang="zh-CN" sz="2400" dirty="0" smtClean="0"/>
-              <a:t> </a:t>
-            </a:r>
-            <a:r>
-              <a:rPr lang="zh-CN" altLang="en-US" sz="2400" dirty="0" smtClean="0"/>
-              <a:t>数百套界面模板、数十种应用插件</a:t>
-            </a:r>
-            <a:endParaRPr lang="en-US" altLang="zh-CN" sz="2400" dirty="0" smtClean="0"/>
-          </a:p>
-          <a:p>
-            <a:pPr marL="360045"/>
-            <a:r>
-              <a:rPr lang="en-US" altLang="zh-CN" dirty="0" smtClean="0"/>
-              <a:t> </a:t>
-            </a:r>
-            <a:r>
-              <a:rPr lang="en-US" altLang="zh-CN" dirty="0" err="1" smtClean="0"/>
-              <a:t>AppCan</a:t>
-            </a:r>
-            <a:r>
-              <a:rPr lang="zh-CN" altLang="en-US" dirty="0" smtClean="0"/>
-              <a:t>缺点</a:t>
-            </a:r>
-            <a:endParaRPr lang="en-US" altLang="zh-CN" dirty="0" smtClean="0"/>
-          </a:p>
-          <a:p>
-            <a:pPr marL="591820" lvl="1"/>
-            <a:r>
-              <a:rPr lang="en-US" altLang="zh-CN" dirty="0"/>
-              <a:t> </a:t>
-            </a:r>
-            <a:r>
-              <a:rPr lang="zh-CN" altLang="en-US" dirty="0" smtClean="0"/>
-              <a:t>无法修改优化底层代码</a:t>
-            </a:r>
-            <a:endParaRPr lang="en-US" altLang="zh-CN" dirty="0" smtClean="0"/>
-          </a:p>
-          <a:p>
-            <a:pPr marL="591820" lvl="1"/>
-            <a:r>
-              <a:rPr lang="zh-CN" altLang="en-US" dirty="0" smtClean="0"/>
-              <a:t> 暂</a:t>
-            </a:r>
-            <a:r>
-              <a:rPr lang="zh-CN" altLang="en-US" dirty="0"/>
-              <a:t>不</a:t>
-            </a:r>
-            <a:r>
-              <a:rPr lang="zh-CN" altLang="en-US" dirty="0" smtClean="0"/>
-              <a:t>支持自行开发原生控件</a:t>
-            </a:r>
-            <a:endParaRPr lang="en-US" altLang="zh-CN" dirty="0" smtClean="0"/>
-          </a:p>
-          <a:p>
-            <a:pPr marL="591820" lvl="1"/>
-            <a:r>
-              <a:rPr lang="en-US" altLang="zh-CN" dirty="0"/>
-              <a:t> </a:t>
-            </a:r>
-            <a:r>
-              <a:rPr lang="zh-CN" altLang="en-US" dirty="0" smtClean="0"/>
-              <a:t>框架自带功能过多导致应用安装包偏大</a:t>
-            </a:r>
-            <a:endParaRPr lang="en-US" altLang="zh-CN" dirty="0"/>
-          </a:p>
-        </p:txBody>
-      </p:sp>
-      <p:sp>
-        <p:nvSpPr>
-          <p:cNvPr id="25603" name="内容占位符 4"/>
-          <p:cNvSpPr>
-            <a:spLocks noGrp="1"/>
-          </p:cNvSpPr>
-          <p:nvPr>
-            <p:ph sz="quarter" idx="11"/>
-          </p:nvPr>
-        </p:nvSpPr>
-        <p:spPr bwMode="auto">
-          <a:xfrm>
-            <a:off x="909638" y="236538"/>
-            <a:ext cx="7575550" cy="490537"/>
-          </a:xfrm>
-          <a:extLst>
-            <a:ext uri="{909E8E84-426E-40DD-AFC4-6F175D3DCCD1}">
-              <a14:hiddenFill xmlns:a14="http://schemas.microsoft.com/office/drawing/2010/main">
-                <a:solidFill>
-                  <a:srgbClr val="FFFFFF"/>
-                </a:solidFill>
-              </a14:hiddenFill>
-            </a:ext>
-            <a:ext uri="{91240B29-F687-4F45-9708-019B960494DF}">
-              <a14:hiddenLine xmlns:a14="http://schemas.microsoft.com/office/drawing/2010/main" w="9525">
-                <a:solidFill>
-                  <a:srgbClr val="000000"/>
-                </a:solidFill>
-                <a:miter lim="800000"/>
-                <a:headEnd/>
-                <a:tailEnd/>
-              </a14:hiddenLine>
-            </a:ext>
-          </a:extLst>
-        </p:spPr>
-        <p:txBody>
-          <a:bodyPr vert="horz" wrap="square" lIns="91440" tIns="45720" rIns="91440" bIns="45720" numCol="1" anchor="t" anchorCtr="0" compatLnSpc="1"/>
-          <a:lstStyle/>
-          <a:p>
-            <a:pPr>
-              <a:defRPr/>
-            </a:pPr>
-            <a:r>
-              <a:rPr lang="en-US" altLang="zh-CN" dirty="0" err="1" smtClean="0">
-                <a:latin typeface="+mn-ea"/>
-                <a:ea typeface="+mn-ea"/>
-              </a:rPr>
-              <a:t>AppCan</a:t>
-            </a:r>
-            <a:endParaRPr lang="zh-CN" altLang="en-US" dirty="0" smtClean="0">
-              <a:latin typeface="+mn-ea"/>
-              <a:ea typeface="+mn-ea"/>
-            </a:endParaRPr>
-          </a:p>
-        </p:txBody>
-      </p:sp>
-    </p:spTree>
-  </p:cSld>
-  <p:clrMapOvr>
-    <a:masterClrMapping/>
-  </p:clrMapOvr>
-  <p:timing>
-    <p:tnLst>
-      <p:par>
-        <p:cTn id="1" dur="indefinite" restart="never" nodeType="tmRoot">
-          <p:childTnLst>
-            <p:seq concurrent="1" nextAc="seek">
-              <p:cTn id="2" dur="indefinite" nodeType="mainSeq">
-                <p:childTnLst>
-                  <p:par>
-                    <p:cTn id="3" fill="hold">
-                      <p:stCondLst>
-                        <p:cond delay="indefinite"/>
-                      </p:stCondLst>
-                      <p:childTnLst>
-                        <p:par>
-                          <p:cTn id="4" fill="hold">
-                            <p:stCondLst>
-                              <p:cond delay="0"/>
-                            </p:stCondLst>
-                            <p:childTnLst>
-                              <p:par>
-                                <p:cTn id="5" presetID="2" presetClass="entr" presetSubtype="4" fill="hold" nodeType="clickEffect">
-                                  <p:stCondLst>
-                                    <p:cond delay="0"/>
-                                  </p:stCondLst>
-                                  <p:childTnLst>
-                                    <p:set>
-                                      <p:cBhvr>
-                                        <p:cTn id="6" dur="1" fill="hold">
-                                          <p:stCondLst>
-                                            <p:cond delay="0"/>
-                                          </p:stCondLst>
-                                        </p:cTn>
-                                        <p:tgtEl>
-                                          <p:spTgt spid="30722">
-                                            <p:txEl>
-                                              <p:pRg st="1" end="1"/>
-                                            </p:txEl>
-                                          </p:spTgt>
-                                        </p:tgtEl>
-                                        <p:attrNameLst>
-                                          <p:attrName>style.visibility</p:attrName>
-                                        </p:attrNameLst>
-                                      </p:cBhvr>
-                                      <p:to>
-                                        <p:strVal val="visible"/>
-                                      </p:to>
-                                    </p:set>
-                                    <p:anim calcmode="lin" valueType="num">
-                                      <p:cBhvr additive="base">
-                                        <p:cTn id="7" dur="500" fill="hold"/>
-                                        <p:tgtEl>
-                                          <p:spTgt spid="30722">
-                                            <p:txEl>
-                                              <p:pRg st="1" end="1"/>
-                                            </p:txEl>
-                                          </p:spTgt>
-                                        </p:tgtEl>
-                                        <p:attrNameLst>
-                                          <p:attrName>ppt_x</p:attrName>
-                                        </p:attrNameLst>
-                                      </p:cBhvr>
-                                      <p:tavLst>
-                                        <p:tav tm="0">
-                                          <p:val>
-                                            <p:strVal val="#ppt_x"/>
-                                          </p:val>
-                                        </p:tav>
-                                        <p:tav tm="100000">
-                                          <p:val>
-                                            <p:strVal val="#ppt_x"/>
-                                          </p:val>
-                                        </p:tav>
-                                      </p:tavLst>
-                                    </p:anim>
-                                    <p:anim calcmode="lin" valueType="num">
-                                      <p:cBhvr additive="base">
-                                        <p:cTn id="8" dur="500" fill="hold"/>
-                                        <p:tgtEl>
-                                          <p:spTgt spid="30722">
-                                            <p:txEl>
-                                              <p:pRg st="1" end="1"/>
-                                            </p:txEl>
-                                          </p:spTgt>
-                                        </p:tgtEl>
-                                        <p:attrNameLst>
-                                          <p:attrName>ppt_y</p:attrName>
-                                        </p:attrNameLst>
-                                      </p:cBhvr>
-                                      <p:tavLst>
-                                        <p:tav tm="0">
-                                          <p:val>
-                                            <p:strVal val="1+#ppt_h/2"/>
-                                          </p:val>
-                                        </p:tav>
-                                        <p:tav tm="100000">
-                                          <p:val>
-                                            <p:strVal val="#ppt_y"/>
-                                          </p:val>
-                                        </p:tav>
-                                      </p:tavLst>
-                                    </p:anim>
-                                  </p:childTnLst>
-                                </p:cTn>
-                              </p:par>
-                              <p:par>
-                                <p:cTn id="9" presetID="2" presetClass="entr" presetSubtype="4" fill="hold" nodeType="withEffect">
-                                  <p:stCondLst>
-                                    <p:cond delay="0"/>
-                                  </p:stCondLst>
-                                  <p:childTnLst>
-                                    <p:set>
-                                      <p:cBhvr>
-                                        <p:cTn id="10" dur="1" fill="hold">
-                                          <p:stCondLst>
-                                            <p:cond delay="0"/>
-                                          </p:stCondLst>
-                                        </p:cTn>
-                                        <p:tgtEl>
-                                          <p:spTgt spid="30722">
-                                            <p:txEl>
-                                              <p:pRg st="2" end="2"/>
-                                            </p:txEl>
-                                          </p:spTgt>
-                                        </p:tgtEl>
-                                        <p:attrNameLst>
-                                          <p:attrName>style.visibility</p:attrName>
-                                        </p:attrNameLst>
-                                      </p:cBhvr>
-                                      <p:to>
-                                        <p:strVal val="visible"/>
-                                      </p:to>
-                                    </p:set>
-                                    <p:anim calcmode="lin" valueType="num">
-                                      <p:cBhvr additive="base">
-                                        <p:cTn id="11" dur="500" fill="hold"/>
-                                        <p:tgtEl>
-                                          <p:spTgt spid="30722">
-                                            <p:txEl>
-                                              <p:pRg st="2" end="2"/>
-                                            </p:txEl>
-                                          </p:spTgt>
-                                        </p:tgtEl>
-                                        <p:attrNameLst>
-                                          <p:attrName>ppt_x</p:attrName>
-                                        </p:attrNameLst>
-                                      </p:cBhvr>
-                                      <p:tavLst>
-                                        <p:tav tm="0">
-                                          <p:val>
-                                            <p:strVal val="#ppt_x"/>
-                                          </p:val>
-                                        </p:tav>
-                                        <p:tav tm="100000">
-                                          <p:val>
-                                            <p:strVal val="#ppt_x"/>
-                                          </p:val>
-                                        </p:tav>
-                                      </p:tavLst>
-                                    </p:anim>
-                                    <p:anim calcmode="lin" valueType="num">
-                                      <p:cBhvr additive="base">
-                                        <p:cTn id="12" dur="500" fill="hold"/>
-                                        <p:tgtEl>
-                                          <p:spTgt spid="30722">
-                                            <p:txEl>
-                                              <p:pRg st="2" end="2"/>
-                                            </p:txEl>
-                                          </p:spTgt>
-                                        </p:tgtEl>
-                                        <p:attrNameLst>
-                                          <p:attrName>ppt_y</p:attrName>
-                                        </p:attrNameLst>
-                                      </p:cBhvr>
-                                      <p:tavLst>
-                                        <p:tav tm="0">
-                                          <p:val>
-                                            <p:strVal val="1+#ppt_h/2"/>
-                                          </p:val>
-                                        </p:tav>
-                                        <p:tav tm="100000">
-                                          <p:val>
-                                            <p:strVal val="#ppt_y"/>
-                                          </p:val>
-                                        </p:tav>
-                                      </p:tavLst>
-                                    </p:anim>
-                                  </p:childTnLst>
-                                </p:cTn>
-                              </p:par>
-                              <p:par>
-                                <p:cTn id="13" presetID="2" presetClass="entr" presetSubtype="4" fill="hold" nodeType="withEffect">
-                                  <p:stCondLst>
-                                    <p:cond delay="0"/>
-                                  </p:stCondLst>
-                                  <p:childTnLst>
-                                    <p:set>
-                                      <p:cBhvr>
-                                        <p:cTn id="14" dur="1" fill="hold">
-                                          <p:stCondLst>
-                                            <p:cond delay="0"/>
-                                          </p:stCondLst>
-                                        </p:cTn>
-                                        <p:tgtEl>
-                                          <p:spTgt spid="30722">
-                                            <p:txEl>
-                                              <p:pRg st="3" end="3"/>
-                                            </p:txEl>
-                                          </p:spTgt>
-                                        </p:tgtEl>
-                                        <p:attrNameLst>
-                                          <p:attrName>style.visibility</p:attrName>
-                                        </p:attrNameLst>
-                                      </p:cBhvr>
-                                      <p:to>
-                                        <p:strVal val="visible"/>
-                                      </p:to>
-                                    </p:set>
-                                    <p:anim calcmode="lin" valueType="num">
-                                      <p:cBhvr additive="base">
-                                        <p:cTn id="15" dur="500" fill="hold"/>
-                                        <p:tgtEl>
-                                          <p:spTgt spid="30722">
-                                            <p:txEl>
-                                              <p:pRg st="3" end="3"/>
-                                            </p:txEl>
-                                          </p:spTgt>
-                                        </p:tgtEl>
-                                        <p:attrNameLst>
-                                          <p:attrName>ppt_x</p:attrName>
-                                        </p:attrNameLst>
-                                      </p:cBhvr>
-                                      <p:tavLst>
-                                        <p:tav tm="0">
-                                          <p:val>
-                                            <p:strVal val="#ppt_x"/>
-                                          </p:val>
-                                        </p:tav>
-                                        <p:tav tm="100000">
-                                          <p:val>
-                                            <p:strVal val="#ppt_x"/>
-                                          </p:val>
-                                        </p:tav>
-                                      </p:tavLst>
-                                    </p:anim>
-                                    <p:anim calcmode="lin" valueType="num">
-                                      <p:cBhvr additive="base">
-                                        <p:cTn id="16" dur="500" fill="hold"/>
-                                        <p:tgtEl>
-                                          <p:spTgt spid="30722">
-                                            <p:txEl>
-                                              <p:pRg st="3" end="3"/>
-                                            </p:txEl>
-                                          </p:spTgt>
-                                        </p:tgtEl>
-                                        <p:attrNameLst>
-                                          <p:attrName>ppt_y</p:attrName>
-                                        </p:attrNameLst>
-                                      </p:cBhvr>
-                                      <p:tavLst>
-                                        <p:tav tm="0">
-                                          <p:val>
-                                            <p:strVal val="1+#ppt_h/2"/>
-                                          </p:val>
-                                        </p:tav>
-                                        <p:tav tm="100000">
-                                          <p:val>
-                                            <p:strVal val="#ppt_y"/>
-                                          </p:val>
-                                        </p:tav>
-                                      </p:tavLst>
-                                    </p:anim>
-                                  </p:childTnLst>
-                                </p:cTn>
-                              </p:par>
                             </p:childTnLst>
                           </p:cTn>
                         </p:par>
@@ -8548,7 +6502,7 @@
 </p:sld>
 </file>
 
-<file path=ppt/slides/slide9.xml><?xml version="1.0" encoding="utf-8"?>
+<file path=ppt/slides/slide8.xml><?xml version="1.0" encoding="utf-8"?>
 <p:sld xmlns:a="http://schemas.openxmlformats.org/drawingml/2006/main" xmlns:r="http://schemas.openxmlformats.org/officeDocument/2006/relationships" xmlns:p="http://schemas.openxmlformats.org/presentationml/2006/main">
   <p:cSld>
     <p:spTree>
@@ -9528,6 +7482,785 @@
                                         </p:tav>
                                       </p:tavLst>
                                     </p:anim>
+                                  </p:childTnLst>
+                                </p:cTn>
+                              </p:par>
+                            </p:childTnLst>
+                          </p:cTn>
+                        </p:par>
+                      </p:childTnLst>
+                    </p:cTn>
+                  </p:par>
+                </p:childTnLst>
+              </p:cTn>
+              <p:prevCondLst>
+                <p:cond evt="onPrev" delay="0">
+                  <p:tgtEl>
+                    <p:sldTgt/>
+                  </p:tgtEl>
+                </p:cond>
+              </p:prevCondLst>
+              <p:nextCondLst>
+                <p:cond evt="onNext" delay="0">
+                  <p:tgtEl>
+                    <p:sldTgt/>
+                  </p:tgtEl>
+                </p:cond>
+              </p:nextCondLst>
+            </p:seq>
+          </p:childTnLst>
+        </p:cTn>
+      </p:par>
+    </p:tnLst>
+  </p:timing>
+</p:sld>
+</file>
+
+<file path=ppt/slides/slide9.xml><?xml version="1.0" encoding="utf-8"?>
+<p:sld xmlns:a="http://schemas.openxmlformats.org/drawingml/2006/main" xmlns:r="http://schemas.openxmlformats.org/officeDocument/2006/relationships" xmlns:p="http://schemas.openxmlformats.org/presentationml/2006/main">
+  <p:cSld>
+    <p:spTree>
+      <p:nvGrpSpPr>
+        <p:cNvPr id="1" name=""/>
+        <p:cNvGrpSpPr/>
+        <p:nvPr/>
+      </p:nvGrpSpPr>
+      <p:grpSpPr>
+        <a:xfrm>
+          <a:off x="0" y="0"/>
+          <a:ext cx="0" cy="0"/>
+          <a:chOff x="0" y="0"/>
+          <a:chExt cx="0" cy="0"/>
+        </a:xfrm>
+      </p:grpSpPr>
+      <p:sp>
+        <p:nvSpPr>
+          <p:cNvPr id="30722" name="内容占位符 3"/>
+          <p:cNvSpPr>
+            <a:spLocks noGrp="1"/>
+          </p:cNvSpPr>
+          <p:nvPr>
+            <p:ph sz="quarter" idx="10"/>
+          </p:nvPr>
+        </p:nvSpPr>
+        <p:spPr bwMode="auto">
+          <a:xfrm>
+            <a:off x="693526" y="907845"/>
+            <a:ext cx="10157038" cy="4609510"/>
+          </a:xfrm>
+          <a:solidFill>
+            <a:schemeClr val="bg1"/>
+          </a:solidFill>
+        </p:spPr>
+        <p:txBody>
+          <a:bodyPr vert="horz" wrap="square" lIns="91440" tIns="45720" rIns="91440" bIns="45720" numCol="1" anchor="t" anchorCtr="0" compatLnSpc="1"/>
+          <a:lstStyle/>
+          <a:p>
+            <a:pPr marL="360045"/>
+            <a:r>
+              <a:rPr lang="zh-CN" altLang="en-US" dirty="0" smtClean="0"/>
+              <a:t> </a:t>
+            </a:r>
+            <a:r>
+              <a:rPr lang="en-US" altLang="zh-CN" dirty="0" smtClean="0"/>
+              <a:t>Ionic</a:t>
+            </a:r>
+            <a:r>
+              <a:rPr lang="zh-CN" altLang="en-US" dirty="0" smtClean="0"/>
+              <a:t>介绍</a:t>
+            </a:r>
+            <a:endParaRPr lang="en-US" altLang="zh-CN" sz="2400" dirty="0" smtClean="0"/>
+          </a:p>
+          <a:p>
+            <a:pPr marL="591820" lvl="1"/>
+            <a:r>
+              <a:rPr lang="zh-CN" altLang="en-US" sz="2400" dirty="0" smtClean="0"/>
+              <a:t> 是</a:t>
+            </a:r>
+            <a:r>
+              <a:rPr lang="zh-CN" altLang="en-US" sz="2400" dirty="0"/>
+              <a:t>一个用来开发混合手机应用的，开源的，免费的</a:t>
+            </a:r>
+            <a:r>
+              <a:rPr lang="zh-CN" altLang="en-US" sz="2400" dirty="0" smtClean="0"/>
+              <a:t>代码库</a:t>
+            </a:r>
+            <a:endParaRPr lang="en-US" altLang="zh-CN" sz="2400" dirty="0" smtClean="0"/>
+          </a:p>
+          <a:p>
+            <a:pPr marL="591820" lvl="1"/>
+            <a:r>
+              <a:rPr lang="zh-CN" altLang="en-US" dirty="0" smtClean="0"/>
+              <a:t> 可以</a:t>
+            </a:r>
+            <a:r>
+              <a:rPr lang="zh-CN" altLang="en-US" dirty="0"/>
+              <a:t>快速创建</a:t>
+            </a:r>
+            <a:r>
+              <a:rPr lang="zh-CN" altLang="en-US" dirty="0" smtClean="0"/>
+              <a:t>一个</a:t>
+            </a:r>
+            <a:r>
+              <a:rPr lang="zh-CN" altLang="en-US" dirty="0"/>
+              <a:t>跨平台的移动应用</a:t>
+            </a:r>
+            <a:endParaRPr lang="en-US" altLang="zh-CN" sz="2400" dirty="0" smtClean="0"/>
+          </a:p>
+          <a:p>
+            <a:pPr marL="591820" lvl="1"/>
+            <a:r>
+              <a:rPr lang="zh-CN" altLang="en-US" dirty="0" smtClean="0"/>
+              <a:t> 提供</a:t>
+            </a:r>
+            <a:r>
+              <a:rPr lang="zh-CN" altLang="en-US" dirty="0"/>
+              <a:t>了</a:t>
+            </a:r>
+            <a:r>
+              <a:rPr lang="zh-CN" altLang="en-US" dirty="0" smtClean="0"/>
+              <a:t>很多</a:t>
+            </a:r>
+            <a:r>
+              <a:rPr lang="en-US" altLang="zh-CN" dirty="0" smtClean="0"/>
+              <a:t>UI</a:t>
+            </a:r>
+            <a:r>
+              <a:rPr lang="zh-CN" altLang="en-US" dirty="0" smtClean="0"/>
+              <a:t>组件，帮助开发者开发强大的应用</a:t>
+            </a:r>
+            <a:endParaRPr lang="en-US" altLang="zh-CN" dirty="0"/>
+          </a:p>
+          <a:p>
+            <a:pPr marL="591820" lvl="1"/>
+            <a:r>
+              <a:rPr lang="zh-CN" altLang="en-US" dirty="0" smtClean="0"/>
+              <a:t> 完全</a:t>
+            </a:r>
+            <a:r>
+              <a:rPr lang="zh-CN" altLang="en-US" dirty="0"/>
+              <a:t>基于</a:t>
+            </a:r>
+            <a:r>
+              <a:rPr lang="en-US" altLang="zh-CN" dirty="0"/>
+              <a:t>Angular</a:t>
+            </a:r>
+            <a:r>
+              <a:rPr lang="zh-CN" altLang="en-US" dirty="0"/>
+              <a:t>框架</a:t>
+            </a:r>
+            <a:endParaRPr lang="en-US" altLang="zh-CN" dirty="0"/>
+          </a:p>
+          <a:p>
+            <a:pPr marL="591820" lvl="1"/>
+            <a:r>
+              <a:rPr lang="zh-CN" altLang="en-US" dirty="0" smtClean="0"/>
+              <a:t> 专注</a:t>
+            </a:r>
+            <a:r>
+              <a:rPr lang="zh-CN" altLang="en-US" dirty="0"/>
+              <a:t>原生</a:t>
+            </a:r>
+            <a:r>
+              <a:rPr lang="zh-CN" altLang="en-US" dirty="0" smtClean="0"/>
+              <a:t>，</a:t>
+            </a:r>
+            <a:r>
+              <a:rPr lang="zh-CN" altLang="en-US" dirty="0"/>
+              <a:t>性能优越，运行速度</a:t>
+            </a:r>
+            <a:r>
+              <a:rPr lang="zh-CN" altLang="en-US" dirty="0" smtClean="0"/>
+              <a:t>快</a:t>
+            </a:r>
+            <a:endParaRPr lang="en-US" altLang="zh-CN" dirty="0" smtClean="0"/>
+          </a:p>
+          <a:p>
+            <a:pPr marL="591820" lvl="1"/>
+            <a:r>
+              <a:rPr lang="en-US" altLang="zh-CN" dirty="0" smtClean="0"/>
+              <a:t> Ionic </a:t>
+            </a:r>
+            <a:r>
+              <a:rPr lang="en-US" altLang="zh-CN" dirty="0"/>
+              <a:t>= </a:t>
+            </a:r>
+            <a:r>
+              <a:rPr lang="en-US" altLang="zh-CN" dirty="0" smtClean="0"/>
+              <a:t>Ionic CSS + Angular + Cordova</a:t>
+            </a:r>
+            <a:endParaRPr lang="zh-CN" altLang="en-US" dirty="0" smtClean="0"/>
+          </a:p>
+          <a:p>
+            <a:pPr marL="591820" lvl="1"/>
+            <a:endParaRPr lang="en-US" altLang="zh-CN" sz="2400" dirty="0"/>
+          </a:p>
+        </p:txBody>
+      </p:sp>
+      <p:sp>
+        <p:nvSpPr>
+          <p:cNvPr id="25603" name="内容占位符 4"/>
+          <p:cNvSpPr>
+            <a:spLocks noGrp="1"/>
+          </p:cNvSpPr>
+          <p:nvPr>
+            <p:ph sz="quarter" idx="11"/>
+          </p:nvPr>
+        </p:nvSpPr>
+        <p:spPr bwMode="auto">
+          <a:xfrm>
+            <a:off x="909638" y="236538"/>
+            <a:ext cx="7575550" cy="490537"/>
+          </a:xfrm>
+          <a:extLst>
+            <a:ext uri="{909E8E84-426E-40DD-AFC4-6F175D3DCCD1}">
+              <a14:hiddenFill xmlns:a14="http://schemas.microsoft.com/office/drawing/2010/main">
+                <a:solidFill>
+                  <a:srgbClr val="FFFFFF"/>
+                </a:solidFill>
+              </a14:hiddenFill>
+            </a:ext>
+            <a:ext uri="{91240B29-F687-4F45-9708-019B960494DF}">
+              <a14:hiddenLine xmlns:a14="http://schemas.microsoft.com/office/drawing/2010/main" w="9525">
+                <a:solidFill>
+                  <a:srgbClr val="000000"/>
+                </a:solidFill>
+                <a:miter lim="800000"/>
+                <a:headEnd/>
+                <a:tailEnd/>
+              </a14:hiddenLine>
+            </a:ext>
+          </a:extLst>
+        </p:spPr>
+        <p:txBody>
+          <a:bodyPr vert="horz" wrap="square" lIns="91440" tIns="45720" rIns="91440" bIns="45720" numCol="1" anchor="t" anchorCtr="0" compatLnSpc="1"/>
+          <a:lstStyle/>
+          <a:p>
+            <a:pPr>
+              <a:defRPr/>
+            </a:pPr>
+            <a:r>
+              <a:rPr lang="en-US" altLang="zh-CN" dirty="0" smtClean="0">
+                <a:latin typeface="+mn-ea"/>
+                <a:ea typeface="+mn-ea"/>
+              </a:rPr>
+              <a:t>Ionic</a:t>
+            </a:r>
+            <a:endParaRPr lang="zh-CN" altLang="en-US" dirty="0" smtClean="0">
+              <a:latin typeface="+mn-ea"/>
+              <a:ea typeface="+mn-ea"/>
+            </a:endParaRPr>
+          </a:p>
+        </p:txBody>
+      </p:sp>
+    </p:spTree>
+  </p:cSld>
+  <p:clrMapOvr>
+    <a:masterClrMapping/>
+  </p:clrMapOvr>
+  <p:timing>
+    <p:tnLst>
+      <p:par>
+        <p:cTn id="1" dur="indefinite" restart="never" nodeType="tmRoot">
+          <p:childTnLst>
+            <p:seq concurrent="1" nextAc="seek">
+              <p:cTn id="2" dur="indefinite" nodeType="mainSeq">
+                <p:childTnLst>
+                  <p:par>
+                    <p:cTn id="3" fill="hold">
+                      <p:stCondLst>
+                        <p:cond delay="indefinite"/>
+                      </p:stCondLst>
+                      <p:childTnLst>
+                        <p:par>
+                          <p:cTn id="4" fill="hold">
+                            <p:stCondLst>
+                              <p:cond delay="0"/>
+                            </p:stCondLst>
+                            <p:childTnLst>
+                              <p:par>
+                                <p:cTn id="5" presetID="2" presetClass="entr" presetSubtype="4" fill="hold" nodeType="clickEffect">
+                                  <p:stCondLst>
+                                    <p:cond delay="0"/>
+                                  </p:stCondLst>
+                                  <p:childTnLst>
+                                    <p:set>
+                                      <p:cBhvr>
+                                        <p:cTn id="6" dur="1" fill="hold">
+                                          <p:stCondLst>
+                                            <p:cond delay="0"/>
+                                          </p:stCondLst>
+                                        </p:cTn>
+                                        <p:tgtEl>
+                                          <p:spTgt spid="30722">
+                                            <p:txEl>
+                                              <p:pRg st="1" end="1"/>
+                                            </p:txEl>
+                                          </p:spTgt>
+                                        </p:tgtEl>
+                                        <p:attrNameLst>
+                                          <p:attrName>style.visibility</p:attrName>
+                                        </p:attrNameLst>
+                                      </p:cBhvr>
+                                      <p:to>
+                                        <p:strVal val="visible"/>
+                                      </p:to>
+                                    </p:set>
+                                    <p:anim calcmode="lin" valueType="num">
+                                      <p:cBhvr additive="base">
+                                        <p:cTn id="7" dur="500" fill="hold"/>
+                                        <p:tgtEl>
+                                          <p:spTgt spid="30722">
+                                            <p:txEl>
+                                              <p:pRg st="1" end="1"/>
+                                            </p:txEl>
+                                          </p:spTgt>
+                                        </p:tgtEl>
+                                        <p:attrNameLst>
+                                          <p:attrName>ppt_x</p:attrName>
+                                        </p:attrNameLst>
+                                      </p:cBhvr>
+                                      <p:tavLst>
+                                        <p:tav tm="0">
+                                          <p:val>
+                                            <p:strVal val="#ppt_x"/>
+                                          </p:val>
+                                        </p:tav>
+                                        <p:tav tm="100000">
+                                          <p:val>
+                                            <p:strVal val="#ppt_x"/>
+                                          </p:val>
+                                        </p:tav>
+                                      </p:tavLst>
+                                    </p:anim>
+                                    <p:anim calcmode="lin" valueType="num">
+                                      <p:cBhvr additive="base">
+                                        <p:cTn id="8" dur="500" fill="hold"/>
+                                        <p:tgtEl>
+                                          <p:spTgt spid="30722">
+                                            <p:txEl>
+                                              <p:pRg st="1" end="1"/>
+                                            </p:txEl>
+                                          </p:spTgt>
+                                        </p:tgtEl>
+                                        <p:attrNameLst>
+                                          <p:attrName>ppt_y</p:attrName>
+                                        </p:attrNameLst>
+                                      </p:cBhvr>
+                                      <p:tavLst>
+                                        <p:tav tm="0">
+                                          <p:val>
+                                            <p:strVal val="1+#ppt_h/2"/>
+                                          </p:val>
+                                        </p:tav>
+                                        <p:tav tm="100000">
+                                          <p:val>
+                                            <p:strVal val="#ppt_y"/>
+                                          </p:val>
+                                        </p:tav>
+                                      </p:tavLst>
+                                    </p:anim>
+                                  </p:childTnLst>
+                                </p:cTn>
+                              </p:par>
+                              <p:par>
+                                <p:cTn id="9" presetID="2" presetClass="entr" presetSubtype="4" fill="hold" nodeType="withEffect">
+                                  <p:stCondLst>
+                                    <p:cond delay="0"/>
+                                  </p:stCondLst>
+                                  <p:childTnLst>
+                                    <p:set>
+                                      <p:cBhvr>
+                                        <p:cTn id="10" dur="1" fill="hold">
+                                          <p:stCondLst>
+                                            <p:cond delay="0"/>
+                                          </p:stCondLst>
+                                        </p:cTn>
+                                        <p:tgtEl>
+                                          <p:spTgt spid="30722">
+                                            <p:txEl>
+                                              <p:pRg st="2" end="2"/>
+                                            </p:txEl>
+                                          </p:spTgt>
+                                        </p:tgtEl>
+                                        <p:attrNameLst>
+                                          <p:attrName>style.visibility</p:attrName>
+                                        </p:attrNameLst>
+                                      </p:cBhvr>
+                                      <p:to>
+                                        <p:strVal val="visible"/>
+                                      </p:to>
+                                    </p:set>
+                                    <p:anim calcmode="lin" valueType="num">
+                                      <p:cBhvr additive="base">
+                                        <p:cTn id="11" dur="500" fill="hold"/>
+                                        <p:tgtEl>
+                                          <p:spTgt spid="30722">
+                                            <p:txEl>
+                                              <p:pRg st="2" end="2"/>
+                                            </p:txEl>
+                                          </p:spTgt>
+                                        </p:tgtEl>
+                                        <p:attrNameLst>
+                                          <p:attrName>ppt_x</p:attrName>
+                                        </p:attrNameLst>
+                                      </p:cBhvr>
+                                      <p:tavLst>
+                                        <p:tav tm="0">
+                                          <p:val>
+                                            <p:strVal val="#ppt_x"/>
+                                          </p:val>
+                                        </p:tav>
+                                        <p:tav tm="100000">
+                                          <p:val>
+                                            <p:strVal val="#ppt_x"/>
+                                          </p:val>
+                                        </p:tav>
+                                      </p:tavLst>
+                                    </p:anim>
+                                    <p:anim calcmode="lin" valueType="num">
+                                      <p:cBhvr additive="base">
+                                        <p:cTn id="12" dur="500" fill="hold"/>
+                                        <p:tgtEl>
+                                          <p:spTgt spid="30722">
+                                            <p:txEl>
+                                              <p:pRg st="2" end="2"/>
+                                            </p:txEl>
+                                          </p:spTgt>
+                                        </p:tgtEl>
+                                        <p:attrNameLst>
+                                          <p:attrName>ppt_y</p:attrName>
+                                        </p:attrNameLst>
+                                      </p:cBhvr>
+                                      <p:tavLst>
+                                        <p:tav tm="0">
+                                          <p:val>
+                                            <p:strVal val="1+#ppt_h/2"/>
+                                          </p:val>
+                                        </p:tav>
+                                        <p:tav tm="100000">
+                                          <p:val>
+                                            <p:strVal val="#ppt_y"/>
+                                          </p:val>
+                                        </p:tav>
+                                      </p:tavLst>
+                                    </p:anim>
+                                  </p:childTnLst>
+                                </p:cTn>
+                              </p:par>
+                              <p:par>
+                                <p:cTn id="13" presetID="2" presetClass="entr" presetSubtype="4" fill="hold" nodeType="withEffect">
+                                  <p:stCondLst>
+                                    <p:cond delay="0"/>
+                                  </p:stCondLst>
+                                  <p:childTnLst>
+                                    <p:set>
+                                      <p:cBhvr>
+                                        <p:cTn id="14" dur="1" fill="hold">
+                                          <p:stCondLst>
+                                            <p:cond delay="0"/>
+                                          </p:stCondLst>
+                                        </p:cTn>
+                                        <p:tgtEl>
+                                          <p:spTgt spid="30722">
+                                            <p:txEl>
+                                              <p:pRg st="3" end="3"/>
+                                            </p:txEl>
+                                          </p:spTgt>
+                                        </p:tgtEl>
+                                        <p:attrNameLst>
+                                          <p:attrName>style.visibility</p:attrName>
+                                        </p:attrNameLst>
+                                      </p:cBhvr>
+                                      <p:to>
+                                        <p:strVal val="visible"/>
+                                      </p:to>
+                                    </p:set>
+                                    <p:anim calcmode="lin" valueType="num">
+                                      <p:cBhvr additive="base">
+                                        <p:cTn id="15" dur="500" fill="hold"/>
+                                        <p:tgtEl>
+                                          <p:spTgt spid="30722">
+                                            <p:txEl>
+                                              <p:pRg st="3" end="3"/>
+                                            </p:txEl>
+                                          </p:spTgt>
+                                        </p:tgtEl>
+                                        <p:attrNameLst>
+                                          <p:attrName>ppt_x</p:attrName>
+                                        </p:attrNameLst>
+                                      </p:cBhvr>
+                                      <p:tavLst>
+                                        <p:tav tm="0">
+                                          <p:val>
+                                            <p:strVal val="#ppt_x"/>
+                                          </p:val>
+                                        </p:tav>
+                                        <p:tav tm="100000">
+                                          <p:val>
+                                            <p:strVal val="#ppt_x"/>
+                                          </p:val>
+                                        </p:tav>
+                                      </p:tavLst>
+                                    </p:anim>
+                                    <p:anim calcmode="lin" valueType="num">
+                                      <p:cBhvr additive="base">
+                                        <p:cTn id="16" dur="500" fill="hold"/>
+                                        <p:tgtEl>
+                                          <p:spTgt spid="30722">
+                                            <p:txEl>
+                                              <p:pRg st="3" end="3"/>
+                                            </p:txEl>
+                                          </p:spTgt>
+                                        </p:tgtEl>
+                                        <p:attrNameLst>
+                                          <p:attrName>ppt_y</p:attrName>
+                                        </p:attrNameLst>
+                                      </p:cBhvr>
+                                      <p:tavLst>
+                                        <p:tav tm="0">
+                                          <p:val>
+                                            <p:strVal val="1+#ppt_h/2"/>
+                                          </p:val>
+                                        </p:tav>
+                                        <p:tav tm="100000">
+                                          <p:val>
+                                            <p:strVal val="#ppt_y"/>
+                                          </p:val>
+                                        </p:tav>
+                                      </p:tavLst>
+                                    </p:anim>
+                                  </p:childTnLst>
+                                </p:cTn>
+                              </p:par>
+                              <p:par>
+                                <p:cTn id="17" presetID="2" presetClass="entr" presetSubtype="4" fill="hold" nodeType="withEffect">
+                                  <p:stCondLst>
+                                    <p:cond delay="0"/>
+                                  </p:stCondLst>
+                                  <p:childTnLst>
+                                    <p:set>
+                                      <p:cBhvr>
+                                        <p:cTn id="18" dur="1" fill="hold">
+                                          <p:stCondLst>
+                                            <p:cond delay="0"/>
+                                          </p:stCondLst>
+                                        </p:cTn>
+                                        <p:tgtEl>
+                                          <p:spTgt spid="30722">
+                                            <p:txEl>
+                                              <p:pRg st="5" end="5"/>
+                                            </p:txEl>
+                                          </p:spTgt>
+                                        </p:tgtEl>
+                                        <p:attrNameLst>
+                                          <p:attrName>style.visibility</p:attrName>
+                                        </p:attrNameLst>
+                                      </p:cBhvr>
+                                      <p:to>
+                                        <p:strVal val="visible"/>
+                                      </p:to>
+                                    </p:set>
+                                    <p:anim calcmode="lin" valueType="num">
+                                      <p:cBhvr additive="base">
+                                        <p:cTn id="19" dur="500" fill="hold"/>
+                                        <p:tgtEl>
+                                          <p:spTgt spid="30722">
+                                            <p:txEl>
+                                              <p:pRg st="5" end="5"/>
+                                            </p:txEl>
+                                          </p:spTgt>
+                                        </p:tgtEl>
+                                        <p:attrNameLst>
+                                          <p:attrName>ppt_x</p:attrName>
+                                        </p:attrNameLst>
+                                      </p:cBhvr>
+                                      <p:tavLst>
+                                        <p:tav tm="0">
+                                          <p:val>
+                                            <p:strVal val="#ppt_x"/>
+                                          </p:val>
+                                        </p:tav>
+                                        <p:tav tm="100000">
+                                          <p:val>
+                                            <p:strVal val="#ppt_x"/>
+                                          </p:val>
+                                        </p:tav>
+                                      </p:tavLst>
+                                    </p:anim>
+                                    <p:anim calcmode="lin" valueType="num">
+                                      <p:cBhvr additive="base">
+                                        <p:cTn id="20" dur="500" fill="hold"/>
+                                        <p:tgtEl>
+                                          <p:spTgt spid="30722">
+                                            <p:txEl>
+                                              <p:pRg st="5" end="5"/>
+                                            </p:txEl>
+                                          </p:spTgt>
+                                        </p:tgtEl>
+                                        <p:attrNameLst>
+                                          <p:attrName>ppt_y</p:attrName>
+                                        </p:attrNameLst>
+                                      </p:cBhvr>
+                                      <p:tavLst>
+                                        <p:tav tm="0">
+                                          <p:val>
+                                            <p:strVal val="1+#ppt_h/2"/>
+                                          </p:val>
+                                        </p:tav>
+                                        <p:tav tm="100000">
+                                          <p:val>
+                                            <p:strVal val="#ppt_y"/>
+                                          </p:val>
+                                        </p:tav>
+                                      </p:tavLst>
+                                    </p:anim>
+                                  </p:childTnLst>
+                                </p:cTn>
+                              </p:par>
+                              <p:par>
+                                <p:cTn id="21" presetID="2" presetClass="entr" presetSubtype="4" fill="hold" nodeType="withEffect">
+                                  <p:stCondLst>
+                                    <p:cond delay="0"/>
+                                  </p:stCondLst>
+                                  <p:childTnLst>
+                                    <p:set>
+                                      <p:cBhvr>
+                                        <p:cTn id="22" dur="1" fill="hold">
+                                          <p:stCondLst>
+                                            <p:cond delay="0"/>
+                                          </p:stCondLst>
+                                        </p:cTn>
+                                        <p:tgtEl>
+                                          <p:spTgt spid="30722">
+                                            <p:txEl>
+                                              <p:pRg st="4" end="4"/>
+                                            </p:txEl>
+                                          </p:spTgt>
+                                        </p:tgtEl>
+                                        <p:attrNameLst>
+                                          <p:attrName>style.visibility</p:attrName>
+                                        </p:attrNameLst>
+                                      </p:cBhvr>
+                                      <p:to>
+                                        <p:strVal val="visible"/>
+                                      </p:to>
+                                    </p:set>
+                                    <p:anim calcmode="lin" valueType="num">
+                                      <p:cBhvr additive="base">
+                                        <p:cTn id="23" dur="500" fill="hold"/>
+                                        <p:tgtEl>
+                                          <p:spTgt spid="30722">
+                                            <p:txEl>
+                                              <p:pRg st="4" end="4"/>
+                                            </p:txEl>
+                                          </p:spTgt>
+                                        </p:tgtEl>
+                                        <p:attrNameLst>
+                                          <p:attrName>ppt_x</p:attrName>
+                                        </p:attrNameLst>
+                                      </p:cBhvr>
+                                      <p:tavLst>
+                                        <p:tav tm="0">
+                                          <p:val>
+                                            <p:strVal val="#ppt_x"/>
+                                          </p:val>
+                                        </p:tav>
+                                        <p:tav tm="100000">
+                                          <p:val>
+                                            <p:strVal val="#ppt_x"/>
+                                          </p:val>
+                                        </p:tav>
+                                      </p:tavLst>
+                                    </p:anim>
+                                    <p:anim calcmode="lin" valueType="num">
+                                      <p:cBhvr additive="base">
+                                        <p:cTn id="24" dur="500" fill="hold"/>
+                                        <p:tgtEl>
+                                          <p:spTgt spid="30722">
+                                            <p:txEl>
+                                              <p:pRg st="4" end="4"/>
+                                            </p:txEl>
+                                          </p:spTgt>
+                                        </p:tgtEl>
+                                        <p:attrNameLst>
+                                          <p:attrName>ppt_y</p:attrName>
+                                        </p:attrNameLst>
+                                      </p:cBhvr>
+                                      <p:tavLst>
+                                        <p:tav tm="0">
+                                          <p:val>
+                                            <p:strVal val="1+#ppt_h/2"/>
+                                          </p:val>
+                                        </p:tav>
+                                        <p:tav tm="100000">
+                                          <p:val>
+                                            <p:strVal val="#ppt_y"/>
+                                          </p:val>
+                                        </p:tav>
+                                      </p:tavLst>
+                                    </p:anim>
+                                  </p:childTnLst>
+                                </p:cTn>
+                              </p:par>
+                            </p:childTnLst>
+                          </p:cTn>
+                        </p:par>
+                      </p:childTnLst>
+                    </p:cTn>
+                  </p:par>
+                  <p:par>
+                    <p:cTn id="25" fill="hold">
+                      <p:stCondLst>
+                        <p:cond delay="indefinite"/>
+                      </p:stCondLst>
+                      <p:childTnLst>
+                        <p:par>
+                          <p:cTn id="26" fill="hold">
+                            <p:stCondLst>
+                              <p:cond delay="0"/>
+                            </p:stCondLst>
+                            <p:childTnLst>
+                              <p:par>
+                                <p:cTn id="27" presetID="16" presetClass="entr" presetSubtype="21" fill="hold" nodeType="clickEffect">
+                                  <p:stCondLst>
+                                    <p:cond delay="0"/>
+                                  </p:stCondLst>
+                                  <p:childTnLst>
+                                    <p:set>
+                                      <p:cBhvr>
+                                        <p:cTn id="28" dur="1" fill="hold">
+                                          <p:stCondLst>
+                                            <p:cond delay="0"/>
+                                          </p:stCondLst>
+                                        </p:cTn>
+                                        <p:tgtEl>
+                                          <p:spTgt spid="30722">
+                                            <p:txEl>
+                                              <p:pRg st="6" end="6"/>
+                                            </p:txEl>
+                                          </p:spTgt>
+                                        </p:tgtEl>
+                                        <p:attrNameLst>
+                                          <p:attrName>style.visibility</p:attrName>
+                                        </p:attrNameLst>
+                                      </p:cBhvr>
+                                      <p:to>
+                                        <p:strVal val="visible"/>
+                                      </p:to>
+                                    </p:set>
+                                    <p:animEffect transition="in" filter="barn(inVertical)">
+                                      <p:cBhvr>
+                                        <p:cTn id="29" dur="500"/>
+                                        <p:tgtEl>
+                                          <p:spTgt spid="30722">
+                                            <p:txEl>
+                                              <p:pRg st="6" end="6"/>
+                                            </p:txEl>
+                                          </p:spTgt>
+                                        </p:tgtEl>
+                                      </p:cBhvr>
+                                    </p:animEffect>
                                   </p:childTnLst>
                                 </p:cTn>
                               </p:par>
